--- a/O3652-4 Deep Dive Apps for Office in Excel/O3652-4 Deep Dive into Apps for Office in Excel.pptx
+++ b/O3652-4 Deep Dive Apps for Office in Excel/O3652-4 Deep Dive into Apps for Office in Excel.pptx
@@ -352,7 +352,7 @@
           <a:p>
             <a:fld id="{DE219B1A-AE41-483B-A766-69B9363DDA6A}" type="datetimeFigureOut">
               <a:rPr lang="en-US" smtClean="0"/>
-              <a:t>9/2/2014</a:t>
+              <a:t>9/5/2014</a:t>
             </a:fld>
             <a:endParaRPr lang="en-US"/>
           </a:p>
@@ -634,7 +634,7 @@
           <a:p>
             <a:fld id="{D51B1278-D92B-4AF3-A9C1-71DD298190CE}" type="datetimeFigureOut">
               <a:rPr lang="en-US" smtClean="0"/>
-              <a:t>9/2/2014</a:t>
+              <a:t>9/5/2014</a:t>
             </a:fld>
             <a:endParaRPr lang="en-US"/>
           </a:p>
@@ -1231,7 +1231,7 @@
           <a:p>
             <a:fld id="{F520EA6B-12B9-470C-8032-CF7B89111BB8}" type="datetime1">
               <a:rPr lang="en-US" smtClean="0"/>
-              <a:t>9/2/2014</a:t>
+              <a:t>9/5/2014</a:t>
             </a:fld>
             <a:endParaRPr lang="en-US"/>
           </a:p>
@@ -1453,7 +1453,7 @@
           <a:p>
             <a:fld id="{FC5F0E7A-DD5F-4903-B380-98FDBDD8F972}" type="datetime1">
               <a:rPr lang="en-US" smtClean="0"/>
-              <a:t>9/2/2014</a:t>
+              <a:t>9/5/2014</a:t>
             </a:fld>
             <a:endParaRPr lang="en-US"/>
           </a:p>
@@ -1667,7 +1667,7 @@
           <a:p>
             <a:fld id="{64469F49-A1F5-4E7A-A41B-14BD8D8FB2E1}" type="datetime1">
               <a:rPr lang="en-US" smtClean="0"/>
-              <a:t>9/2/2014</a:t>
+              <a:t>9/5/2014</a:t>
             </a:fld>
             <a:endParaRPr lang="en-US"/>
           </a:p>
@@ -2081,7 +2081,7 @@
           <a:p>
             <a:fld id="{3C3D75D6-D7ED-4F1A-BC4D-CE1CC6485FEF}" type="datetime1">
               <a:rPr lang="en-US" smtClean="0"/>
-              <a:t>9/2/2014</a:t>
+              <a:t>9/5/2014</a:t>
             </a:fld>
             <a:endParaRPr lang="en-US"/>
           </a:p>
@@ -2312,7 +2312,7 @@
           <a:p>
             <a:fld id="{528D7E24-7ED3-49C5-88AA-13D456689A00}" type="datetime1">
               <a:rPr lang="en-US" smtClean="0"/>
-              <a:t>9/2/2014</a:t>
+              <a:t>9/5/2014</a:t>
             </a:fld>
             <a:endParaRPr lang="en-US"/>
           </a:p>
@@ -2720,7 +2720,7 @@
           <a:p>
             <a:fld id="{D833ED9A-4CD3-4047-B234-D5636E1D65D6}" type="datetime1">
               <a:rPr lang="en-US" smtClean="0"/>
-              <a:t>9/2/2014</a:t>
+              <a:t>9/5/2014</a:t>
             </a:fld>
             <a:endParaRPr lang="en-US"/>
           </a:p>
@@ -3017,7 +3017,7 @@
           <a:p>
             <a:fld id="{6C509CD5-557B-4FFD-9030-66E7A2030ABE}" type="datetime1">
               <a:rPr lang="en-US" smtClean="0"/>
-              <a:t>9/2/2014</a:t>
+              <a:t>9/5/2014</a:t>
             </a:fld>
             <a:endParaRPr lang="en-US"/>
           </a:p>
@@ -3235,7 +3235,7 @@
           <a:p>
             <a:fld id="{F8C64A9D-8829-430E-BA7E-156543677E2C}" type="datetime1">
               <a:rPr lang="en-US" smtClean="0"/>
-              <a:t>9/2/2014</a:t>
+              <a:t>9/5/2014</a:t>
             </a:fld>
             <a:endParaRPr lang="en-US"/>
           </a:p>
@@ -3571,7 +3571,7 @@
           <a:p>
             <a:fld id="{34F11D28-A1AE-4EA4-A343-76FF1D746F0E}" type="datetime1">
               <a:rPr lang="en-US" smtClean="0"/>
-              <a:t>9/2/2014</a:t>
+              <a:t>9/5/2014</a:t>
             </a:fld>
             <a:endParaRPr lang="en-US"/>
           </a:p>
@@ -3821,7 +3821,7 @@
           <a:p>
             <a:fld id="{CAFAEC0D-A9DC-4104-A93F-17133DFA0E36}" type="datetime1">
               <a:rPr lang="en-US" smtClean="0"/>
-              <a:t>9/2/2014</a:t>
+              <a:t>9/5/2014</a:t>
             </a:fld>
             <a:endParaRPr lang="en-US"/>
           </a:p>
@@ -4081,7 +4081,7 @@
           <a:p>
             <a:fld id="{B079C3B8-7366-4A44-A34B-3977080C19E7}" type="datetime1">
               <a:rPr lang="en-US" smtClean="0"/>
-              <a:t>9/2/2014</a:t>
+              <a:t>9/5/2014</a:t>
             </a:fld>
             <a:endParaRPr lang="en-US" dirty="0"/>
           </a:p>
@@ -4228,7 +4228,7 @@
           <a:p>
             <a:fld id="{EF25576C-FBFD-4D10-8DAD-3BC9A0B1B26B}" type="datetime1">
               <a:rPr lang="en-US" smtClean="0"/>
-              <a:t>9/2/2014</a:t>
+              <a:t>9/5/2014</a:t>
             </a:fld>
             <a:endParaRPr lang="en-US"/>
           </a:p>
@@ -4521,7 +4521,7 @@
           <a:p>
             <a:fld id="{2ADE4B48-6275-4D6A-BF09-F49D804DC1C7}" type="datetime1">
               <a:rPr lang="en-US" smtClean="0"/>
-              <a:t>9/2/2014</a:t>
+              <a:t>9/5/2014</a:t>
             </a:fld>
             <a:endParaRPr lang="en-US"/>
           </a:p>
@@ -4735,7 +4735,7 @@
           <a:p>
             <a:fld id="{9D689792-065F-46CA-A8D6-9FE9DE607F6F}" type="datetime1">
               <a:rPr lang="en-US" smtClean="0"/>
-              <a:t>9/2/2014</a:t>
+              <a:t>9/5/2014</a:t>
             </a:fld>
             <a:endParaRPr lang="en-US"/>
           </a:p>
@@ -5059,7 +5059,7 @@
                 </a:solidFill>
               </a:rPr>
               <a:pPr/>
-              <a:t>9/2/2014</a:t>
+              <a:t>9/5/2014</a:t>
             </a:fld>
             <a:endParaRPr lang="en-US" smtClean="0">
               <a:solidFill>
@@ -5423,7 +5423,7 @@
           <a:p>
             <a:fld id="{5830350E-ACB1-43A6-88CF-7B4AD277BC67}" type="datetime1">
               <a:rPr lang="en-US" smtClean="0"/>
-              <a:t>9/2/2014</a:t>
+              <a:t>9/5/2014</a:t>
             </a:fld>
             <a:endParaRPr lang="en-US"/>
           </a:p>
@@ -5704,7 +5704,7 @@
           <a:p>
             <a:fld id="{78F2F61C-3C71-4D72-AAAA-EBBF57852989}" type="datetime1">
               <a:rPr lang="en-US" smtClean="0"/>
-              <a:t>9/2/2014</a:t>
+              <a:t>9/5/2014</a:t>
             </a:fld>
             <a:endParaRPr lang="en-US"/>
           </a:p>
@@ -5949,7 +5949,7 @@
           <a:p>
             <a:fld id="{FF14B676-97ED-41B1-9238-56ABE5960535}" type="datetime1">
               <a:rPr lang="en-US" smtClean="0"/>
-              <a:t>9/2/2014</a:t>
+              <a:t>9/5/2014</a:t>
             </a:fld>
             <a:endParaRPr lang="en-US"/>
           </a:p>
@@ -6209,7 +6209,7 @@
           <a:p>
             <a:fld id="{B079C3B8-7366-4A44-A34B-3977080C19E7}" type="datetime1">
               <a:rPr lang="en-US" smtClean="0"/>
-              <a:t>9/2/2014</a:t>
+              <a:t>9/5/2014</a:t>
             </a:fld>
             <a:endParaRPr lang="en-US" dirty="0"/>
           </a:p>
@@ -6451,7 +6451,7 @@
           <a:p>
             <a:fld id="{0BB6559B-C68D-49B4-97AE-9BB74C417927}" type="datetime1">
               <a:rPr lang="en-US" smtClean="0"/>
-              <a:t>9/2/2014</a:t>
+              <a:t>9/5/2014</a:t>
             </a:fld>
             <a:endParaRPr lang="en-US"/>
           </a:p>
@@ -6614,7 +6614,7 @@
           <a:p>
             <a:fld id="{015232D4-6E30-4A26-A2CA-8531DCB72EA6}" type="datetime1">
               <a:rPr lang="en-US" smtClean="0"/>
-              <a:t>9/2/2014</a:t>
+              <a:t>9/5/2014</a:t>
             </a:fld>
             <a:endParaRPr lang="en-US"/>
           </a:p>
@@ -6908,7 +6908,7 @@
           <a:p>
             <a:fld id="{74902DF4-DDCE-46FB-8A24-00FD15374D28}" type="datetime1">
               <a:rPr lang="en-US" smtClean="0"/>
-              <a:t>9/2/2014</a:t>
+              <a:t>9/5/2014</a:t>
             </a:fld>
             <a:endParaRPr lang="en-US"/>
           </a:p>
@@ -7215,7 +7215,7 @@
           <a:p>
             <a:fld id="{9FEEF74C-1007-402E-B0A6-22E0FEB3AB9E}" type="datetime1">
               <a:rPr lang="en-US" smtClean="0"/>
-              <a:t>9/2/2014</a:t>
+              <a:t>9/5/2014</a:t>
             </a:fld>
             <a:endParaRPr lang="en-US"/>
           </a:p>
@@ -7689,7 +7689,7 @@
           <a:p>
             <a:fld id="{0963315D-FADD-47D1-B04E-85DCA5AF53D6}" type="datetime1">
               <a:rPr lang="en-US" smtClean="0"/>
-              <a:t>9/2/2014</a:t>
+              <a:t>9/5/2014</a:t>
             </a:fld>
             <a:endParaRPr lang="en-US"/>
           </a:p>
@@ -18082,11 +18082,11 @@
   <p:clrMapOvr>
     <a:masterClrMapping/>
   </p:clrMapOvr>
-  <mc:AlternateContent xmlns:mc="http://schemas.openxmlformats.org/markup-compatibility/2006">
-    <mc:Choice xmlns:p14="http://schemas.microsoft.com/office/powerpoint/2010/main" Requires="p14">
+  <mc:AlternateContent xmlns:mc="http://schemas.openxmlformats.org/markup-compatibility/2006" xmlns:p14="http://schemas.microsoft.com/office/powerpoint/2010/main">
+    <mc:Choice Requires="p14">
       <p:transition p14:dur="0"/>
     </mc:Choice>
-    <mc:Fallback>
+    <mc:Fallback xmlns="">
       <p:transition/>
     </mc:Fallback>
   </mc:AlternateContent>
@@ -18195,7 +18195,19 @@
             <a:pPr lvl="1"/>
             <a:r>
               <a:rPr lang="en-US" sz="1999" dirty="0" smtClean="0"/>
-              <a:t>You must choose (1) the app share and (2) which Office application are to be supported</a:t>
+              <a:t>You must choose (1) the </a:t>
+            </a:r>
+            <a:r>
+              <a:rPr lang="en-US" sz="1999" smtClean="0"/>
+              <a:t>app </a:t>
+            </a:r>
+            <a:r>
+              <a:rPr lang="en-US" sz="1999" smtClean="0"/>
+              <a:t>shape </a:t>
+            </a:r>
+            <a:r>
+              <a:rPr lang="en-US" sz="1999" dirty="0" smtClean="0"/>
+              <a:t>and (2) which Office application are to be supported</a:t>
             </a:r>
             <a:endParaRPr lang="en-US" sz="1999" dirty="0"/>
           </a:p>
@@ -18301,11 +18313,11 @@
   <p:clrMapOvr>
     <a:masterClrMapping/>
   </p:clrMapOvr>
-  <mc:AlternateContent xmlns:mc="http://schemas.openxmlformats.org/markup-compatibility/2006">
-    <mc:Choice xmlns:p14="http://schemas.microsoft.com/office/powerpoint/2010/main" Requires="p14">
+  <mc:AlternateContent xmlns:mc="http://schemas.openxmlformats.org/markup-compatibility/2006" xmlns:p14="http://schemas.microsoft.com/office/powerpoint/2010/main">
+    <mc:Choice Requires="p14">
       <p:transition p14:dur="0"/>
     </mc:Choice>
-    <mc:Fallback>
+    <mc:Fallback xmlns="">
       <p:transition/>
     </mc:Fallback>
   </mc:AlternateContent>
@@ -18472,11 +18484,11 @@
   <p:clrMapOvr>
     <a:masterClrMapping/>
   </p:clrMapOvr>
-  <mc:AlternateContent xmlns:mc="http://schemas.openxmlformats.org/markup-compatibility/2006">
-    <mc:Choice xmlns:p14="http://schemas.microsoft.com/office/powerpoint/2010/main" Requires="p14">
+  <mc:AlternateContent xmlns:mc="http://schemas.openxmlformats.org/markup-compatibility/2006" xmlns:p14="http://schemas.microsoft.com/office/powerpoint/2010/main">
+    <mc:Choice Requires="p14">
       <p:transition p14:dur="0"/>
     </mc:Choice>
-    <mc:Fallback>
+    <mc:Fallback xmlns="">
       <p:transition/>
     </mc:Fallback>
   </mc:AlternateContent>
@@ -18564,11 +18576,11 @@
   <p:clrMapOvr>
     <a:masterClrMapping/>
   </p:clrMapOvr>
-  <mc:AlternateContent xmlns:mc="http://schemas.openxmlformats.org/markup-compatibility/2006">
-    <mc:Choice xmlns:p14="http://schemas.microsoft.com/office/powerpoint/2010/main" Requires="p14">
+  <mc:AlternateContent xmlns:mc="http://schemas.openxmlformats.org/markup-compatibility/2006" xmlns:p14="http://schemas.microsoft.com/office/powerpoint/2010/main">
+    <mc:Choice Requires="p14">
       <p:transition p14:dur="0"/>
     </mc:Choice>
-    <mc:Fallback>
+    <mc:Fallback xmlns="">
       <p:transition/>
     </mc:Fallback>
   </mc:AlternateContent>
@@ -18844,7 +18856,6 @@
               <a:rPr lang="en-US" sz="2000" dirty="0" smtClean="0"/>
               <a:t>All Permissions + use of Silverlight &amp; Flash</a:t>
             </a:r>
-            <a:endParaRPr lang="en-US" sz="2000" dirty="0" smtClean="0"/>
           </a:p>
         </p:txBody>
       </p:sp>
@@ -19314,21 +19325,6 @@
               </a:rPr>
               <a:t>1</a:t>
             </a:r>
-            <a:endParaRPr lang="en-US" sz="2200" dirty="0" smtClean="0">
-              <a:gradFill>
-                <a:gsLst>
-                  <a:gs pos="0">
-                    <a:srgbClr val="FFFFFF"/>
-                  </a:gs>
-                  <a:gs pos="100000">
-                    <a:srgbClr val="FFFFFF"/>
-                  </a:gs>
-                </a:gsLst>
-                <a:lin ang="5400000" scaled="0"/>
-              </a:gradFill>
-              <a:ea typeface="Segoe UI" pitchFamily="34" charset="0"/>
-              <a:cs typeface="Segoe UI" pitchFamily="34" charset="0"/>
-            </a:endParaRPr>
           </a:p>
         </p:txBody>
       </p:sp>
@@ -19405,21 +19401,6 @@
               </a:rPr>
               <a:t>2</a:t>
             </a:r>
-            <a:endParaRPr lang="en-US" sz="2200" dirty="0" smtClean="0">
-              <a:gradFill>
-                <a:gsLst>
-                  <a:gs pos="0">
-                    <a:srgbClr val="FFFFFF"/>
-                  </a:gs>
-                  <a:gs pos="100000">
-                    <a:srgbClr val="FFFFFF"/>
-                  </a:gs>
-                </a:gsLst>
-                <a:lin ang="5400000" scaled="0"/>
-              </a:gradFill>
-              <a:ea typeface="Segoe UI" pitchFamily="34" charset="0"/>
-              <a:cs typeface="Segoe UI" pitchFamily="34" charset="0"/>
-            </a:endParaRPr>
           </a:p>
         </p:txBody>
       </p:sp>
@@ -20820,7 +20801,7 @@
                 <a:gridCol w="11225057">
                   <a:extLst>
                     <a:ext uri="{9D8B030D-6E8A-4147-A177-3AD203B41FA5}">
-                      <a16:colId xmlns:a16="http://schemas.microsoft.com/office/drawing/2014/main" xmlns="" val="1253488153"/>
+                      <a16:colId xmlns="" xmlns:a16="http://schemas.microsoft.com/office/drawing/2014/main" val="1253488153"/>
                     </a:ext>
                   </a:extLst>
                 </a:gridCol>
@@ -20850,7 +20831,7 @@
                 </a:tc>
                 <a:extLst>
                   <a:ext uri="{0D108BD9-81ED-4DB2-BD59-A6C34878D82A}">
-                    <a16:rowId xmlns:a16="http://schemas.microsoft.com/office/drawing/2014/main" xmlns="" val="829859176"/>
+                    <a16:rowId xmlns="" xmlns:a16="http://schemas.microsoft.com/office/drawing/2014/main" val="829859176"/>
                   </a:ext>
                 </a:extLst>
               </a:tr>
@@ -20871,7 +20852,7 @@
                 </a:tc>
                 <a:extLst>
                   <a:ext uri="{0D108BD9-81ED-4DB2-BD59-A6C34878D82A}">
-                    <a16:rowId xmlns:a16="http://schemas.microsoft.com/office/drawing/2014/main" xmlns="" val="1946132611"/>
+                    <a16:rowId xmlns="" xmlns:a16="http://schemas.microsoft.com/office/drawing/2014/main" val="1946132611"/>
                   </a:ext>
                 </a:extLst>
               </a:tr>
@@ -20908,7 +20889,7 @@
                 </a:tc>
                 <a:extLst>
                   <a:ext uri="{0D108BD9-81ED-4DB2-BD59-A6C34878D82A}">
-                    <a16:rowId xmlns:a16="http://schemas.microsoft.com/office/drawing/2014/main" xmlns="" val="3204002662"/>
+                    <a16:rowId xmlns="" xmlns:a16="http://schemas.microsoft.com/office/drawing/2014/main" val="3204002662"/>
                   </a:ext>
                 </a:extLst>
               </a:tr>
@@ -20949,7 +20930,7 @@
                 </a:tc>
                 <a:extLst>
                   <a:ext uri="{0D108BD9-81ED-4DB2-BD59-A6C34878D82A}">
-                    <a16:rowId xmlns:a16="http://schemas.microsoft.com/office/drawing/2014/main" xmlns="" val="4266278162"/>
+                    <a16:rowId xmlns="" xmlns:a16="http://schemas.microsoft.com/office/drawing/2014/main" val="4266278162"/>
                   </a:ext>
                 </a:extLst>
               </a:tr>
@@ -21184,11 +21165,7 @@
           <a:p>
             <a:r>
               <a:rPr lang="en-US" dirty="0" smtClean="0"/>
-              <a:t>Creating </a:t>
-            </a:r>
-            <a:r>
-              <a:rPr lang="en-US" dirty="0" smtClean="0"/>
-              <a:t>an App For Office Targeting Excel</a:t>
+              <a:t>Creating an App For Office Targeting Excel</a:t>
             </a:r>
             <a:endParaRPr lang="en-US" dirty="0"/>
           </a:p>
@@ -22774,11 +22751,7 @@
           <a:p>
             <a:r>
               <a:rPr lang="en-US" dirty="0" smtClean="0"/>
-              <a:t>Bindings in App for Office with </a:t>
-            </a:r>
-            <a:r>
-              <a:rPr lang="en-US" dirty="0" smtClean="0"/>
-              <a:t>Excel</a:t>
+              <a:t>Bindings in App for Office with Excel</a:t>
             </a:r>
             <a:endParaRPr lang="en-US" dirty="0"/>
           </a:p>
@@ -22801,11 +22774,7 @@
           <a:p>
             <a:r>
               <a:rPr lang="en-US" dirty="0" smtClean="0"/>
-              <a:t>Excel supports </a:t>
-            </a:r>
-            <a:r>
-              <a:rPr lang="en-US" dirty="0" smtClean="0"/>
-              <a:t>data binding to content in document</a:t>
+              <a:t>Excel supports data binding to content in document</a:t>
             </a:r>
           </a:p>
           <a:p>
@@ -22816,17 +22785,8 @@
             </a:pPr>
             <a:r>
               <a:rPr lang="en-US" dirty="0" smtClean="0"/>
-              <a:t>Excel supports </a:t>
-            </a:r>
-            <a:r>
-              <a:rPr lang="en-US" dirty="0" smtClean="0"/>
-              <a:t>binding </a:t>
-            </a:r>
-            <a:r>
-              <a:rPr lang="en-US" dirty="0" smtClean="0"/>
-              <a:t>to named ranges inside Workbook</a:t>
-            </a:r>
-            <a:endParaRPr lang="en-US" dirty="0" smtClean="0"/>
+              <a:t>Excel supports binding to named ranges inside Workbook</a:t>
+            </a:r>
           </a:p>
           <a:p>
             <a:pPr lvl="1">
@@ -22836,15 +22796,7 @@
             </a:pPr>
             <a:r>
               <a:rPr lang="en-US" dirty="0" smtClean="0"/>
-              <a:t>Bindings created using </a:t>
-            </a:r>
-            <a:r>
-              <a:rPr lang="en-US" dirty="0" smtClean="0"/>
-              <a:t>name of named range which </a:t>
-            </a:r>
-            <a:r>
-              <a:rPr lang="en-US" dirty="0" smtClean="0"/>
-              <a:t>serves as ID</a:t>
+              <a:t>Bindings created using name of named range which serves as ID</a:t>
             </a:r>
           </a:p>
           <a:p>
@@ -22866,13 +22818,8 @@
             </a:pPr>
             <a:r>
               <a:rPr lang="en-US" dirty="0" smtClean="0"/>
-              <a:t>You can register event handlers to fire when user updates bound </a:t>
-            </a:r>
-            <a:r>
-              <a:rPr lang="en-US" dirty="0" smtClean="0"/>
-              <a:t>content</a:t>
-            </a:r>
-            <a:endParaRPr lang="en-US" dirty="0" smtClean="0"/>
+              <a:t>You can register event handlers to fire when user updates bound content</a:t>
+            </a:r>
           </a:p>
         </p:txBody>
       </p:sp>
@@ -24048,11 +23995,7 @@
           <a:p>
             <a:r>
               <a:rPr lang="en-US" dirty="0" smtClean="0"/>
-              <a:t>Creating </a:t>
-            </a:r>
-            <a:r>
-              <a:rPr lang="en-US" dirty="0" smtClean="0"/>
-              <a:t>an App using Bindings and Event Handlers</a:t>
+              <a:t>Creating an App using Bindings and Event Handlers</a:t>
             </a:r>
             <a:endParaRPr lang="en-US" dirty="0"/>
           </a:p>
@@ -24231,10 +24174,6 @@
               <a:rPr lang="en-US" dirty="0" smtClean="0"/>
               <a:t>Summary</a:t>
             </a:r>
-            <a:r>
-              <a:rPr lang="en-US" dirty="0" smtClean="0"/>
-              <a:t/>
-            </a:r>
             <a:br>
               <a:rPr lang="en-US" dirty="0" smtClean="0"/>
             </a:br>
@@ -24252,13 +24191,13 @@
   <p:clrMapOvr>
     <a:masterClrMapping/>
   </p:clrMapOvr>
-  <mc:AlternateContent xmlns:mc="http://schemas.openxmlformats.org/markup-compatibility/2006">
-    <mc:Choice xmlns:p14="http://schemas.microsoft.com/office/powerpoint/2010/main" Requires="p14">
+  <mc:AlternateContent xmlns:mc="http://schemas.openxmlformats.org/markup-compatibility/2006" xmlns:p14="http://schemas.microsoft.com/office/powerpoint/2010/main">
+    <mc:Choice Requires="p14">
       <p:transition spd="med" p14:dur="700">
         <p:fade/>
       </p:transition>
     </mc:Choice>
-    <mc:Fallback>
+    <mc:Fallback xmlns="">
       <p:transition spd="med">
         <p:fade/>
       </p:transition>
@@ -24974,11 +24913,11 @@
   <p:clrMapOvr>
     <a:masterClrMapping/>
   </p:clrMapOvr>
-  <mc:AlternateContent xmlns:mc="http://schemas.openxmlformats.org/markup-compatibility/2006">
-    <mc:Choice xmlns:p14="http://schemas.microsoft.com/office/powerpoint/2010/main" Requires="p14">
+  <mc:AlternateContent xmlns:mc="http://schemas.openxmlformats.org/markup-compatibility/2006" xmlns:p14="http://schemas.microsoft.com/office/powerpoint/2010/main">
+    <mc:Choice Requires="p14">
       <p:transition p14:dur="0"/>
     </mc:Choice>
-    <mc:Fallback>
+    <mc:Fallback xmlns="">
       <p:transition/>
     </mc:Fallback>
   </mc:AlternateContent>
@@ -25026,11 +24965,7 @@
           <a:p>
             <a:r>
               <a:rPr lang="en-US" dirty="0" smtClean="0"/>
-              <a:t>Shapes for Document-based </a:t>
-            </a:r>
-            <a:r>
-              <a:rPr lang="en-US" dirty="0" smtClean="0"/>
-              <a:t>Apps</a:t>
+              <a:t>Shapes for Document-based Apps</a:t>
             </a:r>
             <a:endParaRPr lang="en-US" dirty="0"/>
           </a:p>
@@ -25562,11 +25497,11 @@
   <p:clrMapOvr>
     <a:masterClrMapping/>
   </p:clrMapOvr>
-  <mc:AlternateContent xmlns:mc="http://schemas.openxmlformats.org/markup-compatibility/2006">
-    <mc:Choice xmlns:p14="http://schemas.microsoft.com/office/powerpoint/2010/main" Requires="p14">
+  <mc:AlternateContent xmlns:mc="http://schemas.openxmlformats.org/markup-compatibility/2006" xmlns:p14="http://schemas.microsoft.com/office/powerpoint/2010/main">
+    <mc:Choice Requires="p14">
       <p:transition p14:dur="0"/>
     </mc:Choice>
-    <mc:Fallback>
+    <mc:Fallback xmlns="">
       <p:transition/>
     </mc:Fallback>
   </mc:AlternateContent>
@@ -26469,11 +26404,11 @@
   <p:clrMapOvr>
     <a:masterClrMapping/>
   </p:clrMapOvr>
-  <mc:AlternateContent xmlns:mc="http://schemas.openxmlformats.org/markup-compatibility/2006">
-    <mc:Choice xmlns:p14="http://schemas.microsoft.com/office/powerpoint/2010/main" Requires="p14">
+  <mc:AlternateContent xmlns:mc="http://schemas.openxmlformats.org/markup-compatibility/2006" xmlns:p14="http://schemas.microsoft.com/office/powerpoint/2010/main">
+    <mc:Choice Requires="p14">
       <p:transition p14:dur="0"/>
     </mc:Choice>
-    <mc:Fallback>
+    <mc:Fallback xmlns="">
       <p:transition/>
     </mc:Fallback>
   </mc:AlternateContent>
@@ -27640,6 +27575,21 @@
 </file>
 
 <file path=customXml/item1.xml><?xml version="1.0" encoding="utf-8"?>
+<?mso-contentType ?>
+<FormTemplates xmlns="http://schemas.microsoft.com/sharepoint/v3/contenttype/forms">
+  <Display>DocumentLibraryForm</Display>
+  <Edit>DocumentLibraryForm</Edit>
+  <New>DocumentLibraryForm</New>
+</FormTemplates>
+</file>
+
+<file path=customXml/item2.xml><?xml version="1.0" encoding="utf-8"?>
+<p:properties xmlns:p="http://schemas.microsoft.com/office/2006/metadata/properties" xmlns:xsi="http://www.w3.org/2001/XMLSchema-instance" xmlns:pc="http://schemas.microsoft.com/office/infopath/2007/PartnerControls">
+  <documentManagement/>
+</p:properties>
+</file>
+
+<file path=customXml/item3.xml><?xml version="1.0" encoding="utf-8"?>
 <ct:contentTypeSchema xmlns:ct="http://schemas.microsoft.com/office/2006/metadata/contentType" xmlns:ma="http://schemas.microsoft.com/office/2006/metadata/properties/metaAttributes" ct:_="" ma:_="" ma:contentTypeName="Document" ma:contentTypeID="0x010100A2E4C90AA7333249A7DBC8CC6F49919B" ma:contentTypeVersion="1" ma:contentTypeDescription="Create a new document." ma:contentTypeScope="" ma:versionID="e7b09f0f38d7ed30c7da14951e97abcc">
   <xsd:schema xmlns:xsd="http://www.w3.org/2001/XMLSchema" xmlns:xs="http://www.w3.org/2001/XMLSchema" xmlns:p="http://schemas.microsoft.com/office/2006/metadata/properties" xmlns:ns2="5fad15d0-477e-40da-a20d-40d4ca777cbd" targetNamespace="http://schemas.microsoft.com/office/2006/metadata/properties" ma:root="true" ma:fieldsID="0cee24db179c30c5ebec40b677cadf70" ns2:_="">
     <xsd:import namespace="5fad15d0-477e-40da-a20d-40d4ca777cbd"/>
@@ -27779,22 +27729,31 @@
 </ct:contentTypeSchema>
 </file>
 
-<file path=customXml/item2.xml><?xml version="1.0" encoding="utf-8"?>
-<?mso-contentType ?>
-<FormTemplates xmlns="http://schemas.microsoft.com/sharepoint/v3/contenttype/forms">
-  <Display>DocumentLibraryForm</Display>
-  <Edit>DocumentLibraryForm</Edit>
-  <New>DocumentLibraryForm</New>
-</FormTemplates>
+<file path=customXml/itemProps1.xml><?xml version="1.0" encoding="utf-8"?>
+<ds:datastoreItem xmlns:ds="http://schemas.openxmlformats.org/officeDocument/2006/customXml" ds:itemID="{E1E0CE18-CA03-4891-9CD8-3448778E3D53}">
+  <ds:schemaRefs>
+    <ds:schemaRef ds:uri="http://schemas.microsoft.com/sharepoint/v3/contenttype/forms"/>
+  </ds:schemaRefs>
+</ds:datastoreItem>
 </file>
 
-<file path=customXml/item3.xml><?xml version="1.0" encoding="utf-8"?>
-<p:properties xmlns:p="http://schemas.microsoft.com/office/2006/metadata/properties" xmlns:xsi="http://www.w3.org/2001/XMLSchema-instance" xmlns:pc="http://schemas.microsoft.com/office/infopath/2007/PartnerControls">
-  <documentManagement/>
-</p:properties>
+<file path=customXml/itemProps2.xml><?xml version="1.0" encoding="utf-8"?>
+<ds:datastoreItem xmlns:ds="http://schemas.openxmlformats.org/officeDocument/2006/customXml" ds:itemID="{DA593625-DB14-4FB0-B5A9-3269FA9C120B}">
+  <ds:schemaRefs>
+    <ds:schemaRef ds:uri="http://purl.org/dc/terms/"/>
+    <ds:schemaRef ds:uri="http://schemas.microsoft.com/office/2006/metadata/properties"/>
+    <ds:schemaRef ds:uri="http://schemas.microsoft.com/office/2006/documentManagement/types"/>
+    <ds:schemaRef ds:uri="http://schemas.microsoft.com/office/infopath/2007/PartnerControls"/>
+    <ds:schemaRef ds:uri="http://purl.org/dc/dcmitype/"/>
+    <ds:schemaRef ds:uri="http://schemas.openxmlformats.org/package/2006/metadata/core-properties"/>
+    <ds:schemaRef ds:uri="5fad15d0-477e-40da-a20d-40d4ca777cbd"/>
+    <ds:schemaRef ds:uri="http://www.w3.org/XML/1998/namespace"/>
+    <ds:schemaRef ds:uri="http://purl.org/dc/elements/1.1/"/>
+  </ds:schemaRefs>
+</ds:datastoreItem>
 </file>
 
-<file path=customXml/itemProps1.xml><?xml version="1.0" encoding="utf-8"?>
+<file path=customXml/itemProps3.xml><?xml version="1.0" encoding="utf-8"?>
 <ds:datastoreItem xmlns:ds="http://schemas.openxmlformats.org/officeDocument/2006/customXml" ds:itemID="{F17DCE38-6787-497B-B958-75817420EB1E}">
   <ds:schemaRefs>
     <ds:schemaRef ds:uri="http://schemas.microsoft.com/office/2006/metadata/contentType"/>
@@ -27810,28 +27769,4 @@
     <ds:schemaRef ds:uri="http://schemas.microsoft.com/internal/obd"/>
   </ds:schemaRefs>
 </ds:datastoreItem>
-</file>
-
-<file path=customXml/itemProps2.xml><?xml version="1.0" encoding="utf-8"?>
-<ds:datastoreItem xmlns:ds="http://schemas.openxmlformats.org/officeDocument/2006/customXml" ds:itemID="{E1E0CE18-CA03-4891-9CD8-3448778E3D53}">
-  <ds:schemaRefs>
-    <ds:schemaRef ds:uri="http://schemas.microsoft.com/sharepoint/v3/contenttype/forms"/>
-  </ds:schemaRefs>
-</ds:datastoreItem>
-</file>
-
-<file path=customXml/itemProps3.xml><?xml version="1.0" encoding="utf-8"?>
-<ds:datastoreItem xmlns:ds="http://schemas.openxmlformats.org/officeDocument/2006/customXml" ds:itemID="{DA593625-DB14-4FB0-B5A9-3269FA9C120B}">
-  <ds:schemaRefs>
-    <ds:schemaRef ds:uri="http://purl.org/dc/terms/"/>
-    <ds:schemaRef ds:uri="http://schemas.microsoft.com/office/2006/metadata/properties"/>
-    <ds:schemaRef ds:uri="http://schemas.microsoft.com/office/2006/documentManagement/types"/>
-    <ds:schemaRef ds:uri="http://schemas.microsoft.com/office/infopath/2007/PartnerControls"/>
-    <ds:schemaRef ds:uri="http://purl.org/dc/dcmitype/"/>
-    <ds:schemaRef ds:uri="http://schemas.openxmlformats.org/package/2006/metadata/core-properties"/>
-    <ds:schemaRef ds:uri="5fad15d0-477e-40da-a20d-40d4ca777cbd"/>
-    <ds:schemaRef ds:uri="http://www.w3.org/XML/1998/namespace"/>
-    <ds:schemaRef ds:uri="http://purl.org/dc/elements/1.1/"/>
-  </ds:schemaRefs>
-</ds:datastoreItem>
 </file>
--- a/O3652-4 Deep Dive Apps for Office in Excel/O3652-4 Deep Dive into Apps for Office in Excel.pptx
+++ b/O3652-4 Deep Dive Apps for Office in Excel/O3652-4 Deep Dive into Apps for Office in Excel.pptx
@@ -352,7 +352,7 @@
           <a:p>
             <a:fld id="{DE219B1A-AE41-483B-A766-69B9363DDA6A}" type="datetimeFigureOut">
               <a:rPr lang="en-US" smtClean="0"/>
-              <a:t>9/5/2014</a:t>
+              <a:t>9/12/2014</a:t>
             </a:fld>
             <a:endParaRPr lang="en-US"/>
           </a:p>
@@ -634,7 +634,7 @@
           <a:p>
             <a:fld id="{D51B1278-D92B-4AF3-A9C1-71DD298190CE}" type="datetimeFigureOut">
               <a:rPr lang="en-US" smtClean="0"/>
-              <a:t>9/5/2014</a:t>
+              <a:t>9/12/2014</a:t>
             </a:fld>
             <a:endParaRPr lang="en-US"/>
           </a:p>
@@ -1231,7 +1231,7 @@
           <a:p>
             <a:fld id="{F520EA6B-12B9-470C-8032-CF7B89111BB8}" type="datetime1">
               <a:rPr lang="en-US" smtClean="0"/>
-              <a:t>9/5/2014</a:t>
+              <a:t>9/12/2014</a:t>
             </a:fld>
             <a:endParaRPr lang="en-US"/>
           </a:p>
@@ -1453,7 +1453,7 @@
           <a:p>
             <a:fld id="{FC5F0E7A-DD5F-4903-B380-98FDBDD8F972}" type="datetime1">
               <a:rPr lang="en-US" smtClean="0"/>
-              <a:t>9/5/2014</a:t>
+              <a:t>9/12/2014</a:t>
             </a:fld>
             <a:endParaRPr lang="en-US"/>
           </a:p>
@@ -1667,7 +1667,7 @@
           <a:p>
             <a:fld id="{64469F49-A1F5-4E7A-A41B-14BD8D8FB2E1}" type="datetime1">
               <a:rPr lang="en-US" smtClean="0"/>
-              <a:t>9/5/2014</a:t>
+              <a:t>9/12/2014</a:t>
             </a:fld>
             <a:endParaRPr lang="en-US"/>
           </a:p>
@@ -2081,7 +2081,7 @@
           <a:p>
             <a:fld id="{3C3D75D6-D7ED-4F1A-BC4D-CE1CC6485FEF}" type="datetime1">
               <a:rPr lang="en-US" smtClean="0"/>
-              <a:t>9/5/2014</a:t>
+              <a:t>9/12/2014</a:t>
             </a:fld>
             <a:endParaRPr lang="en-US"/>
           </a:p>
@@ -2312,7 +2312,7 @@
           <a:p>
             <a:fld id="{528D7E24-7ED3-49C5-88AA-13D456689A00}" type="datetime1">
               <a:rPr lang="en-US" smtClean="0"/>
-              <a:t>9/5/2014</a:t>
+              <a:t>9/12/2014</a:t>
             </a:fld>
             <a:endParaRPr lang="en-US"/>
           </a:p>
@@ -2720,7 +2720,7 @@
           <a:p>
             <a:fld id="{D833ED9A-4CD3-4047-B234-D5636E1D65D6}" type="datetime1">
               <a:rPr lang="en-US" smtClean="0"/>
-              <a:t>9/5/2014</a:t>
+              <a:t>9/12/2014</a:t>
             </a:fld>
             <a:endParaRPr lang="en-US"/>
           </a:p>
@@ -3017,7 +3017,7 @@
           <a:p>
             <a:fld id="{6C509CD5-557B-4FFD-9030-66E7A2030ABE}" type="datetime1">
               <a:rPr lang="en-US" smtClean="0"/>
-              <a:t>9/5/2014</a:t>
+              <a:t>9/12/2014</a:t>
             </a:fld>
             <a:endParaRPr lang="en-US"/>
           </a:p>
@@ -3235,7 +3235,7 @@
           <a:p>
             <a:fld id="{F8C64A9D-8829-430E-BA7E-156543677E2C}" type="datetime1">
               <a:rPr lang="en-US" smtClean="0"/>
-              <a:t>9/5/2014</a:t>
+              <a:t>9/12/2014</a:t>
             </a:fld>
             <a:endParaRPr lang="en-US"/>
           </a:p>
@@ -3571,7 +3571,7 @@
           <a:p>
             <a:fld id="{34F11D28-A1AE-4EA4-A343-76FF1D746F0E}" type="datetime1">
               <a:rPr lang="en-US" smtClean="0"/>
-              <a:t>9/5/2014</a:t>
+              <a:t>9/12/2014</a:t>
             </a:fld>
             <a:endParaRPr lang="en-US"/>
           </a:p>
@@ -3821,7 +3821,7 @@
           <a:p>
             <a:fld id="{CAFAEC0D-A9DC-4104-A93F-17133DFA0E36}" type="datetime1">
               <a:rPr lang="en-US" smtClean="0"/>
-              <a:t>9/5/2014</a:t>
+              <a:t>9/12/2014</a:t>
             </a:fld>
             <a:endParaRPr lang="en-US"/>
           </a:p>
@@ -4081,7 +4081,7 @@
           <a:p>
             <a:fld id="{B079C3B8-7366-4A44-A34B-3977080C19E7}" type="datetime1">
               <a:rPr lang="en-US" smtClean="0"/>
-              <a:t>9/5/2014</a:t>
+              <a:t>9/12/2014</a:t>
             </a:fld>
             <a:endParaRPr lang="en-US" dirty="0"/>
           </a:p>
@@ -4228,7 +4228,7 @@
           <a:p>
             <a:fld id="{EF25576C-FBFD-4D10-8DAD-3BC9A0B1B26B}" type="datetime1">
               <a:rPr lang="en-US" smtClean="0"/>
-              <a:t>9/5/2014</a:t>
+              <a:t>9/12/2014</a:t>
             </a:fld>
             <a:endParaRPr lang="en-US"/>
           </a:p>
@@ -4521,7 +4521,7 @@
           <a:p>
             <a:fld id="{2ADE4B48-6275-4D6A-BF09-F49D804DC1C7}" type="datetime1">
               <a:rPr lang="en-US" smtClean="0"/>
-              <a:t>9/5/2014</a:t>
+              <a:t>9/12/2014</a:t>
             </a:fld>
             <a:endParaRPr lang="en-US"/>
           </a:p>
@@ -4735,7 +4735,7 @@
           <a:p>
             <a:fld id="{9D689792-065F-46CA-A8D6-9FE9DE607F6F}" type="datetime1">
               <a:rPr lang="en-US" smtClean="0"/>
-              <a:t>9/5/2014</a:t>
+              <a:t>9/12/2014</a:t>
             </a:fld>
             <a:endParaRPr lang="en-US"/>
           </a:p>
@@ -5059,7 +5059,7 @@
                 </a:solidFill>
               </a:rPr>
               <a:pPr/>
-              <a:t>9/5/2014</a:t>
+              <a:t>9/12/2014</a:t>
             </a:fld>
             <a:endParaRPr lang="en-US" smtClean="0">
               <a:solidFill>
@@ -5423,7 +5423,7 @@
           <a:p>
             <a:fld id="{5830350E-ACB1-43A6-88CF-7B4AD277BC67}" type="datetime1">
               <a:rPr lang="en-US" smtClean="0"/>
-              <a:t>9/5/2014</a:t>
+              <a:t>9/12/2014</a:t>
             </a:fld>
             <a:endParaRPr lang="en-US"/>
           </a:p>
@@ -5704,7 +5704,7 @@
           <a:p>
             <a:fld id="{78F2F61C-3C71-4D72-AAAA-EBBF57852989}" type="datetime1">
               <a:rPr lang="en-US" smtClean="0"/>
-              <a:t>9/5/2014</a:t>
+              <a:t>9/12/2014</a:t>
             </a:fld>
             <a:endParaRPr lang="en-US"/>
           </a:p>
@@ -5949,7 +5949,7 @@
           <a:p>
             <a:fld id="{FF14B676-97ED-41B1-9238-56ABE5960535}" type="datetime1">
               <a:rPr lang="en-US" smtClean="0"/>
-              <a:t>9/5/2014</a:t>
+              <a:t>9/12/2014</a:t>
             </a:fld>
             <a:endParaRPr lang="en-US"/>
           </a:p>
@@ -6209,7 +6209,7 @@
           <a:p>
             <a:fld id="{B079C3B8-7366-4A44-A34B-3977080C19E7}" type="datetime1">
               <a:rPr lang="en-US" smtClean="0"/>
-              <a:t>9/5/2014</a:t>
+              <a:t>9/12/2014</a:t>
             </a:fld>
             <a:endParaRPr lang="en-US" dirty="0"/>
           </a:p>
@@ -6451,7 +6451,7 @@
           <a:p>
             <a:fld id="{0BB6559B-C68D-49B4-97AE-9BB74C417927}" type="datetime1">
               <a:rPr lang="en-US" smtClean="0"/>
-              <a:t>9/5/2014</a:t>
+              <a:t>9/12/2014</a:t>
             </a:fld>
             <a:endParaRPr lang="en-US"/>
           </a:p>
@@ -6614,7 +6614,7 @@
           <a:p>
             <a:fld id="{015232D4-6E30-4A26-A2CA-8531DCB72EA6}" type="datetime1">
               <a:rPr lang="en-US" smtClean="0"/>
-              <a:t>9/5/2014</a:t>
+              <a:t>9/12/2014</a:t>
             </a:fld>
             <a:endParaRPr lang="en-US"/>
           </a:p>
@@ -6908,7 +6908,7 @@
           <a:p>
             <a:fld id="{74902DF4-DDCE-46FB-8A24-00FD15374D28}" type="datetime1">
               <a:rPr lang="en-US" smtClean="0"/>
-              <a:t>9/5/2014</a:t>
+              <a:t>9/12/2014</a:t>
             </a:fld>
             <a:endParaRPr lang="en-US"/>
           </a:p>
@@ -7215,7 +7215,7 @@
           <a:p>
             <a:fld id="{9FEEF74C-1007-402E-B0A6-22E0FEB3AB9E}" type="datetime1">
               <a:rPr lang="en-US" smtClean="0"/>
-              <a:t>9/5/2014</a:t>
+              <a:t>9/12/2014</a:t>
             </a:fld>
             <a:endParaRPr lang="en-US"/>
           </a:p>
@@ -7689,7 +7689,7 @@
           <a:p>
             <a:fld id="{0963315D-FADD-47D1-B04E-85DCA5AF53D6}" type="datetime1">
               <a:rPr lang="en-US" smtClean="0"/>
-              <a:t>9/5/2014</a:t>
+              <a:t>9/12/2014</a:t>
             </a:fld>
             <a:endParaRPr lang="en-US"/>
           </a:p>
@@ -18199,11 +18199,7 @@
             </a:r>
             <a:r>
               <a:rPr lang="en-US" sz="1999" smtClean="0"/>
-              <a:t>app </a:t>
-            </a:r>
-            <a:r>
-              <a:rPr lang="en-US" sz="1999" smtClean="0"/>
-              <a:t>shape </a:t>
+              <a:t>app shape </a:t>
             </a:r>
             <a:r>
               <a:rPr lang="en-US" sz="1999" dirty="0" smtClean="0"/>
@@ -18775,8 +18771,9 @@
           <a:p>
             <a:r>
               <a:rPr lang="en-US" sz="3600" dirty="0" smtClean="0"/>
-              <a:t>Default (restricted)</a:t>
-            </a:r>
+              <a:t>Restricted</a:t>
+            </a:r>
+            <a:endParaRPr lang="en-US" sz="3600" dirty="0" smtClean="0"/>
           </a:p>
           <a:p>
             <a:pPr lvl="1"/>
@@ -18787,8 +18784,8 @@
           </a:p>
           <a:p>
             <a:r>
-              <a:rPr lang="en-US" sz="3600" dirty="0" err="1" smtClean="0"/>
-              <a:t>ReadDocument</a:t>
+              <a:rPr lang="en-US" sz="3600" dirty="0" smtClean="0"/>
+              <a:t>Read document</a:t>
             </a:r>
             <a:endParaRPr lang="en-US" sz="3600" dirty="0" smtClean="0"/>
           </a:p>
@@ -18808,8 +18805,29 @@
           </a:p>
           <a:p>
             <a:r>
-              <a:rPr lang="en-US" sz="3600" dirty="0" err="1" smtClean="0"/>
-              <a:t>WriteDocument</a:t>
+              <a:rPr lang="en-US" sz="3600" dirty="0"/>
+              <a:t>Read all document</a:t>
+            </a:r>
+          </a:p>
+          <a:p>
+            <a:pPr lvl="1"/>
+            <a:r>
+              <a:rPr lang="en-US" sz="2000" dirty="0" smtClean="0"/>
+              <a:t>You </a:t>
+            </a:r>
+            <a:r>
+              <a:rPr lang="en-US" sz="2000" dirty="0"/>
+              <a:t>have </a:t>
+            </a:r>
+            <a:r>
+              <a:rPr lang="en-US" sz="2000" dirty="0" smtClean="0"/>
+              <a:t>additional access to document file and OOXML</a:t>
+            </a:r>
+          </a:p>
+          <a:p>
+            <a:r>
+              <a:rPr lang="en-US" sz="3600" dirty="0" smtClean="0"/>
+              <a:t>Write document</a:t>
             </a:r>
             <a:endParaRPr lang="en-US" sz="3600" dirty="0" smtClean="0"/>
           </a:p>
@@ -18822,40 +18840,26 @@
           </a:p>
           <a:p>
             <a:r>
-              <a:rPr lang="en-US" sz="3600" dirty="0" err="1" smtClean="0"/>
-              <a:t>ReadWriteDocument</a:t>
+              <a:rPr lang="en-US" sz="3600" dirty="0" smtClean="0"/>
+              <a:t>Read write document</a:t>
             </a:r>
             <a:endParaRPr lang="en-US" sz="3600" dirty="0" smtClean="0"/>
           </a:p>
           <a:p>
             <a:pPr lvl="1"/>
             <a:r>
-              <a:rPr lang="en-US" sz="2000" dirty="0" err="1" smtClean="0"/>
-              <a:t>ReadDocument</a:t>
-            </a:r>
-            <a:r>
               <a:rPr lang="en-US" sz="2000" dirty="0" smtClean="0"/>
-              <a:t> + </a:t>
-            </a:r>
-            <a:r>
-              <a:rPr lang="en-US" sz="2000" dirty="0" err="1" smtClean="0"/>
-              <a:t>WriteDocument</a:t>
+              <a:t>Read all document </a:t>
+            </a:r>
+            <a:r>
+              <a:rPr lang="en-US" sz="2000" dirty="0" smtClean="0"/>
+              <a:t>+ </a:t>
+            </a:r>
+            <a:r>
+              <a:rPr lang="en-US" sz="2000" dirty="0" smtClean="0"/>
+              <a:t>Write document</a:t>
             </a:r>
             <a:endParaRPr lang="en-US" sz="2000" dirty="0" smtClean="0"/>
-          </a:p>
-          <a:p>
-            <a:r>
-              <a:rPr lang="en-US" sz="3600" dirty="0" err="1" smtClean="0"/>
-              <a:t>FullAccess</a:t>
-            </a:r>
-            <a:endParaRPr lang="en-US" sz="3600" dirty="0" smtClean="0"/>
-          </a:p>
-          <a:p>
-            <a:pPr lvl="1"/>
-            <a:r>
-              <a:rPr lang="en-US" sz="2000" dirty="0" smtClean="0"/>
-              <a:t>All Permissions + use of Silverlight &amp; Flash</a:t>
-            </a:r>
           </a:p>
         </p:txBody>
       </p:sp>
@@ -18888,187 +18892,33 @@
       </p:sp>
       <p:pic>
         <p:nvPicPr>
-          <p:cNvPr id="7170" name="Picture 2"/>
+          <p:cNvPr id="3" name="Picture 2"/>
           <p:cNvPicPr>
-            <a:picLocks noChangeAspect="1" noChangeArrowheads="1"/>
+            <a:picLocks noChangeAspect="1"/>
           </p:cNvPicPr>
           <p:nvPr/>
         </p:nvPicPr>
         <p:blipFill>
-          <a:blip r:embed="rId3">
-            <a:extLst>
-              <a:ext uri="{28A0092B-C50C-407E-A947-70E740481C1C}">
-                <a14:useLocalDpi xmlns:a14="http://schemas.microsoft.com/office/drawing/2010/main" val="0"/>
-              </a:ext>
-            </a:extLst>
-          </a:blip>
-          <a:srcRect/>
+          <a:blip r:embed="rId3"/>
           <a:stretch>
             <a:fillRect/>
           </a:stretch>
         </p:blipFill>
-        <p:spPr bwMode="auto">
+        <p:spPr>
           <a:xfrm>
-            <a:off x="6591091" y="1561101"/>
-            <a:ext cx="4970253" cy="3092471"/>
+            <a:off x="6506157" y="1447799"/>
+            <a:ext cx="4610433" cy="1616929"/>
           </a:xfrm>
           <a:prstGeom prst="rect">
             <a:avLst/>
           </a:prstGeom>
-          <a:noFill/>
-          <a:ln w="9525">
-            <a:solidFill>
-              <a:schemeClr val="tx1"/>
-            </a:solidFill>
-            <a:miter lim="800000"/>
-            <a:headEnd/>
-            <a:tailEnd/>
-          </a:ln>
-          <a:effectLst/>
-          <a:extLst>
-            <a:ext uri="{909E8E84-426E-40DD-AFC4-6F175D3DCCD1}">
-              <a14:hiddenFill xmlns:a14="http://schemas.microsoft.com/office/drawing/2010/main">
-                <a:solidFill>
-                  <a:schemeClr val="accent1"/>
-                </a:solidFill>
-              </a14:hiddenFill>
-            </a:ext>
-            <a:ext uri="{AF507438-7753-43E0-B8FC-AC1667EBCBE1}">
-              <a14:hiddenEffects xmlns:a14="http://schemas.microsoft.com/office/drawing/2010/main">
-                <a:effectLst>
-                  <a:outerShdw dist="35921" dir="2700000" algn="ctr" rotWithShape="0">
-                    <a:schemeClr val="bg2"/>
-                  </a:outerShdw>
-                </a:effectLst>
-              </a14:hiddenEffects>
-            </a:ext>
-          </a:extLst>
-        </p:spPr>
-      </p:pic>
-      <p:sp>
-        <p:nvSpPr>
-          <p:cNvPr id="6" name="Rectangle 5"/>
-          <p:cNvSpPr/>
-          <p:nvPr/>
-        </p:nvSpPr>
-        <p:spPr bwMode="auto">
-          <a:xfrm>
-            <a:off x="6714536" y="4113984"/>
-            <a:ext cx="4643258" cy="257089"/>
-          </a:xfrm>
-          <a:prstGeom prst="rect">
-            <a:avLst/>
-          </a:prstGeom>
-          <a:solidFill>
-            <a:srgbClr val="EE7816">
-              <a:alpha val="18824"/>
-            </a:srgbClr>
-          </a:solidFill>
           <a:ln>
             <a:solidFill>
-              <a:srgbClr val="FF8A00"/>
+              <a:schemeClr val="bg1">
+                <a:lumMod val="50000"/>
+              </a:schemeClr>
             </a:solidFill>
-            <a:headEnd type="none" w="med" len="med"/>
-            <a:tailEnd type="none" w="med" len="med"/>
           </a:ln>
-          <a:effectLst/>
-        </p:spPr>
-        <p:style>
-          <a:lnRef idx="1">
-            <a:schemeClr val="accent4"/>
-          </a:lnRef>
-          <a:fillRef idx="3">
-            <a:schemeClr val="accent4"/>
-          </a:fillRef>
-          <a:effectRef idx="2">
-            <a:schemeClr val="accent4"/>
-          </a:effectRef>
-          <a:fontRef idx="minor">
-            <a:schemeClr val="lt1"/>
-          </a:fontRef>
-        </p:style>
-        <p:txBody>
-          <a:bodyPr vert="horz" wrap="square" lIns="76155" tIns="38078" rIns="76155" bIns="38078" numCol="1" rtlCol="0" anchor="ctr" anchorCtr="0" compatLnSpc="1">
-            <a:prstTxWarp prst="textNoShape">
-              <a:avLst/>
-            </a:prstTxWarp>
-          </a:bodyPr>
-          <a:lstStyle/>
-          <a:p>
-            <a:pPr algn="ctr" defTabSz="761308"/>
-            <a:endParaRPr lang="en-US" sz="1500" dirty="0">
-              <a:gradFill>
-                <a:gsLst>
-                  <a:gs pos="0">
-                    <a:srgbClr val="FFFFFF"/>
-                  </a:gs>
-                  <a:gs pos="100000">
-                    <a:srgbClr val="FFFFFF"/>
-                  </a:gs>
-                </a:gsLst>
-                <a:lin ang="5400000" scaled="0"/>
-              </a:gradFill>
-            </a:endParaRPr>
-          </a:p>
-        </p:txBody>
-      </p:sp>
-      <p:pic>
-        <p:nvPicPr>
-          <p:cNvPr id="7171" name="Picture 3"/>
-          <p:cNvPicPr>
-            <a:picLocks noChangeAspect="1" noChangeArrowheads="1"/>
-          </p:cNvPicPr>
-          <p:nvPr/>
-        </p:nvPicPr>
-        <p:blipFill>
-          <a:blip r:embed="rId4">
-            <a:extLst>
-              <a:ext uri="{28A0092B-C50C-407E-A947-70E740481C1C}">
-                <a14:useLocalDpi xmlns:a14="http://schemas.microsoft.com/office/drawing/2010/main" val="0"/>
-              </a:ext>
-            </a:extLst>
-          </a:blip>
-          <a:srcRect/>
-          <a:stretch>
-            <a:fillRect/>
-          </a:stretch>
-        </p:blipFill>
-        <p:spPr bwMode="auto">
-          <a:xfrm>
-            <a:off x="6591091" y="4880759"/>
-            <a:ext cx="4926670" cy="1121456"/>
-          </a:xfrm>
-          <a:prstGeom prst="rect">
-            <a:avLst/>
-          </a:prstGeom>
-          <a:noFill/>
-          <a:ln w="9525">
-            <a:solidFill>
-              <a:schemeClr val="tx1"/>
-            </a:solidFill>
-            <a:miter lim="800000"/>
-            <a:headEnd/>
-            <a:tailEnd/>
-          </a:ln>
-          <a:effectLst/>
-          <a:extLst>
-            <a:ext uri="{909E8E84-426E-40DD-AFC4-6F175D3DCCD1}">
-              <a14:hiddenFill xmlns:a14="http://schemas.microsoft.com/office/drawing/2010/main">
-                <a:solidFill>
-                  <a:schemeClr val="accent1"/>
-                </a:solidFill>
-              </a14:hiddenFill>
-            </a:ext>
-            <a:ext uri="{AF507438-7753-43E0-B8FC-AC1667EBCBE1}">
-              <a14:hiddenEffects xmlns:a14="http://schemas.microsoft.com/office/drawing/2010/main">
-                <a:effectLst>
-                  <a:outerShdw dist="35921" dir="2700000" algn="ctr" rotWithShape="0">
-                    <a:schemeClr val="bg2"/>
-                  </a:outerShdw>
-                </a:effectLst>
-              </a14:hiddenEffects>
-            </a:ext>
-          </a:extLst>
         </p:spPr>
       </p:pic>
     </p:spTree>
@@ -19500,14 +19350,14 @@
       </p:sp>
       <p:sp>
         <p:nvSpPr>
-          <p:cNvPr id="8" name="Rounded Rectangle 7"/>
+          <p:cNvPr id="22" name="Rounded Rectangle 21"/>
           <p:cNvSpPr/>
           <p:nvPr/>
         </p:nvSpPr>
         <p:spPr bwMode="auto">
           <a:xfrm>
-            <a:off x="1579605" y="2820908"/>
-            <a:ext cx="9555169" cy="3070670"/>
+            <a:off x="1209221" y="2912328"/>
+            <a:ext cx="9557658" cy="3071470"/>
           </a:xfrm>
           <a:prstGeom prst="roundRect">
             <a:avLst>
@@ -19515,85 +19365,9 @@
             </a:avLst>
           </a:prstGeom>
           <a:solidFill>
-            <a:schemeClr val="accent4">
+            <a:schemeClr val="accent3">
               <a:lumMod val="20000"/>
               <a:lumOff val="80000"/>
-            </a:schemeClr>
-          </a:solidFill>
-          <a:ln>
-            <a:solidFill>
-              <a:schemeClr val="tx1">
-                <a:lumMod val="75000"/>
-              </a:schemeClr>
-            </a:solidFill>
-            <a:headEnd type="none" w="med" len="med"/>
-            <a:tailEnd type="none" w="med" len="med"/>
-          </a:ln>
-        </p:spPr>
-        <p:style>
-          <a:lnRef idx="0">
-            <a:schemeClr val="accent4"/>
-          </a:lnRef>
-          <a:fillRef idx="3">
-            <a:schemeClr val="accent4"/>
-          </a:fillRef>
-          <a:effectRef idx="3">
-            <a:schemeClr val="accent4"/>
-          </a:effectRef>
-          <a:fontRef idx="minor">
-            <a:schemeClr val="lt1"/>
-          </a:fontRef>
-        </p:style>
-        <p:txBody>
-          <a:bodyPr vert="horz" wrap="square" lIns="117172" tIns="58586" rIns="117172" bIns="58586" numCol="1" rtlCol="0" anchor="t" anchorCtr="0" compatLnSpc="1">
-            <a:prstTxWarp prst="textNoShape">
-              <a:avLst/>
-            </a:prstTxWarp>
-          </a:bodyPr>
-          <a:lstStyle/>
-          <a:p>
-            <a:pPr algn="ctr" defTabSz="1171340"/>
-            <a:r>
-              <a:rPr lang="en-US" sz="1999" dirty="0">
-                <a:solidFill>
-                  <a:schemeClr val="bg2">
-                    <a:lumMod val="75000"/>
-                  </a:schemeClr>
-                </a:solidFill>
-                <a:effectLst>
-                  <a:outerShdw blurRad="38100" dist="38100" dir="2700000" algn="tl">
-                    <a:srgbClr val="000000">
-                      <a:alpha val="43137"/>
-                    </a:srgbClr>
-                  </a:outerShdw>
-                </a:effectLst>
-                <a:latin typeface="Segoe UI" pitchFamily="34" charset="0"/>
-              </a:rPr>
-              <a:t>Common Objects x-Office!</a:t>
-            </a:r>
-          </a:p>
-        </p:txBody>
-      </p:sp>
-      <p:sp>
-        <p:nvSpPr>
-          <p:cNvPr id="11" name="Rounded Rectangle 10"/>
-          <p:cNvSpPr/>
-          <p:nvPr/>
-        </p:nvSpPr>
-        <p:spPr bwMode="auto">
-          <a:xfrm>
-            <a:off x="3847294" y="5082063"/>
-            <a:ext cx="1054893" cy="574140"/>
-          </a:xfrm>
-          <a:prstGeom prst="roundRect">
-            <a:avLst>
-              <a:gd name="adj" fmla="val 9033"/>
-            </a:avLst>
-          </a:prstGeom>
-          <a:solidFill>
-            <a:schemeClr val="bg2">
-              <a:lumMod val="40000"/>
-              <a:lumOff val="60000"/>
             </a:schemeClr>
           </a:solidFill>
           <a:ln>
@@ -19602,50 +19376,52 @@
           </a:ln>
         </p:spPr>
         <p:style>
-          <a:lnRef idx="0">
+          <a:lnRef idx="2">
             <a:schemeClr val="accent1"/>
           </a:lnRef>
-          <a:fillRef idx="3">
-            <a:schemeClr val="accent1"/>
+          <a:fillRef idx="1">
+            <a:schemeClr val="lt1"/>
           </a:fillRef>
-          <a:effectRef idx="3">
+          <a:effectRef idx="0">
             <a:schemeClr val="accent1"/>
           </a:effectRef>
           <a:fontRef idx="minor">
-            <a:schemeClr val="lt1"/>
+            <a:schemeClr val="dk1"/>
           </a:fontRef>
         </p:style>
         <p:txBody>
-          <a:bodyPr vert="horz" wrap="square" lIns="117172" tIns="58586" rIns="117172" bIns="58586" numCol="1" rtlCol="0" anchor="ctr" anchorCtr="0" compatLnSpc="1">
+          <a:bodyPr vert="horz" wrap="square" lIns="117203" tIns="58601" rIns="117203" bIns="58601" numCol="1" rtlCol="0" anchor="t" anchorCtr="0" compatLnSpc="1">
             <a:prstTxWarp prst="textNoShape">
               <a:avLst/>
             </a:prstTxWarp>
           </a:bodyPr>
           <a:lstStyle/>
           <a:p>
-            <a:pPr algn="ctr" defTabSz="1171340"/>
-            <a:r>
-              <a:rPr lang="en-US" sz="1400" b="1" dirty="0">
+            <a:pPr algn="ctr" defTabSz="1171692"/>
+            <a:r>
+              <a:rPr lang="en-US" sz="3200" dirty="0">
                 <a:solidFill>
-                  <a:schemeClr val="tx1"/>
+                  <a:schemeClr val="bg2">
+                    <a:lumMod val="75000"/>
+                  </a:schemeClr>
                 </a:solidFill>
-                <a:latin typeface="Segoe UI" pitchFamily="34" charset="0"/>
+                <a:latin typeface="+mj-lt"/>
               </a:rPr>
-              <a:t>Text</a:t>
-            </a:r>
-          </a:p>
-        </p:txBody>
-      </p:sp>
-      <p:sp>
-        <p:nvSpPr>
-          <p:cNvPr id="12" name="Rounded Rectangle 11"/>
+              <a:t>Common Objects x-Office!</a:t>
+            </a:r>
+          </a:p>
+        </p:txBody>
+      </p:sp>
+      <p:sp>
+        <p:nvSpPr>
+          <p:cNvPr id="24" name="Rounded Rectangle 23"/>
           <p:cNvSpPr/>
           <p:nvPr/>
         </p:nvSpPr>
         <p:spPr bwMode="auto">
           <a:xfrm>
-            <a:off x="5207054" y="5082063"/>
-            <a:ext cx="1054893" cy="574140"/>
+            <a:off x="3477501" y="5174071"/>
+            <a:ext cx="1055168" cy="574290"/>
           </a:xfrm>
           <a:prstGeom prst="roundRect">
             <a:avLst>
@@ -19653,61 +19429,59 @@
             </a:avLst>
           </a:prstGeom>
           <a:solidFill>
-            <a:schemeClr val="bg2">
-              <a:lumMod val="40000"/>
-              <a:lumOff val="60000"/>
-            </a:schemeClr>
+            <a:schemeClr val="bg2"/>
           </a:solidFill>
           <a:ln>
+            <a:noFill/>
             <a:headEnd type="none" w="med" len="med"/>
             <a:tailEnd type="none" w="med" len="med"/>
           </a:ln>
         </p:spPr>
         <p:style>
-          <a:lnRef idx="0">
-            <a:schemeClr val="accent1"/>
+          <a:lnRef idx="1">
+            <a:schemeClr val="accent6"/>
           </a:lnRef>
           <a:fillRef idx="3">
-            <a:schemeClr val="accent1"/>
+            <a:schemeClr val="accent6"/>
           </a:fillRef>
-          <a:effectRef idx="3">
-            <a:schemeClr val="accent1"/>
+          <a:effectRef idx="2">
+            <a:schemeClr val="accent6"/>
           </a:effectRef>
           <a:fontRef idx="minor">
             <a:schemeClr val="lt1"/>
           </a:fontRef>
         </p:style>
         <p:txBody>
-          <a:bodyPr vert="horz" wrap="square" lIns="117172" tIns="58586" rIns="117172" bIns="58586" numCol="1" rtlCol="0" anchor="ctr" anchorCtr="0" compatLnSpc="1">
+          <a:bodyPr vert="horz" wrap="square" lIns="117203" tIns="58601" rIns="117203" bIns="58601" numCol="1" rtlCol="0" anchor="ctr" anchorCtr="0" compatLnSpc="1">
             <a:prstTxWarp prst="textNoShape">
               <a:avLst/>
             </a:prstTxWarp>
           </a:bodyPr>
           <a:lstStyle/>
           <a:p>
-            <a:pPr algn="ctr" defTabSz="1171340"/>
+            <a:pPr algn="ctr" defTabSz="1171692"/>
             <a:r>
               <a:rPr lang="en-US" sz="1400" b="1" dirty="0">
                 <a:solidFill>
-                  <a:schemeClr val="tx1"/>
+                  <a:schemeClr val="bg1"/>
                 </a:solidFill>
                 <a:latin typeface="Segoe UI" pitchFamily="34" charset="0"/>
               </a:rPr>
-              <a:t>Table</a:t>
-            </a:r>
-          </a:p>
-        </p:txBody>
-      </p:sp>
-      <p:sp>
-        <p:nvSpPr>
-          <p:cNvPr id="13" name="Rounded Rectangle 12"/>
+              <a:t>Text</a:t>
+            </a:r>
+          </a:p>
+        </p:txBody>
+      </p:sp>
+      <p:sp>
+        <p:nvSpPr>
+          <p:cNvPr id="25" name="Rounded Rectangle 24"/>
           <p:cNvSpPr/>
           <p:nvPr/>
         </p:nvSpPr>
         <p:spPr bwMode="auto">
           <a:xfrm>
-            <a:off x="6644787" y="5086416"/>
-            <a:ext cx="1054893" cy="574140"/>
+            <a:off x="4837615" y="5174071"/>
+            <a:ext cx="1055168" cy="574290"/>
           </a:xfrm>
           <a:prstGeom prst="roundRect">
             <a:avLst>
@@ -19715,61 +19489,59 @@
             </a:avLst>
           </a:prstGeom>
           <a:solidFill>
-            <a:schemeClr val="bg2">
-              <a:lumMod val="40000"/>
-              <a:lumOff val="60000"/>
-            </a:schemeClr>
+            <a:schemeClr val="bg2"/>
           </a:solidFill>
           <a:ln>
+            <a:noFill/>
             <a:headEnd type="none" w="med" len="med"/>
             <a:tailEnd type="none" w="med" len="med"/>
           </a:ln>
         </p:spPr>
         <p:style>
-          <a:lnRef idx="0">
-            <a:schemeClr val="accent1"/>
+          <a:lnRef idx="1">
+            <a:schemeClr val="accent6"/>
           </a:lnRef>
           <a:fillRef idx="3">
-            <a:schemeClr val="accent1"/>
+            <a:schemeClr val="accent6"/>
           </a:fillRef>
-          <a:effectRef idx="3">
-            <a:schemeClr val="accent1"/>
+          <a:effectRef idx="2">
+            <a:schemeClr val="accent6"/>
           </a:effectRef>
           <a:fontRef idx="minor">
             <a:schemeClr val="lt1"/>
           </a:fontRef>
         </p:style>
         <p:txBody>
-          <a:bodyPr vert="horz" wrap="square" lIns="117172" tIns="58586" rIns="117172" bIns="58586" numCol="1" rtlCol="0" anchor="ctr" anchorCtr="0" compatLnSpc="1">
+          <a:bodyPr vert="horz" wrap="square" lIns="117203" tIns="58601" rIns="117203" bIns="58601" numCol="1" rtlCol="0" anchor="ctr" anchorCtr="0" compatLnSpc="1">
             <a:prstTxWarp prst="textNoShape">
               <a:avLst/>
             </a:prstTxWarp>
           </a:bodyPr>
           <a:lstStyle/>
           <a:p>
-            <a:pPr algn="ctr" defTabSz="1171340"/>
+            <a:pPr algn="ctr" defTabSz="1171692"/>
             <a:r>
               <a:rPr lang="en-US" sz="1400" b="1" dirty="0">
                 <a:solidFill>
-                  <a:schemeClr val="tx1"/>
+                  <a:schemeClr val="bg1"/>
                 </a:solidFill>
                 <a:latin typeface="Segoe UI" pitchFamily="34" charset="0"/>
               </a:rPr>
-              <a:t>Matrix</a:t>
-            </a:r>
-          </a:p>
-        </p:txBody>
-      </p:sp>
-      <p:sp>
-        <p:nvSpPr>
-          <p:cNvPr id="14" name="Rounded Rectangle 13"/>
+              <a:t>Table</a:t>
+            </a:r>
+          </a:p>
+        </p:txBody>
+      </p:sp>
+      <p:sp>
+        <p:nvSpPr>
+          <p:cNvPr id="26" name="Rounded Rectangle 25"/>
           <p:cNvSpPr/>
           <p:nvPr/>
         </p:nvSpPr>
         <p:spPr bwMode="auto">
           <a:xfrm>
-            <a:off x="9163673" y="3578805"/>
-            <a:ext cx="895731" cy="423729"/>
+            <a:off x="6275722" y="5178426"/>
+            <a:ext cx="1055168" cy="574290"/>
           </a:xfrm>
           <a:prstGeom prst="roundRect">
             <a:avLst>
@@ -19777,61 +19549,59 @@
             </a:avLst>
           </a:prstGeom>
           <a:solidFill>
-            <a:schemeClr val="bg2">
-              <a:lumMod val="40000"/>
-              <a:lumOff val="60000"/>
-            </a:schemeClr>
+            <a:schemeClr val="bg2"/>
           </a:solidFill>
           <a:ln>
+            <a:noFill/>
             <a:headEnd type="none" w="med" len="med"/>
             <a:tailEnd type="none" w="med" len="med"/>
           </a:ln>
         </p:spPr>
         <p:style>
-          <a:lnRef idx="0">
-            <a:schemeClr val="accent3"/>
+          <a:lnRef idx="1">
+            <a:schemeClr val="accent6"/>
           </a:lnRef>
           <a:fillRef idx="3">
-            <a:schemeClr val="accent3"/>
+            <a:schemeClr val="accent6"/>
           </a:fillRef>
-          <a:effectRef idx="3">
-            <a:schemeClr val="accent3"/>
+          <a:effectRef idx="2">
+            <a:schemeClr val="accent6"/>
           </a:effectRef>
           <a:fontRef idx="minor">
             <a:schemeClr val="lt1"/>
           </a:fontRef>
         </p:style>
         <p:txBody>
-          <a:bodyPr vert="horz" wrap="square" lIns="117172" tIns="58586" rIns="117172" bIns="58586" numCol="1" rtlCol="0" anchor="ctr" anchorCtr="0" compatLnSpc="1">
+          <a:bodyPr vert="horz" wrap="square" lIns="117203" tIns="58601" rIns="117203" bIns="58601" numCol="1" rtlCol="0" anchor="ctr" anchorCtr="0" compatLnSpc="1">
             <a:prstTxWarp prst="textNoShape">
               <a:avLst/>
             </a:prstTxWarp>
           </a:bodyPr>
           <a:lstStyle/>
           <a:p>
-            <a:pPr algn="ctr" defTabSz="1171340"/>
+            <a:pPr algn="ctr" defTabSz="1171692"/>
             <a:r>
               <a:rPr lang="en-US" sz="1400" b="1" dirty="0">
                 <a:solidFill>
-                  <a:schemeClr val="tx1"/>
+                  <a:schemeClr val="bg1"/>
                 </a:solidFill>
                 <a:latin typeface="Segoe UI" pitchFamily="34" charset="0"/>
               </a:rPr>
-              <a:t>Charts</a:t>
-            </a:r>
-          </a:p>
-        </p:txBody>
-      </p:sp>
-      <p:sp>
-        <p:nvSpPr>
-          <p:cNvPr id="15" name="Rounded Rectangle 14"/>
+              <a:t>Matrix</a:t>
+            </a:r>
+          </a:p>
+        </p:txBody>
+      </p:sp>
+      <p:sp>
+        <p:nvSpPr>
+          <p:cNvPr id="27" name="Rounded Rectangle 26"/>
           <p:cNvSpPr/>
           <p:nvPr/>
         </p:nvSpPr>
         <p:spPr bwMode="auto">
           <a:xfrm>
-            <a:off x="2516830" y="5108103"/>
-            <a:ext cx="1078300" cy="423729"/>
+            <a:off x="8795265" y="3670421"/>
+            <a:ext cx="895964" cy="423839"/>
           </a:xfrm>
           <a:prstGeom prst="roundRect">
             <a:avLst>
@@ -19839,61 +19609,59 @@
             </a:avLst>
           </a:prstGeom>
           <a:solidFill>
-            <a:schemeClr val="bg2">
-              <a:lumMod val="40000"/>
-              <a:lumOff val="60000"/>
-            </a:schemeClr>
+            <a:schemeClr val="bg2"/>
           </a:solidFill>
           <a:ln>
+            <a:noFill/>
             <a:headEnd type="none" w="med" len="med"/>
             <a:tailEnd type="none" w="med" len="med"/>
           </a:ln>
         </p:spPr>
         <p:style>
-          <a:lnRef idx="0">
-            <a:schemeClr val="accent3"/>
+          <a:lnRef idx="1">
+            <a:schemeClr val="accent6"/>
           </a:lnRef>
           <a:fillRef idx="3">
-            <a:schemeClr val="accent3"/>
+            <a:schemeClr val="accent6"/>
           </a:fillRef>
-          <a:effectRef idx="3">
-            <a:schemeClr val="accent3"/>
+          <a:effectRef idx="2">
+            <a:schemeClr val="accent6"/>
           </a:effectRef>
           <a:fontRef idx="minor">
             <a:schemeClr val="lt1"/>
           </a:fontRef>
         </p:style>
         <p:txBody>
-          <a:bodyPr vert="horz" wrap="square" lIns="117172" tIns="58586" rIns="117172" bIns="58586" numCol="1" rtlCol="0" anchor="ctr" anchorCtr="0" compatLnSpc="1">
+          <a:bodyPr vert="horz" wrap="square" lIns="117203" tIns="58601" rIns="117203" bIns="58601" numCol="1" rtlCol="0" anchor="ctr" anchorCtr="0" compatLnSpc="1">
             <a:prstTxWarp prst="textNoShape">
               <a:avLst/>
             </a:prstTxWarp>
           </a:bodyPr>
           <a:lstStyle/>
           <a:p>
-            <a:pPr algn="ctr" defTabSz="1171340"/>
+            <a:pPr algn="ctr" defTabSz="1171692"/>
             <a:r>
               <a:rPr lang="en-US" sz="1400" b="1" dirty="0">
                 <a:solidFill>
-                  <a:schemeClr val="tx1"/>
+                  <a:schemeClr val="bg1"/>
                 </a:solidFill>
                 <a:latin typeface="Segoe UI" pitchFamily="34" charset="0"/>
               </a:rPr>
-              <a:t>Shapes</a:t>
-            </a:r>
-          </a:p>
-        </p:txBody>
-      </p:sp>
-      <p:sp>
-        <p:nvSpPr>
-          <p:cNvPr id="16" name="Rounded Rectangle 15"/>
+              <a:t>Charts</a:t>
+            </a:r>
+          </a:p>
+        </p:txBody>
+      </p:sp>
+      <p:sp>
+        <p:nvSpPr>
+          <p:cNvPr id="28" name="Rounded Rectangle 27"/>
           <p:cNvSpPr/>
           <p:nvPr/>
         </p:nvSpPr>
         <p:spPr bwMode="auto">
           <a:xfrm>
-            <a:off x="2151875" y="3602222"/>
-            <a:ext cx="1078300" cy="423729"/>
+            <a:off x="2146689" y="5200117"/>
+            <a:ext cx="1078581" cy="423839"/>
           </a:xfrm>
           <a:prstGeom prst="roundRect">
             <a:avLst>
@@ -19901,61 +19669,59 @@
             </a:avLst>
           </a:prstGeom>
           <a:solidFill>
-            <a:schemeClr val="bg2">
-              <a:lumMod val="40000"/>
-              <a:lumOff val="60000"/>
-            </a:schemeClr>
+            <a:schemeClr val="bg2"/>
           </a:solidFill>
           <a:ln>
+            <a:noFill/>
             <a:headEnd type="none" w="med" len="med"/>
             <a:tailEnd type="none" w="med" len="med"/>
           </a:ln>
         </p:spPr>
         <p:style>
-          <a:lnRef idx="0">
-            <a:schemeClr val="accent3"/>
+          <a:lnRef idx="1">
+            <a:schemeClr val="accent6"/>
           </a:lnRef>
           <a:fillRef idx="3">
-            <a:schemeClr val="accent3"/>
+            <a:schemeClr val="accent6"/>
           </a:fillRef>
-          <a:effectRef idx="3">
-            <a:schemeClr val="accent3"/>
+          <a:effectRef idx="2">
+            <a:schemeClr val="accent6"/>
           </a:effectRef>
           <a:fontRef idx="minor">
             <a:schemeClr val="lt1"/>
           </a:fontRef>
         </p:style>
         <p:txBody>
-          <a:bodyPr vert="horz" wrap="square" lIns="117172" tIns="58586" rIns="117172" bIns="58586" numCol="1" rtlCol="0" anchor="ctr" anchorCtr="0" compatLnSpc="1">
+          <a:bodyPr vert="horz" wrap="square" lIns="117203" tIns="58601" rIns="117203" bIns="58601" numCol="1" rtlCol="0" anchor="ctr" anchorCtr="0" compatLnSpc="1">
             <a:prstTxWarp prst="textNoShape">
               <a:avLst/>
             </a:prstTxWarp>
           </a:bodyPr>
           <a:lstStyle/>
           <a:p>
-            <a:pPr algn="ctr" defTabSz="1171340"/>
+            <a:pPr algn="ctr" defTabSz="1171692"/>
             <a:r>
               <a:rPr lang="en-US" sz="1400" b="1" dirty="0">
                 <a:solidFill>
-                  <a:schemeClr val="tx1"/>
+                  <a:schemeClr val="bg1"/>
                 </a:solidFill>
                 <a:latin typeface="Segoe UI" pitchFamily="34" charset="0"/>
               </a:rPr>
-              <a:t>Picture</a:t>
-            </a:r>
-          </a:p>
-        </p:txBody>
-      </p:sp>
-      <p:sp>
-        <p:nvSpPr>
-          <p:cNvPr id="17" name="Rounded Rectangle 16"/>
+              <a:t>Shapes</a:t>
+            </a:r>
+          </a:p>
+        </p:txBody>
+      </p:sp>
+      <p:sp>
+        <p:nvSpPr>
+          <p:cNvPr id="29" name="Rounded Rectangle 28"/>
           <p:cNvSpPr/>
           <p:nvPr/>
         </p:nvSpPr>
         <p:spPr bwMode="auto">
           <a:xfrm>
-            <a:off x="9611540" y="4314793"/>
-            <a:ext cx="1205005" cy="423729"/>
+            <a:off x="1781638" y="3693844"/>
+            <a:ext cx="1078581" cy="423839"/>
           </a:xfrm>
           <a:prstGeom prst="roundRect">
             <a:avLst>
@@ -19963,61 +19729,59 @@
             </a:avLst>
           </a:prstGeom>
           <a:solidFill>
-            <a:schemeClr val="bg2">
-              <a:lumMod val="40000"/>
-              <a:lumOff val="60000"/>
-            </a:schemeClr>
+            <a:schemeClr val="bg2"/>
           </a:solidFill>
           <a:ln>
+            <a:noFill/>
             <a:headEnd type="none" w="med" len="med"/>
             <a:tailEnd type="none" w="med" len="med"/>
           </a:ln>
         </p:spPr>
         <p:style>
-          <a:lnRef idx="0">
-            <a:schemeClr val="accent3"/>
+          <a:lnRef idx="1">
+            <a:schemeClr val="accent6"/>
           </a:lnRef>
           <a:fillRef idx="3">
-            <a:schemeClr val="accent3"/>
+            <a:schemeClr val="accent6"/>
           </a:fillRef>
-          <a:effectRef idx="3">
-            <a:schemeClr val="accent3"/>
+          <a:effectRef idx="2">
+            <a:schemeClr val="accent6"/>
           </a:effectRef>
           <a:fontRef idx="minor">
             <a:schemeClr val="lt1"/>
           </a:fontRef>
         </p:style>
         <p:txBody>
-          <a:bodyPr vert="horz" wrap="square" lIns="117172" tIns="58586" rIns="117172" bIns="58586" numCol="1" rtlCol="0" anchor="ctr" anchorCtr="0" compatLnSpc="1">
+          <a:bodyPr vert="horz" wrap="square" lIns="117203" tIns="58601" rIns="117203" bIns="58601" numCol="1" rtlCol="0" anchor="ctr" anchorCtr="0" compatLnSpc="1">
             <a:prstTxWarp prst="textNoShape">
               <a:avLst/>
             </a:prstTxWarp>
           </a:bodyPr>
           <a:lstStyle/>
           <a:p>
-            <a:pPr algn="ctr" defTabSz="1171340"/>
+            <a:pPr algn="ctr" defTabSz="1171692"/>
             <a:r>
               <a:rPr lang="en-US" sz="1400" b="1" dirty="0">
                 <a:solidFill>
-                  <a:schemeClr val="tx1"/>
+                  <a:schemeClr val="bg1"/>
                 </a:solidFill>
                 <a:latin typeface="Segoe UI" pitchFamily="34" charset="0"/>
               </a:rPr>
-              <a:t>Hyperlink</a:t>
-            </a:r>
-          </a:p>
-        </p:txBody>
-      </p:sp>
-      <p:sp>
-        <p:nvSpPr>
-          <p:cNvPr id="18" name="Rounded Rectangle 17"/>
+              <a:t>Picture</a:t>
+            </a:r>
+          </a:p>
+        </p:txBody>
+      </p:sp>
+      <p:sp>
+        <p:nvSpPr>
+          <p:cNvPr id="30" name="Rounded Rectangle 29"/>
           <p:cNvSpPr/>
           <p:nvPr/>
         </p:nvSpPr>
         <p:spPr bwMode="auto">
           <a:xfrm>
-            <a:off x="9373015" y="4949759"/>
-            <a:ext cx="1078300" cy="423729"/>
+            <a:off x="9243247" y="4406600"/>
+            <a:ext cx="1205319" cy="423839"/>
           </a:xfrm>
           <a:prstGeom prst="roundRect">
             <a:avLst>
@@ -20025,61 +19789,59 @@
             </a:avLst>
           </a:prstGeom>
           <a:solidFill>
-            <a:schemeClr val="bg2">
-              <a:lumMod val="40000"/>
-              <a:lumOff val="60000"/>
-            </a:schemeClr>
+            <a:schemeClr val="bg2"/>
           </a:solidFill>
           <a:ln>
+            <a:noFill/>
             <a:headEnd type="none" w="med" len="med"/>
             <a:tailEnd type="none" w="med" len="med"/>
           </a:ln>
         </p:spPr>
         <p:style>
-          <a:lnRef idx="0">
-            <a:schemeClr val="accent3"/>
+          <a:lnRef idx="1">
+            <a:schemeClr val="accent6"/>
           </a:lnRef>
           <a:fillRef idx="3">
-            <a:schemeClr val="accent3"/>
+            <a:schemeClr val="accent6"/>
           </a:fillRef>
-          <a:effectRef idx="3">
-            <a:schemeClr val="accent3"/>
+          <a:effectRef idx="2">
+            <a:schemeClr val="accent6"/>
           </a:effectRef>
           <a:fontRef idx="minor">
             <a:schemeClr val="lt1"/>
           </a:fontRef>
         </p:style>
         <p:txBody>
-          <a:bodyPr vert="horz" wrap="square" lIns="117172" tIns="58586" rIns="117172" bIns="58586" numCol="1" rtlCol="0" anchor="ctr" anchorCtr="0" compatLnSpc="1">
+          <a:bodyPr vert="horz" wrap="square" lIns="117203" tIns="58601" rIns="117203" bIns="58601" numCol="1" rtlCol="0" anchor="ctr" anchorCtr="0" compatLnSpc="1">
             <a:prstTxWarp prst="textNoShape">
               <a:avLst/>
             </a:prstTxWarp>
           </a:bodyPr>
           <a:lstStyle/>
           <a:p>
-            <a:pPr algn="ctr" defTabSz="1171340"/>
+            <a:pPr algn="ctr" defTabSz="1171692"/>
             <a:r>
               <a:rPr lang="en-US" sz="1400" b="1" dirty="0">
                 <a:solidFill>
-                  <a:schemeClr val="tx1"/>
+                  <a:schemeClr val="bg1"/>
                 </a:solidFill>
                 <a:latin typeface="Segoe UI" pitchFamily="34" charset="0"/>
               </a:rPr>
-              <a:t>Word Art</a:t>
-            </a:r>
-          </a:p>
-        </p:txBody>
-      </p:sp>
-      <p:sp>
-        <p:nvSpPr>
-          <p:cNvPr id="19" name="Rounded Rectangle 18"/>
+              <a:t>Hyperlink</a:t>
+            </a:r>
+          </a:p>
+        </p:txBody>
+      </p:sp>
+      <p:sp>
+        <p:nvSpPr>
+          <p:cNvPr id="31" name="Rounded Rectangle 30"/>
           <p:cNvSpPr/>
           <p:nvPr/>
         </p:nvSpPr>
         <p:spPr bwMode="auto">
           <a:xfrm>
-            <a:off x="7992662" y="5082063"/>
-            <a:ext cx="1054893" cy="574140"/>
+            <a:off x="9004659" y="5041732"/>
+            <a:ext cx="1078581" cy="423839"/>
           </a:xfrm>
           <a:prstGeom prst="roundRect">
             <a:avLst>
@@ -20087,61 +19849,59 @@
             </a:avLst>
           </a:prstGeom>
           <a:solidFill>
-            <a:schemeClr val="bg2">
-              <a:lumMod val="40000"/>
-              <a:lumOff val="60000"/>
-            </a:schemeClr>
+            <a:schemeClr val="bg2"/>
           </a:solidFill>
           <a:ln>
+            <a:noFill/>
             <a:headEnd type="none" w="med" len="med"/>
             <a:tailEnd type="none" w="med" len="med"/>
           </a:ln>
         </p:spPr>
         <p:style>
-          <a:lnRef idx="0">
-            <a:schemeClr val="accent1"/>
+          <a:lnRef idx="1">
+            <a:schemeClr val="accent6"/>
           </a:lnRef>
           <a:fillRef idx="3">
-            <a:schemeClr val="accent1"/>
+            <a:schemeClr val="accent6"/>
           </a:fillRef>
-          <a:effectRef idx="3">
-            <a:schemeClr val="accent1"/>
+          <a:effectRef idx="2">
+            <a:schemeClr val="accent6"/>
           </a:effectRef>
           <a:fontRef idx="minor">
             <a:schemeClr val="lt1"/>
           </a:fontRef>
         </p:style>
         <p:txBody>
-          <a:bodyPr vert="horz" wrap="square" lIns="117172" tIns="58586" rIns="117172" bIns="58586" numCol="1" rtlCol="0" anchor="ctr" anchorCtr="0" compatLnSpc="1">
+          <a:bodyPr vert="horz" wrap="square" lIns="117203" tIns="58601" rIns="117203" bIns="58601" numCol="1" rtlCol="0" anchor="ctr" anchorCtr="0" compatLnSpc="1">
             <a:prstTxWarp prst="textNoShape">
               <a:avLst/>
             </a:prstTxWarp>
           </a:bodyPr>
           <a:lstStyle/>
           <a:p>
-            <a:pPr algn="ctr" defTabSz="1171340"/>
+            <a:pPr algn="ctr" defTabSz="1171692"/>
             <a:r>
               <a:rPr lang="en-US" sz="1400" b="1" dirty="0">
                 <a:solidFill>
-                  <a:schemeClr val="tx1"/>
+                  <a:schemeClr val="bg1"/>
                 </a:solidFill>
                 <a:latin typeface="Segoe UI" pitchFamily="34" charset="0"/>
               </a:rPr>
-              <a:t>XML Parts</a:t>
-            </a:r>
-          </a:p>
-        </p:txBody>
-      </p:sp>
-      <p:sp>
-        <p:nvSpPr>
-          <p:cNvPr id="20" name="Rounded Rectangle 19"/>
+              <a:t>Word Art</a:t>
+            </a:r>
+          </a:p>
+        </p:txBody>
+      </p:sp>
+      <p:sp>
+        <p:nvSpPr>
+          <p:cNvPr id="32" name="Rounded Rectangle 31"/>
           <p:cNvSpPr/>
           <p:nvPr/>
         </p:nvSpPr>
         <p:spPr bwMode="auto">
           <a:xfrm>
-            <a:off x="2092702" y="4382478"/>
-            <a:ext cx="1196643" cy="423729"/>
+            <a:off x="7623948" y="5174071"/>
+            <a:ext cx="1055168" cy="574290"/>
           </a:xfrm>
           <a:prstGeom prst="roundRect">
             <a:avLst>
@@ -20149,302 +19909,235 @@
             </a:avLst>
           </a:prstGeom>
           <a:solidFill>
-            <a:schemeClr val="bg2">
-              <a:lumMod val="40000"/>
-              <a:lumOff val="60000"/>
-            </a:schemeClr>
+            <a:schemeClr val="bg2"/>
           </a:solidFill>
           <a:ln>
+            <a:noFill/>
             <a:headEnd type="none" w="med" len="med"/>
             <a:tailEnd type="none" w="med" len="med"/>
           </a:ln>
         </p:spPr>
         <p:style>
-          <a:lnRef idx="0">
-            <a:schemeClr val="accent3"/>
+          <a:lnRef idx="1">
+            <a:schemeClr val="accent6"/>
           </a:lnRef>
           <a:fillRef idx="3">
-            <a:schemeClr val="accent3"/>
+            <a:schemeClr val="accent6"/>
           </a:fillRef>
-          <a:effectRef idx="3">
-            <a:schemeClr val="accent3"/>
+          <a:effectRef idx="2">
+            <a:schemeClr val="accent6"/>
           </a:effectRef>
           <a:fontRef idx="minor">
             <a:schemeClr val="lt1"/>
           </a:fontRef>
         </p:style>
         <p:txBody>
-          <a:bodyPr vert="horz" wrap="square" lIns="117172" tIns="58586" rIns="117172" bIns="58586" numCol="1" rtlCol="0" anchor="ctr" anchorCtr="0" compatLnSpc="1">
+          <a:bodyPr vert="horz" wrap="square" lIns="117203" tIns="58601" rIns="117203" bIns="58601" numCol="1" rtlCol="0" anchor="ctr" anchorCtr="0" compatLnSpc="1">
             <a:prstTxWarp prst="textNoShape">
               <a:avLst/>
             </a:prstTxWarp>
           </a:bodyPr>
           <a:lstStyle/>
           <a:p>
-            <a:pPr algn="ctr" defTabSz="1171340"/>
+            <a:pPr algn="ctr" defTabSz="1171692"/>
             <a:r>
               <a:rPr lang="en-US" sz="1400" b="1" dirty="0">
                 <a:solidFill>
-                  <a:schemeClr val="tx1"/>
+                  <a:schemeClr val="bg1"/>
+                </a:solidFill>
+                <a:latin typeface="Segoe UI" pitchFamily="34" charset="0"/>
+              </a:rPr>
+              <a:t>XML Parts</a:t>
+            </a:r>
+          </a:p>
+        </p:txBody>
+      </p:sp>
+      <p:sp>
+        <p:nvSpPr>
+          <p:cNvPr id="33" name="Rounded Rectangle 32"/>
+          <p:cNvSpPr/>
+          <p:nvPr/>
+        </p:nvSpPr>
+        <p:spPr bwMode="auto">
+          <a:xfrm>
+            <a:off x="1722450" y="4474303"/>
+            <a:ext cx="1196955" cy="423839"/>
+          </a:xfrm>
+          <a:prstGeom prst="roundRect">
+            <a:avLst>
+              <a:gd name="adj" fmla="val 9033"/>
+            </a:avLst>
+          </a:prstGeom>
+          <a:solidFill>
+            <a:schemeClr val="bg2"/>
+          </a:solidFill>
+          <a:ln>
+            <a:noFill/>
+            <a:headEnd type="none" w="med" len="med"/>
+            <a:tailEnd type="none" w="med" len="med"/>
+          </a:ln>
+        </p:spPr>
+        <p:style>
+          <a:lnRef idx="1">
+            <a:schemeClr val="accent6"/>
+          </a:lnRef>
+          <a:fillRef idx="3">
+            <a:schemeClr val="accent6"/>
+          </a:fillRef>
+          <a:effectRef idx="2">
+            <a:schemeClr val="accent6"/>
+          </a:effectRef>
+          <a:fontRef idx="minor">
+            <a:schemeClr val="lt1"/>
+          </a:fontRef>
+        </p:style>
+        <p:txBody>
+          <a:bodyPr vert="horz" wrap="square" lIns="117203" tIns="58601" rIns="117203" bIns="58601" numCol="1" rtlCol="0" anchor="ctr" anchorCtr="0" compatLnSpc="1">
+            <a:prstTxWarp prst="textNoShape">
+              <a:avLst/>
+            </a:prstTxWarp>
+          </a:bodyPr>
+          <a:lstStyle/>
+          <a:p>
+            <a:pPr algn="ctr" defTabSz="1171692"/>
+            <a:r>
+              <a:rPr lang="en-US" sz="1400" b="1" dirty="0" smtClean="0">
+                <a:solidFill>
+                  <a:schemeClr val="bg1"/>
                 </a:solidFill>
                 <a:latin typeface="Segoe UI" pitchFamily="34" charset="0"/>
               </a:rPr>
               <a:t>Clip Art</a:t>
             </a:r>
-          </a:p>
-        </p:txBody>
-      </p:sp>
-      <p:grpSp>
-        <p:nvGrpSpPr>
-          <p:cNvPr id="9" name="Group 8"/>
-          <p:cNvGrpSpPr/>
+            <a:endParaRPr lang="en-US" sz="1400" b="1" dirty="0">
+              <a:solidFill>
+                <a:schemeClr val="bg1"/>
+              </a:solidFill>
+              <a:latin typeface="Segoe UI" pitchFamily="34" charset="0"/>
+            </a:endParaRPr>
+          </a:p>
+        </p:txBody>
+      </p:sp>
+      <p:pic>
+        <p:nvPicPr>
+          <p:cNvPr id="34" name="Picture 33"/>
+          <p:cNvPicPr>
+            <a:picLocks noChangeAspect="1"/>
+          </p:cNvPicPr>
           <p:nvPr/>
-        </p:nvGrpSpPr>
-        <p:grpSpPr>
-          <a:xfrm>
-            <a:off x="4216204" y="3609278"/>
-            <a:ext cx="4104091" cy="1091235"/>
-            <a:chOff x="4679611" y="4211175"/>
-            <a:chExt cx="3293864" cy="875804"/>
-          </a:xfrm>
-        </p:grpSpPr>
-        <p:pic>
-          <p:nvPicPr>
-            <p:cNvPr id="6146" name="Picture 2"/>
-            <p:cNvPicPr>
-              <a:picLocks noChangeAspect="1" noChangeArrowheads="1"/>
-            </p:cNvPicPr>
-            <p:nvPr/>
-          </p:nvPicPr>
-          <p:blipFill>
-            <a:blip r:embed="rId3">
-              <a:extLst>
-                <a:ext uri="{28A0092B-C50C-407E-A947-70E740481C1C}">
-                  <a14:useLocalDpi xmlns:a14="http://schemas.microsoft.com/office/drawing/2010/main" val="0"/>
-                </a:ext>
-              </a:extLst>
-            </a:blip>
-            <a:srcRect/>
-            <a:stretch>
-              <a:fillRect/>
-            </a:stretch>
-          </p:blipFill>
-          <p:spPr bwMode="auto">
-            <a:xfrm>
-              <a:off x="4679611" y="4211175"/>
-              <a:ext cx="598466" cy="846611"/>
-            </a:xfrm>
-            <a:prstGeom prst="rect">
-              <a:avLst/>
-            </a:prstGeom>
-            <a:noFill/>
-            <a:ln w="9525">
-              <a:solidFill>
-                <a:schemeClr val="tx1"/>
-              </a:solidFill>
-              <a:miter lim="800000"/>
-              <a:headEnd/>
-              <a:tailEnd/>
-            </a:ln>
-            <a:effectLst/>
+        </p:nvPicPr>
+        <p:blipFill>
+          <a:blip r:embed="rId3">
             <a:extLst>
-              <a:ext uri="{909E8E84-426E-40DD-AFC4-6F175D3DCCD1}">
-                <a14:hiddenFill xmlns:a14="http://schemas.microsoft.com/office/drawing/2010/main">
-                  <a:solidFill>
-                    <a:schemeClr val="accent1"/>
-                  </a:solidFill>
-                </a14:hiddenFill>
-              </a:ext>
-              <a:ext uri="{AF507438-7753-43E0-B8FC-AC1667EBCBE1}">
-                <a14:hiddenEffects xmlns:a14="http://schemas.microsoft.com/office/drawing/2010/main">
-                  <a:effectLst>
-                    <a:outerShdw dist="35921" dir="2700000" algn="ctr" rotWithShape="0">
-                      <a:schemeClr val="bg2"/>
-                    </a:outerShdw>
-                  </a:effectLst>
-                </a14:hiddenEffects>
+              <a:ext uri="{28A0092B-C50C-407E-A947-70E740481C1C}">
+                <a14:useLocalDpi xmlns:a14="http://schemas.microsoft.com/office/drawing/2010/main" val="0"/>
               </a:ext>
             </a:extLst>
-          </p:spPr>
-        </p:pic>
-        <p:pic>
-          <p:nvPicPr>
-            <p:cNvPr id="6147" name="Picture 3"/>
-            <p:cNvPicPr>
-              <a:picLocks noChangeAspect="1" noChangeArrowheads="1"/>
-            </p:cNvPicPr>
-            <p:nvPr/>
-          </p:nvPicPr>
-          <p:blipFill>
-            <a:blip r:embed="rId4">
-              <a:extLst>
-                <a:ext uri="{28A0092B-C50C-407E-A947-70E740481C1C}">
-                  <a14:useLocalDpi xmlns:a14="http://schemas.microsoft.com/office/drawing/2010/main" val="0"/>
-                </a:ext>
-              </a:extLst>
-            </a:blip>
-            <a:srcRect/>
-            <a:stretch>
-              <a:fillRect/>
-            </a:stretch>
-          </p:blipFill>
-          <p:spPr bwMode="auto">
-            <a:xfrm>
-              <a:off x="5548117" y="4211175"/>
-              <a:ext cx="525482" cy="875804"/>
-            </a:xfrm>
-            <a:prstGeom prst="rect">
-              <a:avLst/>
-            </a:prstGeom>
-            <a:noFill/>
-            <a:ln w="9525">
-              <a:solidFill>
-                <a:schemeClr val="tx1"/>
-              </a:solidFill>
-              <a:miter lim="800000"/>
-              <a:headEnd/>
-              <a:tailEnd/>
-            </a:ln>
-            <a:effectLst/>
+          </a:blip>
+          <a:stretch>
+            <a:fillRect/>
+          </a:stretch>
+        </p:blipFill>
+        <p:spPr>
+          <a:xfrm>
+            <a:off x="3333891" y="3670421"/>
+            <a:ext cx="1547584" cy="792000"/>
+          </a:xfrm>
+          <a:prstGeom prst="rect">
+            <a:avLst/>
+          </a:prstGeom>
+        </p:spPr>
+      </p:pic>
+      <p:pic>
+        <p:nvPicPr>
+          <p:cNvPr id="35" name="Picture 34"/>
+          <p:cNvPicPr>
+            <a:picLocks noChangeAspect="1"/>
+          </p:cNvPicPr>
+          <p:nvPr/>
+        </p:nvPicPr>
+        <p:blipFill>
+          <a:blip r:embed="rId4">
             <a:extLst>
-              <a:ext uri="{909E8E84-426E-40DD-AFC4-6F175D3DCCD1}">
-                <a14:hiddenFill xmlns:a14="http://schemas.microsoft.com/office/drawing/2010/main">
-                  <a:solidFill>
-                    <a:schemeClr val="accent1"/>
-                  </a:solidFill>
-                </a14:hiddenFill>
-              </a:ext>
-              <a:ext uri="{AF507438-7753-43E0-B8FC-AC1667EBCBE1}">
-                <a14:hiddenEffects xmlns:a14="http://schemas.microsoft.com/office/drawing/2010/main">
-                  <a:effectLst>
-                    <a:outerShdw dist="35921" dir="2700000" algn="ctr" rotWithShape="0">
-                      <a:schemeClr val="bg2"/>
-                    </a:outerShdw>
-                  </a:effectLst>
-                </a14:hiddenEffects>
+              <a:ext uri="{28A0092B-C50C-407E-A947-70E740481C1C}">
+                <a14:useLocalDpi xmlns:a14="http://schemas.microsoft.com/office/drawing/2010/main" val="0"/>
               </a:ext>
             </a:extLst>
-          </p:spPr>
-        </p:pic>
-        <p:pic>
-          <p:nvPicPr>
-            <p:cNvPr id="6148" name="Picture 4"/>
-            <p:cNvPicPr>
-              <a:picLocks noChangeAspect="1" noChangeArrowheads="1"/>
-            </p:cNvPicPr>
-            <p:nvPr/>
-          </p:nvPicPr>
-          <p:blipFill>
-            <a:blip r:embed="rId5">
-              <a:extLst>
-                <a:ext uri="{28A0092B-C50C-407E-A947-70E740481C1C}">
-                  <a14:useLocalDpi xmlns:a14="http://schemas.microsoft.com/office/drawing/2010/main" val="0"/>
-                </a:ext>
-              </a:extLst>
-            </a:blip>
-            <a:srcRect/>
-            <a:stretch>
-              <a:fillRect/>
-            </a:stretch>
-          </p:blipFill>
-          <p:spPr bwMode="auto">
-            <a:xfrm>
-              <a:off x="6354035" y="4211175"/>
-              <a:ext cx="642256" cy="846611"/>
-            </a:xfrm>
-            <a:prstGeom prst="rect">
-              <a:avLst/>
-            </a:prstGeom>
-            <a:noFill/>
-            <a:ln w="9525">
-              <a:solidFill>
-                <a:schemeClr val="tx1"/>
-              </a:solidFill>
-              <a:miter lim="800000"/>
-              <a:headEnd/>
-              <a:tailEnd/>
-            </a:ln>
-            <a:effectLst/>
+          </a:blip>
+          <a:stretch>
+            <a:fillRect/>
+          </a:stretch>
+        </p:blipFill>
+        <p:spPr>
+          <a:xfrm>
+            <a:off x="5712824" y="3682303"/>
+            <a:ext cx="1447739" cy="792000"/>
+          </a:xfrm>
+          <a:prstGeom prst="rect">
+            <a:avLst/>
+          </a:prstGeom>
+        </p:spPr>
+      </p:pic>
+      <p:pic>
+        <p:nvPicPr>
+          <p:cNvPr id="36" name="Picture 35"/>
+          <p:cNvPicPr>
+            <a:picLocks noChangeAspect="1"/>
+          </p:cNvPicPr>
+          <p:nvPr/>
+        </p:nvPicPr>
+        <p:blipFill>
+          <a:blip r:embed="rId5">
             <a:extLst>
-              <a:ext uri="{909E8E84-426E-40DD-AFC4-6F175D3DCCD1}">
-                <a14:hiddenFill xmlns:a14="http://schemas.microsoft.com/office/drawing/2010/main">
-                  <a:solidFill>
-                    <a:schemeClr val="accent1"/>
-                  </a:solidFill>
-                </a14:hiddenFill>
-              </a:ext>
-              <a:ext uri="{AF507438-7753-43E0-B8FC-AC1667EBCBE1}">
-                <a14:hiddenEffects xmlns:a14="http://schemas.microsoft.com/office/drawing/2010/main">
-                  <a:effectLst>
-                    <a:outerShdw dist="35921" dir="2700000" algn="ctr" rotWithShape="0">
-                      <a:schemeClr val="bg2"/>
-                    </a:outerShdw>
-                  </a:effectLst>
-                </a14:hiddenEffects>
+              <a:ext uri="{28A0092B-C50C-407E-A947-70E740481C1C}">
+                <a14:useLocalDpi xmlns:a14="http://schemas.microsoft.com/office/drawing/2010/main" val="0"/>
               </a:ext>
             </a:extLst>
-          </p:spPr>
-        </p:pic>
-        <p:pic>
-          <p:nvPicPr>
-            <p:cNvPr id="6149" name="Picture 5"/>
-            <p:cNvPicPr>
-              <a:picLocks noChangeAspect="1" noChangeArrowheads="1"/>
-            </p:cNvPicPr>
-            <p:nvPr/>
-          </p:nvPicPr>
-          <p:blipFill>
-            <a:blip r:embed="rId6">
-              <a:extLst>
-                <a:ext uri="{28A0092B-C50C-407E-A947-70E740481C1C}">
-                  <a14:useLocalDpi xmlns:a14="http://schemas.microsoft.com/office/drawing/2010/main" val="0"/>
-                </a:ext>
-              </a:extLst>
-            </a:blip>
-            <a:srcRect/>
-            <a:stretch>
-              <a:fillRect/>
-            </a:stretch>
-          </p:blipFill>
-          <p:spPr bwMode="auto">
-            <a:xfrm>
-              <a:off x="7229042" y="4211175"/>
-              <a:ext cx="744433" cy="846611"/>
-            </a:xfrm>
-            <a:prstGeom prst="rect">
-              <a:avLst/>
-            </a:prstGeom>
-            <a:noFill/>
-            <a:ln w="9525">
-              <a:solidFill>
-                <a:schemeClr val="tx1"/>
-              </a:solidFill>
-              <a:miter lim="800000"/>
-              <a:headEnd/>
-              <a:tailEnd/>
-            </a:ln>
-            <a:effectLst/>
+          </a:blip>
+          <a:stretch>
+            <a:fillRect/>
+          </a:stretch>
+        </p:blipFill>
+        <p:spPr>
+          <a:xfrm>
+            <a:off x="6962206" y="4155344"/>
+            <a:ext cx="1683003" cy="792000"/>
+          </a:xfrm>
+          <a:prstGeom prst="rect">
+            <a:avLst/>
+          </a:prstGeom>
+        </p:spPr>
+      </p:pic>
+      <p:pic>
+        <p:nvPicPr>
+          <p:cNvPr id="37" name="Picture 36"/>
+          <p:cNvPicPr>
+            <a:picLocks noChangeAspect="1"/>
+          </p:cNvPicPr>
+          <p:nvPr/>
+        </p:nvPicPr>
+        <p:blipFill>
+          <a:blip r:embed="rId6">
             <a:extLst>
-              <a:ext uri="{909E8E84-426E-40DD-AFC4-6F175D3DCCD1}">
-                <a14:hiddenFill xmlns:a14="http://schemas.microsoft.com/office/drawing/2010/main">
-                  <a:solidFill>
-                    <a:schemeClr val="accent1"/>
-                  </a:solidFill>
-                </a14:hiddenFill>
-              </a:ext>
-              <a:ext uri="{AF507438-7753-43E0-B8FC-AC1667EBCBE1}">
-                <a14:hiddenEffects xmlns:a14="http://schemas.microsoft.com/office/drawing/2010/main">
-                  <a:effectLst>
-                    <a:outerShdw dist="35921" dir="2700000" algn="ctr" rotWithShape="0">
-                      <a:schemeClr val="bg2"/>
-                    </a:outerShdw>
-                  </a:effectLst>
-                </a14:hiddenEffects>
+              <a:ext uri="{28A0092B-C50C-407E-A947-70E740481C1C}">
+                <a14:useLocalDpi xmlns:a14="http://schemas.microsoft.com/office/drawing/2010/main" val="0"/>
               </a:ext>
             </a:extLst>
-          </p:spPr>
-        </p:pic>
-      </p:grpSp>
+          </a:blip>
+          <a:stretch>
+            <a:fillRect/>
+          </a:stretch>
+        </p:blipFill>
+        <p:spPr>
+          <a:xfrm>
+            <a:off x="4195350" y="4252514"/>
+            <a:ext cx="2103754" cy="792000"/>
+          </a:xfrm>
+          <a:prstGeom prst="rect">
+            <a:avLst/>
+          </a:prstGeom>
+        </p:spPr>
+      </p:pic>
     </p:spTree>
     <p:extLst>
       <p:ext uri="{BB962C8B-B14F-4D97-AF65-F5344CB8AC3E}">
@@ -20612,32 +20305,6 @@
             <a:endParaRPr lang="en-US" sz="2199" dirty="0"/>
           </a:p>
           <a:p>
-            <a:r>
-              <a:rPr lang="en-US" sz="2599" b="1" dirty="0" err="1">
-                <a:solidFill>
-                  <a:schemeClr val="bg2">
-                    <a:lumMod val="75000"/>
-                  </a:schemeClr>
-                </a:solidFill>
-              </a:rPr>
-              <a:t>Office.context.application</a:t>
-            </a:r>
-            <a:endParaRPr lang="en-US" sz="2599" b="1" dirty="0">
-              <a:solidFill>
-                <a:schemeClr val="bg2">
-                  <a:lumMod val="75000"/>
-                </a:schemeClr>
-              </a:solidFill>
-            </a:endParaRPr>
-          </a:p>
-          <a:p>
-            <a:pPr lvl="1"/>
-            <a:r>
-              <a:rPr lang="en-US" sz="2199" dirty="0"/>
-              <a:t>App-specific APIs (e.g. Project JSOM)</a:t>
-            </a:r>
-          </a:p>
-          <a:p>
             <a:pPr marL="0" indent="0">
               <a:buNone/>
             </a:pPr>
@@ -20645,11 +20312,265 @@
           </a:p>
         </p:txBody>
       </p:sp>
+      <p:sp>
+        <p:nvSpPr>
+          <p:cNvPr id="6" name="Rectangle 5"/>
+          <p:cNvSpPr/>
+          <p:nvPr/>
+        </p:nvSpPr>
+        <p:spPr bwMode="auto">
+          <a:xfrm>
+            <a:off x="6520099" y="2344878"/>
+            <a:ext cx="1951506" cy="1607672"/>
+          </a:xfrm>
+          <a:prstGeom prst="rect">
+            <a:avLst/>
+          </a:prstGeom>
+          <a:ln>
+            <a:solidFill>
+              <a:schemeClr val="bg1">
+                <a:lumMod val="75000"/>
+              </a:schemeClr>
+            </a:solidFill>
+            <a:headEnd type="none" w="med" len="med"/>
+            <a:tailEnd type="none" w="med" len="med"/>
+          </a:ln>
+        </p:spPr>
+        <p:style>
+          <a:lnRef idx="2">
+            <a:schemeClr val="accent6"/>
+          </a:lnRef>
+          <a:fillRef idx="1">
+            <a:schemeClr val="lt1"/>
+          </a:fillRef>
+          <a:effectRef idx="0">
+            <a:schemeClr val="accent6"/>
+          </a:effectRef>
+          <a:fontRef idx="minor">
+            <a:schemeClr val="dk1"/>
+          </a:fontRef>
+        </p:style>
+        <p:txBody>
+          <a:bodyPr rot="0" spcFirstLastPara="0" vertOverflow="overflow" horzOverflow="overflow" vert="horz" wrap="square" lIns="45720" tIns="45720" rIns="45720" bIns="45720" numCol="1" spcCol="0" rtlCol="0" fromWordArt="0" anchor="t" anchorCtr="0" forceAA="0" compatLnSpc="1">
+            <a:prstTxWarp prst="textNoShape">
+              <a:avLst/>
+            </a:prstTxWarp>
+            <a:noAutofit/>
+          </a:bodyPr>
+          <a:lstStyle/>
+          <a:p>
+            <a:pPr marL="342900" indent="-166688" defTabSz="914099" fontAlgn="base">
+              <a:spcBef>
+                <a:spcPct val="0"/>
+              </a:spcBef>
+              <a:spcAft>
+                <a:spcPct val="0"/>
+              </a:spcAft>
+              <a:buFont typeface="Arial" panose="020B0604020202020204" pitchFamily="34" charset="0"/>
+              <a:buChar char="•"/>
+            </a:pPr>
+            <a:r>
+              <a:rPr lang="en-US" sz="1050" dirty="0" smtClean="0">
+                <a:solidFill>
+                  <a:schemeClr val="tx1"/>
+                </a:solidFill>
+                <a:ea typeface="Segoe UI" pitchFamily="34" charset="0"/>
+                <a:cs typeface="Segoe UI" pitchFamily="34" charset="0"/>
+              </a:rPr>
+              <a:t>Read and write selection</a:t>
+            </a:r>
+          </a:p>
+          <a:p>
+            <a:pPr marL="342900" indent="-166688" defTabSz="914099" fontAlgn="base">
+              <a:spcBef>
+                <a:spcPct val="0"/>
+              </a:spcBef>
+              <a:spcAft>
+                <a:spcPct val="0"/>
+              </a:spcAft>
+              <a:buFont typeface="Arial" panose="020B0604020202020204" pitchFamily="34" charset="0"/>
+              <a:buChar char="•"/>
+            </a:pPr>
+            <a:r>
+              <a:rPr lang="en-US" sz="1050" dirty="0" smtClean="0">
+                <a:solidFill>
+                  <a:schemeClr val="tx1"/>
+                </a:solidFill>
+                <a:ea typeface="Segoe UI" pitchFamily="34" charset="0"/>
+                <a:cs typeface="Segoe UI" pitchFamily="34" charset="0"/>
+              </a:rPr>
+              <a:t>Create binding</a:t>
+            </a:r>
+          </a:p>
+          <a:p>
+            <a:pPr marL="342900" indent="-166688" defTabSz="914099" fontAlgn="base">
+              <a:spcBef>
+                <a:spcPct val="0"/>
+              </a:spcBef>
+              <a:spcAft>
+                <a:spcPct val="0"/>
+              </a:spcAft>
+              <a:buFont typeface="Arial" panose="020B0604020202020204" pitchFamily="34" charset="0"/>
+              <a:buChar char="•"/>
+            </a:pPr>
+            <a:r>
+              <a:rPr lang="en-US" sz="1050" dirty="0" smtClean="0">
+                <a:solidFill>
+                  <a:schemeClr val="tx1"/>
+                </a:solidFill>
+                <a:ea typeface="Segoe UI" pitchFamily="34" charset="0"/>
+                <a:cs typeface="Segoe UI" pitchFamily="34" charset="0"/>
+              </a:rPr>
+              <a:t>Register event handlers</a:t>
+            </a:r>
+          </a:p>
+          <a:p>
+            <a:pPr marL="342900" indent="-166688" defTabSz="914099" fontAlgn="base">
+              <a:spcBef>
+                <a:spcPct val="0"/>
+              </a:spcBef>
+              <a:spcAft>
+                <a:spcPct val="0"/>
+              </a:spcAft>
+              <a:buFont typeface="Arial" panose="020B0604020202020204" pitchFamily="34" charset="0"/>
+              <a:buChar char="•"/>
+            </a:pPr>
+            <a:r>
+              <a:rPr lang="en-US" sz="1050" dirty="0" smtClean="0">
+                <a:solidFill>
+                  <a:schemeClr val="tx1"/>
+                </a:solidFill>
+                <a:ea typeface="Segoe UI" pitchFamily="34" charset="0"/>
+                <a:cs typeface="Segoe UI" pitchFamily="34" charset="0"/>
+              </a:rPr>
+              <a:t>Use custom XML files</a:t>
+            </a:r>
+          </a:p>
+        </p:txBody>
+      </p:sp>
+      <p:sp>
+        <p:nvSpPr>
+          <p:cNvPr id="8" name="Rectangle 7"/>
+          <p:cNvSpPr/>
+          <p:nvPr/>
+        </p:nvSpPr>
+        <p:spPr bwMode="auto">
+          <a:xfrm>
+            <a:off x="9322496" y="2320047"/>
+            <a:ext cx="1951506" cy="883592"/>
+          </a:xfrm>
+          <a:prstGeom prst="rect">
+            <a:avLst/>
+          </a:prstGeom>
+          <a:ln>
+            <a:solidFill>
+              <a:schemeClr val="bg1">
+                <a:lumMod val="75000"/>
+              </a:schemeClr>
+            </a:solidFill>
+            <a:headEnd type="none" w="med" len="med"/>
+            <a:tailEnd type="none" w="med" len="med"/>
+          </a:ln>
+        </p:spPr>
+        <p:style>
+          <a:lnRef idx="2">
+            <a:schemeClr val="accent6"/>
+          </a:lnRef>
+          <a:fillRef idx="1">
+            <a:schemeClr val="lt1"/>
+          </a:fillRef>
+          <a:effectRef idx="0">
+            <a:schemeClr val="accent6"/>
+          </a:effectRef>
+          <a:fontRef idx="minor">
+            <a:schemeClr val="dk1"/>
+          </a:fontRef>
+        </p:style>
+        <p:txBody>
+          <a:bodyPr rot="0" spcFirstLastPara="0" vertOverflow="overflow" horzOverflow="overflow" vert="horz" wrap="square" lIns="45720" tIns="45720" rIns="45720" bIns="45720" numCol="1" spcCol="0" rtlCol="0" fromWordArt="0" anchor="t" anchorCtr="0" forceAA="0" compatLnSpc="1">
+            <a:prstTxWarp prst="textNoShape">
+              <a:avLst/>
+            </a:prstTxWarp>
+            <a:noAutofit/>
+          </a:bodyPr>
+          <a:lstStyle/>
+          <a:p>
+            <a:pPr marL="234950" indent="-176213" defTabSz="914099" fontAlgn="base">
+              <a:spcBef>
+                <a:spcPct val="0"/>
+              </a:spcBef>
+              <a:spcAft>
+                <a:spcPct val="0"/>
+              </a:spcAft>
+              <a:buFont typeface="Arial" panose="020B0604020202020204" pitchFamily="34" charset="0"/>
+              <a:buChar char="•"/>
+            </a:pPr>
+            <a:r>
+              <a:rPr lang="en-US" sz="1050" dirty="0" smtClean="0">
+                <a:solidFill>
+                  <a:schemeClr val="tx1"/>
+                </a:solidFill>
+                <a:ea typeface="Segoe UI" pitchFamily="34" charset="0"/>
+                <a:cs typeface="Segoe UI" pitchFamily="34" charset="0"/>
+              </a:rPr>
+              <a:t>Read and writer properties</a:t>
+            </a:r>
+          </a:p>
+          <a:p>
+            <a:pPr marL="234950" indent="-176213" defTabSz="914099" fontAlgn="base">
+              <a:spcBef>
+                <a:spcPct val="0"/>
+              </a:spcBef>
+              <a:spcAft>
+                <a:spcPct val="0"/>
+              </a:spcAft>
+              <a:buFont typeface="Arial" panose="020B0604020202020204" pitchFamily="34" charset="0"/>
+              <a:buChar char="•"/>
+            </a:pPr>
+            <a:r>
+              <a:rPr lang="en-US" sz="1050" dirty="0" smtClean="0">
+                <a:solidFill>
+                  <a:schemeClr val="tx1"/>
+                </a:solidFill>
+                <a:ea typeface="Segoe UI" pitchFamily="34" charset="0"/>
+                <a:cs typeface="Segoe UI" pitchFamily="34" charset="0"/>
+              </a:rPr>
+              <a:t>Properties saved to document</a:t>
+            </a:r>
+            <a:endParaRPr lang="en-US" sz="1050" dirty="0">
+              <a:solidFill>
+                <a:schemeClr val="tx1"/>
+              </a:solidFill>
+              <a:ea typeface="Segoe UI" pitchFamily="34" charset="0"/>
+              <a:cs typeface="Segoe UI" pitchFamily="34" charset="0"/>
+            </a:endParaRPr>
+          </a:p>
+          <a:p>
+            <a:pPr marL="342900" indent="-342900" defTabSz="914099" fontAlgn="base">
+              <a:spcBef>
+                <a:spcPct val="0"/>
+              </a:spcBef>
+              <a:spcAft>
+                <a:spcPct val="0"/>
+              </a:spcAft>
+              <a:buFont typeface="Arial" panose="020B0604020202020204" pitchFamily="34" charset="0"/>
+              <a:buChar char="•"/>
+            </a:pPr>
+            <a:endParaRPr lang="en-US" sz="1050" dirty="0">
+              <a:solidFill>
+                <a:schemeClr val="tx1"/>
+              </a:solidFill>
+              <a:ea typeface="Segoe UI" pitchFamily="34" charset="0"/>
+              <a:cs typeface="Segoe UI" pitchFamily="34" charset="0"/>
+            </a:endParaRPr>
+          </a:p>
+        </p:txBody>
+      </p:sp>
       <p:pic>
         <p:nvPicPr>
-          <p:cNvPr id="5124" name="Picture 4"/>
+          <p:cNvPr id="11" name="Picture 10"/>
           <p:cNvPicPr>
-            <a:picLocks noChangeAspect="1" noChangeArrowheads="1"/>
+            <a:picLocks noChangeAspect="1"/>
           </p:cNvPicPr>
           <p:nvPr/>
         </p:nvPicPr>
@@ -20661,54 +20582,401 @@
               </a:ext>
             </a:extLst>
           </a:blip>
-          <a:srcRect/>
           <a:stretch>
             <a:fillRect/>
           </a:stretch>
         </p:blipFill>
-        <p:spPr bwMode="auto">
+        <p:spPr>
           <a:xfrm>
-            <a:off x="5943639" y="1450358"/>
-            <a:ext cx="5283412" cy="2641706"/>
+            <a:off x="6723855" y="3084848"/>
+            <a:ext cx="909738" cy="432862"/>
           </a:xfrm>
           <a:prstGeom prst="rect">
             <a:avLst/>
           </a:prstGeom>
-          <a:noFill/>
+        </p:spPr>
+      </p:pic>
+      <p:pic>
+        <p:nvPicPr>
+          <p:cNvPr id="12" name="Picture 11"/>
+          <p:cNvPicPr>
+            <a:picLocks noChangeAspect="1"/>
+          </p:cNvPicPr>
+          <p:nvPr/>
+        </p:nvPicPr>
+        <p:blipFill>
+          <a:blip r:embed="rId4">
+            <a:extLst>
+              <a:ext uri="{28A0092B-C50C-407E-A947-70E740481C1C}">
+                <a14:useLocalDpi xmlns:a14="http://schemas.microsoft.com/office/drawing/2010/main" val="0"/>
+              </a:ext>
+            </a:extLst>
+          </a:blip>
+          <a:stretch>
+            <a:fillRect/>
+          </a:stretch>
+        </p:blipFill>
+        <p:spPr>
+          <a:xfrm>
+            <a:off x="7437236" y="3372557"/>
+            <a:ext cx="851048" cy="432862"/>
+          </a:xfrm>
+          <a:prstGeom prst="rect">
+            <a:avLst/>
+          </a:prstGeom>
+        </p:spPr>
+      </p:pic>
+      <p:sp>
+        <p:nvSpPr>
+          <p:cNvPr id="15" name="Rectangle 14"/>
+          <p:cNvSpPr/>
+          <p:nvPr/>
+        </p:nvSpPr>
+        <p:spPr bwMode="auto">
+          <a:xfrm>
+            <a:off x="6520098" y="1908914"/>
+            <a:ext cx="1951506" cy="431214"/>
+          </a:xfrm>
+          <a:prstGeom prst="rect">
+            <a:avLst/>
+          </a:prstGeom>
+          <a:solidFill>
+            <a:schemeClr val="bg1">
+              <a:lumMod val="95000"/>
+            </a:schemeClr>
+          </a:solidFill>
           <a:ln>
-            <a:noFill/>
+            <a:solidFill>
+              <a:schemeClr val="bg1">
+                <a:lumMod val="75000"/>
+              </a:schemeClr>
+            </a:solidFill>
           </a:ln>
-          <a:effectLst/>
-          <a:extLst>
-            <a:ext uri="{909E8E84-426E-40DD-AFC4-6F175D3DCCD1}">
-              <a14:hiddenFill xmlns:a14="http://schemas.microsoft.com/office/drawing/2010/main">
-                <a:solidFill>
-                  <a:schemeClr val="accent1"/>
-                </a:solidFill>
-              </a14:hiddenFill>
-            </a:ext>
-            <a:ext uri="{91240B29-F687-4F45-9708-019B960494DF}">
-              <a14:hiddenLine xmlns:a14="http://schemas.microsoft.com/office/drawing/2010/main" w="9525">
+        </p:spPr>
+        <p:style>
+          <a:lnRef idx="2">
+            <a:schemeClr val="lt1">
+              <a:hueOff val="0"/>
+              <a:satOff val="0"/>
+              <a:lumOff val="0"/>
+              <a:alphaOff val="0"/>
+            </a:schemeClr>
+          </a:lnRef>
+          <a:fillRef idx="1">
+            <a:schemeClr val="accent6">
+              <a:tint val="99000"/>
+              <a:hueOff val="0"/>
+              <a:satOff val="0"/>
+              <a:lumOff val="0"/>
+              <a:alphaOff val="0"/>
+            </a:schemeClr>
+          </a:fillRef>
+          <a:effectRef idx="0">
+            <a:schemeClr val="accent6">
+              <a:tint val="99000"/>
+              <a:hueOff val="0"/>
+              <a:satOff val="0"/>
+              <a:lumOff val="0"/>
+              <a:alphaOff val="0"/>
+            </a:schemeClr>
+          </a:effectRef>
+          <a:fontRef idx="minor">
+            <a:schemeClr val="lt1"/>
+          </a:fontRef>
+        </p:style>
+        <p:txBody>
+          <a:bodyPr spcFirstLastPara="0" vert="horz" wrap="square" lIns="18415" tIns="18415" rIns="18415" bIns="18415" numCol="1" spcCol="1270" anchor="ctr" anchorCtr="0">
+            <a:noAutofit/>
+          </a:bodyPr>
+          <a:lstStyle/>
+          <a:p>
+            <a:pPr lvl="0" algn="ctr" defTabSz="1289050">
+              <a:lnSpc>
+                <a:spcPct val="90000"/>
+              </a:lnSpc>
+              <a:spcBef>
+                <a:spcPct val="0"/>
+              </a:spcBef>
+              <a:spcAft>
+                <a:spcPct val="35000"/>
+              </a:spcAft>
+            </a:pPr>
+            <a:r>
+              <a:rPr lang="en-US" sz="1600" dirty="0" smtClean="0">
                 <a:solidFill>
                   <a:schemeClr val="tx1"/>
                 </a:solidFill>
-                <a:miter lim="800000"/>
-                <a:headEnd/>
-                <a:tailEnd/>
-              </a14:hiddenLine>
-            </a:ext>
-            <a:ext uri="{AF507438-7753-43E0-B8FC-AC1667EBCBE1}">
-              <a14:hiddenEffects xmlns:a14="http://schemas.microsoft.com/office/drawing/2010/main">
-                <a:effectLst>
-                  <a:outerShdw dist="35921" dir="2700000" algn="ctr" rotWithShape="0">
-                    <a:schemeClr val="bg2"/>
-                  </a:outerShdw>
-                </a:effectLst>
-              </a14:hiddenEffects>
-            </a:ext>
-          </a:extLst>
+              </a:rPr>
+              <a:t>document</a:t>
+            </a:r>
+            <a:endParaRPr lang="en-US" sz="1600" dirty="0">
+              <a:solidFill>
+                <a:schemeClr val="tx1"/>
+              </a:solidFill>
+            </a:endParaRPr>
+          </a:p>
+        </p:txBody>
+      </p:sp>
+      <p:sp>
+        <p:nvSpPr>
+          <p:cNvPr id="16" name="Rectangle 15"/>
+          <p:cNvSpPr/>
+          <p:nvPr/>
+        </p:nvSpPr>
+        <p:spPr bwMode="auto">
+          <a:xfrm>
+            <a:off x="9322496" y="1908914"/>
+            <a:ext cx="1951506" cy="431214"/>
+          </a:xfrm>
+          <a:prstGeom prst="rect">
+            <a:avLst/>
+          </a:prstGeom>
+          <a:solidFill>
+            <a:schemeClr val="bg1">
+              <a:lumMod val="95000"/>
+            </a:schemeClr>
+          </a:solidFill>
+          <a:ln>
+            <a:solidFill>
+              <a:schemeClr val="bg1">
+                <a:lumMod val="75000"/>
+              </a:schemeClr>
+            </a:solidFill>
+          </a:ln>
         </p:spPr>
-      </p:pic>
+        <p:style>
+          <a:lnRef idx="2">
+            <a:schemeClr val="lt1">
+              <a:hueOff val="0"/>
+              <a:satOff val="0"/>
+              <a:lumOff val="0"/>
+              <a:alphaOff val="0"/>
+            </a:schemeClr>
+          </a:lnRef>
+          <a:fillRef idx="1">
+            <a:schemeClr val="accent6">
+              <a:tint val="99000"/>
+              <a:hueOff val="0"/>
+              <a:satOff val="0"/>
+              <a:lumOff val="0"/>
+              <a:alphaOff val="0"/>
+            </a:schemeClr>
+          </a:fillRef>
+          <a:effectRef idx="0">
+            <a:schemeClr val="accent6">
+              <a:tint val="99000"/>
+              <a:hueOff val="0"/>
+              <a:satOff val="0"/>
+              <a:lumOff val="0"/>
+              <a:alphaOff val="0"/>
+            </a:schemeClr>
+          </a:effectRef>
+          <a:fontRef idx="minor">
+            <a:schemeClr val="lt1"/>
+          </a:fontRef>
+        </p:style>
+        <p:txBody>
+          <a:bodyPr spcFirstLastPara="0" vert="horz" wrap="square" lIns="18415" tIns="18415" rIns="18415" bIns="18415" numCol="1" spcCol="1270" anchor="ctr" anchorCtr="0">
+            <a:noAutofit/>
+          </a:bodyPr>
+          <a:lstStyle/>
+          <a:p>
+            <a:pPr lvl="0" algn="ctr" defTabSz="1289050">
+              <a:lnSpc>
+                <a:spcPct val="90000"/>
+              </a:lnSpc>
+              <a:spcBef>
+                <a:spcPct val="0"/>
+              </a:spcBef>
+              <a:spcAft>
+                <a:spcPct val="35000"/>
+              </a:spcAft>
+            </a:pPr>
+            <a:r>
+              <a:rPr lang="en-US" sz="1600" dirty="0" smtClean="0">
+                <a:solidFill>
+                  <a:schemeClr val="tx1"/>
+                </a:solidFill>
+              </a:rPr>
+              <a:t>settings</a:t>
+            </a:r>
+            <a:endParaRPr lang="en-US" sz="1600" dirty="0">
+              <a:solidFill>
+                <a:schemeClr val="tx1"/>
+              </a:solidFill>
+            </a:endParaRPr>
+          </a:p>
+        </p:txBody>
+      </p:sp>
+      <p:sp>
+        <p:nvSpPr>
+          <p:cNvPr id="18" name="Rectangle 17"/>
+          <p:cNvSpPr/>
+          <p:nvPr/>
+        </p:nvSpPr>
+        <p:spPr bwMode="auto">
+          <a:xfrm>
+            <a:off x="7812551" y="968256"/>
+            <a:ext cx="1951506" cy="431214"/>
+          </a:xfrm>
+          <a:prstGeom prst="rect">
+            <a:avLst/>
+          </a:prstGeom>
+          <a:solidFill>
+            <a:schemeClr val="bg1">
+              <a:lumMod val="95000"/>
+            </a:schemeClr>
+          </a:solidFill>
+          <a:ln>
+            <a:solidFill>
+              <a:schemeClr val="bg1">
+                <a:lumMod val="75000"/>
+              </a:schemeClr>
+            </a:solidFill>
+          </a:ln>
+        </p:spPr>
+        <p:style>
+          <a:lnRef idx="2">
+            <a:schemeClr val="lt1">
+              <a:hueOff val="0"/>
+              <a:satOff val="0"/>
+              <a:lumOff val="0"/>
+              <a:alphaOff val="0"/>
+            </a:schemeClr>
+          </a:lnRef>
+          <a:fillRef idx="1">
+            <a:schemeClr val="accent6">
+              <a:tint val="99000"/>
+              <a:hueOff val="0"/>
+              <a:satOff val="0"/>
+              <a:lumOff val="0"/>
+              <a:alphaOff val="0"/>
+            </a:schemeClr>
+          </a:fillRef>
+          <a:effectRef idx="0">
+            <a:schemeClr val="accent6">
+              <a:tint val="99000"/>
+              <a:hueOff val="0"/>
+              <a:satOff val="0"/>
+              <a:lumOff val="0"/>
+              <a:alphaOff val="0"/>
+            </a:schemeClr>
+          </a:effectRef>
+          <a:fontRef idx="minor">
+            <a:schemeClr val="lt1"/>
+          </a:fontRef>
+        </p:style>
+        <p:txBody>
+          <a:bodyPr spcFirstLastPara="0" vert="horz" wrap="square" lIns="18415" tIns="18415" rIns="18415" bIns="18415" numCol="1" spcCol="1270" anchor="ctr" anchorCtr="0">
+            <a:noAutofit/>
+          </a:bodyPr>
+          <a:lstStyle/>
+          <a:p>
+            <a:pPr lvl="0" algn="ctr" defTabSz="1289050">
+              <a:lnSpc>
+                <a:spcPct val="90000"/>
+              </a:lnSpc>
+              <a:spcBef>
+                <a:spcPct val="0"/>
+              </a:spcBef>
+              <a:spcAft>
+                <a:spcPct val="35000"/>
+              </a:spcAft>
+            </a:pPr>
+            <a:r>
+              <a:rPr lang="en-US" sz="1600" dirty="0" smtClean="0">
+                <a:solidFill>
+                  <a:schemeClr val="tx1"/>
+                </a:solidFill>
+              </a:rPr>
+              <a:t>context</a:t>
+            </a:r>
+            <a:endParaRPr lang="en-US" sz="1600" dirty="0">
+              <a:solidFill>
+                <a:schemeClr val="tx1"/>
+              </a:solidFill>
+            </a:endParaRPr>
+          </a:p>
+        </p:txBody>
+      </p:sp>
+      <p:cxnSp>
+        <p:nvCxnSpPr>
+          <p:cNvPr id="19" name="Elbow Connector 18"/>
+          <p:cNvCxnSpPr>
+            <a:stCxn id="15" idx="0"/>
+          </p:cNvCxnSpPr>
+          <p:nvPr/>
+        </p:nvCxnSpPr>
+        <p:spPr>
+          <a:xfrm rot="5400000" flipH="1" flipV="1">
+            <a:off x="7990195" y="1110804"/>
+            <a:ext cx="303767" cy="1292455"/>
+          </a:xfrm>
+          <a:prstGeom prst="bentConnector2">
+            <a:avLst/>
+          </a:prstGeom>
+          <a:ln>
+            <a:solidFill>
+              <a:schemeClr val="bg2"/>
+            </a:solidFill>
+            <a:headEnd type="none"/>
+            <a:tailEnd type="none"/>
+          </a:ln>
+        </p:spPr>
+        <p:style>
+          <a:lnRef idx="1">
+            <a:schemeClr val="accent4"/>
+          </a:lnRef>
+          <a:fillRef idx="0">
+            <a:schemeClr val="accent4"/>
+          </a:fillRef>
+          <a:effectRef idx="0">
+            <a:schemeClr val="accent4"/>
+          </a:effectRef>
+          <a:fontRef idx="minor">
+            <a:schemeClr val="tx1"/>
+          </a:fontRef>
+        </p:style>
+      </p:cxnSp>
+      <p:cxnSp>
+        <p:nvCxnSpPr>
+          <p:cNvPr id="21" name="Elbow Connector 20"/>
+          <p:cNvCxnSpPr/>
+          <p:nvPr/>
+        </p:nvCxnSpPr>
+        <p:spPr>
+          <a:xfrm rot="16200000" flipH="1">
+            <a:off x="9274233" y="918292"/>
+            <a:ext cx="538088" cy="1509945"/>
+          </a:xfrm>
+          <a:prstGeom prst="bentConnector3">
+            <a:avLst>
+              <a:gd name="adj1" fmla="val 36928"/>
+            </a:avLst>
+          </a:prstGeom>
+          <a:ln>
+            <a:solidFill>
+              <a:schemeClr val="bg2"/>
+            </a:solidFill>
+            <a:headEnd type="none"/>
+            <a:tailEnd type="none"/>
+          </a:ln>
+        </p:spPr>
+        <p:style>
+          <a:lnRef idx="1">
+            <a:schemeClr val="accent4"/>
+          </a:lnRef>
+          <a:fillRef idx="0">
+            <a:schemeClr val="accent4"/>
+          </a:fillRef>
+          <a:effectRef idx="0">
+            <a:schemeClr val="accent4"/>
+          </a:effectRef>
+          <a:fontRef idx="minor">
+            <a:schemeClr val="tx1"/>
+          </a:fontRef>
+        </p:style>
+      </p:cxnSp>
     </p:spTree>
     <p:extLst>
       <p:ext uri="{BB962C8B-B14F-4D97-AF65-F5344CB8AC3E}">
@@ -24983,7 +25251,7 @@
         </p:nvSpPr>
         <p:spPr>
           <a:xfrm>
-            <a:off x="3314540" y="1448315"/>
+            <a:off x="3595892" y="1448315"/>
             <a:ext cx="8352135" cy="2043104"/>
           </a:xfrm>
         </p:spPr>
@@ -25186,134 +25454,1241 @@
           </a:p>
         </p:txBody>
       </p:sp>
-      <p:pic>
-        <p:nvPicPr>
-          <p:cNvPr id="1026" name="Picture 2"/>
-          <p:cNvPicPr>
-            <a:picLocks noChangeAspect="1" noChangeArrowheads="1"/>
-          </p:cNvPicPr>
+      <p:grpSp>
+        <p:nvGrpSpPr>
+          <p:cNvPr id="8" name="Group 7"/>
+          <p:cNvGrpSpPr/>
           <p:nvPr/>
-        </p:nvPicPr>
-        <p:blipFill>
-          <a:blip r:embed="rId3">
-            <a:extLst>
-              <a:ext uri="{28A0092B-C50C-407E-A947-70E740481C1C}">
-                <a14:useLocalDpi xmlns:a14="http://schemas.microsoft.com/office/drawing/2010/main" val="0"/>
-              </a:ext>
-            </a:extLst>
-          </a:blip>
-          <a:srcRect/>
-          <a:stretch>
-            <a:fillRect/>
-          </a:stretch>
-        </p:blipFill>
-        <p:spPr bwMode="auto">
+        </p:nvGrpSpPr>
+        <p:grpSpPr>
           <a:xfrm>
-            <a:off x="368892" y="1576190"/>
-            <a:ext cx="2373713" cy="1972522"/>
+            <a:off x="378971" y="1279214"/>
+            <a:ext cx="2908885" cy="2381305"/>
+            <a:chOff x="990969" y="1173156"/>
+            <a:chExt cx="2908885" cy="2381305"/>
           </a:xfrm>
-          <a:prstGeom prst="rect">
-            <a:avLst/>
-          </a:prstGeom>
-          <a:noFill/>
-          <a:ln>
-            <a:noFill/>
-          </a:ln>
-          <a:effectLst/>
-          <a:extLst>
-            <a:ext uri="{909E8E84-426E-40DD-AFC4-6F175D3DCCD1}">
-              <a14:hiddenFill xmlns:a14="http://schemas.microsoft.com/office/drawing/2010/main">
+        </p:grpSpPr>
+        <p:grpSp>
+          <p:nvGrpSpPr>
+            <p:cNvPr id="10" name="Group 9"/>
+            <p:cNvGrpSpPr/>
+            <p:nvPr/>
+          </p:nvGrpSpPr>
+          <p:grpSpPr>
+            <a:xfrm>
+              <a:off x="990969" y="1173156"/>
+              <a:ext cx="2897920" cy="2381305"/>
+              <a:chOff x="8415338" y="3969071"/>
+              <a:chExt cx="3516163" cy="2594233"/>
+            </a:xfrm>
+          </p:grpSpPr>
+          <p:sp>
+            <p:nvSpPr>
+              <p:cNvPr id="22" name="Rectangle 21"/>
+              <p:cNvSpPr/>
+              <p:nvPr/>
+            </p:nvSpPr>
+            <p:spPr>
+              <a:xfrm>
+                <a:off x="8428642" y="3969071"/>
+                <a:ext cx="3502859" cy="2594233"/>
+              </a:xfrm>
+              <a:prstGeom prst="rect">
+                <a:avLst/>
+              </a:prstGeom>
+              <a:solidFill>
+                <a:srgbClr val="FFFFFF"/>
+              </a:solidFill>
+              <a:ln w="28575" cap="flat" cmpd="sng" algn="ctr">
                 <a:solidFill>
-                  <a:schemeClr val="accent1"/>
+                  <a:srgbClr val="262626">
+                    <a:lumMod val="40000"/>
+                    <a:lumOff val="60000"/>
+                  </a:srgbClr>
                 </a:solidFill>
-              </a14:hiddenFill>
-            </a:ext>
-            <a:ext uri="{91240B29-F687-4F45-9708-019B960494DF}">
-              <a14:hiddenLine xmlns:a14="http://schemas.microsoft.com/office/drawing/2010/main" w="9525">
+                <a:prstDash val="solid"/>
+              </a:ln>
+              <a:effectLst>
+                <a:outerShdw blurRad="50800" dist="38100" dir="2700000" algn="tl" rotWithShape="0">
+                  <a:prstClr val="black">
+                    <a:alpha val="40000"/>
+                  </a:prstClr>
+                </a:outerShdw>
+              </a:effectLst>
+            </p:spPr>
+            <p:txBody>
+              <a:bodyPr rtlCol="0" anchor="ctr"/>
+              <a:lstStyle/>
+              <a:p>
+                <a:pPr algn="ctr" defTabSz="761183"/>
+                <a:endParaRPr lang="en-US" sz="1500" kern="0">
+                  <a:solidFill>
+                    <a:srgbClr val="1B1B1B"/>
+                  </a:solidFill>
+                  <a:latin typeface="Segoe UI"/>
+                </a:endParaRPr>
+              </a:p>
+            </p:txBody>
+          </p:sp>
+          <p:sp>
+            <p:nvSpPr>
+              <p:cNvPr id="23" name="Rectangle 22"/>
+              <p:cNvSpPr/>
+              <p:nvPr/>
+            </p:nvSpPr>
+            <p:spPr>
+              <a:xfrm>
+                <a:off x="8415338" y="3969071"/>
+                <a:ext cx="3516163" cy="529025"/>
+              </a:xfrm>
+              <a:prstGeom prst="rect">
+                <a:avLst/>
+              </a:prstGeom>
+              <a:solidFill>
+                <a:srgbClr val="FFFFFF"/>
+              </a:solidFill>
+              <a:ln w="28575" cap="flat" cmpd="sng" algn="ctr">
                 <a:solidFill>
-                  <a:schemeClr val="tx1"/>
+                  <a:srgbClr val="262626">
+                    <a:lumMod val="40000"/>
+                    <a:lumOff val="60000"/>
+                  </a:srgbClr>
                 </a:solidFill>
-                <a:miter lim="800000"/>
-                <a:headEnd/>
-                <a:tailEnd/>
-              </a14:hiddenLine>
-            </a:ext>
-            <a:ext uri="{AF507438-7753-43E0-B8FC-AC1667EBCBE1}">
-              <a14:hiddenEffects xmlns:a14="http://schemas.microsoft.com/office/drawing/2010/main">
-                <a:effectLst>
-                  <a:outerShdw dist="35921" dir="2700000" algn="ctr" rotWithShape="0">
-                    <a:schemeClr val="bg2"/>
-                  </a:outerShdw>
-                </a:effectLst>
-              </a14:hiddenEffects>
-            </a:ext>
-          </a:extLst>
-        </p:spPr>
-      </p:pic>
-      <p:pic>
-        <p:nvPicPr>
-          <p:cNvPr id="2" name="Picture 3"/>
-          <p:cNvPicPr>
-            <a:picLocks noChangeAspect="1" noChangeArrowheads="1"/>
-          </p:cNvPicPr>
+                <a:prstDash val="solid"/>
+              </a:ln>
+              <a:effectLst/>
+            </p:spPr>
+            <p:txBody>
+              <a:bodyPr rtlCol="0" anchor="ctr"/>
+              <a:lstStyle/>
+              <a:p>
+                <a:pPr algn="ctr" defTabSz="761183"/>
+                <a:r>
+                  <a:rPr lang="en-US" sz="1400" b="1" kern="0" dirty="0" smtClean="0">
+                    <a:solidFill>
+                      <a:schemeClr val="tx1">
+                        <a:lumMod val="50000"/>
+                        <a:lumOff val="50000"/>
+                      </a:schemeClr>
+                    </a:solidFill>
+                    <a:latin typeface="Segoe UI"/>
+                  </a:rPr>
+                  <a:t>Word Application</a:t>
+                </a:r>
+                <a:endParaRPr lang="en-US" sz="1400" b="1" kern="0" dirty="0">
+                  <a:solidFill>
+                    <a:schemeClr val="tx1">
+                      <a:lumMod val="50000"/>
+                      <a:lumOff val="50000"/>
+                    </a:schemeClr>
+                  </a:solidFill>
+                  <a:latin typeface="Segoe UI"/>
+                </a:endParaRPr>
+              </a:p>
+            </p:txBody>
+          </p:sp>
+        </p:grpSp>
+        <p:sp>
+          <p:nvSpPr>
+            <p:cNvPr id="11" name="Rectangle 10"/>
+            <p:cNvSpPr/>
+            <p:nvPr/>
+          </p:nvSpPr>
+          <p:spPr>
+            <a:xfrm>
+              <a:off x="1080673" y="1746143"/>
+              <a:ext cx="1882896" cy="1716274"/>
+            </a:xfrm>
+            <a:prstGeom prst="rect">
+              <a:avLst/>
+            </a:prstGeom>
+            <a:ln w="19050">
+              <a:solidFill>
+                <a:srgbClr val="4D4D4D">
+                  <a:lumMod val="40000"/>
+                  <a:lumOff val="60000"/>
+                </a:srgbClr>
+              </a:solidFill>
+            </a:ln>
+          </p:spPr>
+          <p:txBody>
+            <a:bodyPr vert="horz" lIns="0" tIns="0" rIns="0" bIns="0" rtlCol="0" anchor="ctr">
+              <a:noAutofit/>
+            </a:bodyPr>
+            <a:lstStyle/>
+            <a:p>
+              <a:pPr algn="ctr" defTabSz="761183">
+                <a:spcBef>
+                  <a:spcPct val="20000"/>
+                </a:spcBef>
+              </a:pPr>
+              <a:r>
+                <a:rPr lang="en-US" sz="2000" kern="0" spc="-67" dirty="0" smtClean="0">
+                  <a:solidFill>
+                    <a:schemeClr val="tx2"/>
+                  </a:solidFill>
+                  <a:latin typeface="Segoe UI Light"/>
+                  <a:ea typeface="Segoe UI" pitchFamily="34" charset="0"/>
+                  <a:cs typeface="Segoe UI" pitchFamily="34" charset="0"/>
+                </a:rPr>
+                <a:t>Document</a:t>
+              </a:r>
+              <a:endParaRPr lang="en-US" sz="2000" kern="0" spc="-67" dirty="0">
+                <a:solidFill>
+                  <a:schemeClr val="tx2"/>
+                </a:solidFill>
+                <a:latin typeface="Segoe UI Light"/>
+                <a:ea typeface="Segoe UI" pitchFamily="34" charset="0"/>
+                <a:cs typeface="Segoe UI" pitchFamily="34" charset="0"/>
+              </a:endParaRPr>
+            </a:p>
+          </p:txBody>
+        </p:sp>
+        <p:sp>
+          <p:nvSpPr>
+            <p:cNvPr id="12" name="Rectangle 11"/>
+            <p:cNvSpPr/>
+            <p:nvPr/>
+          </p:nvSpPr>
+          <p:spPr>
+            <a:xfrm>
+              <a:off x="3072821" y="1658758"/>
+              <a:ext cx="827033" cy="1895701"/>
+            </a:xfrm>
+            <a:prstGeom prst="rect">
+              <a:avLst/>
+            </a:prstGeom>
+            <a:gradFill>
+              <a:gsLst>
+                <a:gs pos="0">
+                  <a:schemeClr val="accent1">
+                    <a:lumMod val="5000"/>
+                    <a:lumOff val="95000"/>
+                  </a:schemeClr>
+                </a:gs>
+                <a:gs pos="74000">
+                  <a:schemeClr val="accent1">
+                    <a:lumMod val="45000"/>
+                    <a:lumOff val="55000"/>
+                  </a:schemeClr>
+                </a:gs>
+                <a:gs pos="83000">
+                  <a:schemeClr val="accent1">
+                    <a:lumMod val="45000"/>
+                    <a:lumOff val="55000"/>
+                  </a:schemeClr>
+                </a:gs>
+                <a:gs pos="100000">
+                  <a:schemeClr val="accent1">
+                    <a:lumMod val="30000"/>
+                    <a:lumOff val="70000"/>
+                  </a:schemeClr>
+                </a:gs>
+              </a:gsLst>
+              <a:lin ang="5400000" scaled="1"/>
+            </a:gradFill>
+            <a:ln w="19050">
+              <a:solidFill>
+                <a:srgbClr val="4D4D4D">
+                  <a:lumMod val="40000"/>
+                  <a:lumOff val="60000"/>
+                </a:srgbClr>
+              </a:solidFill>
+            </a:ln>
+          </p:spPr>
+          <p:txBody>
+            <a:bodyPr vert="horz" lIns="0" tIns="0" rIns="0" bIns="0" rtlCol="0" anchor="ctr">
+              <a:noAutofit/>
+            </a:bodyPr>
+            <a:lstStyle/>
+            <a:p>
+              <a:pPr algn="ctr" defTabSz="761183">
+                <a:spcBef>
+                  <a:spcPct val="20000"/>
+                </a:spcBef>
+              </a:pPr>
+              <a:r>
+                <a:rPr lang="en-US" sz="1400" kern="0" spc="-67" dirty="0" smtClean="0">
+                  <a:latin typeface="Segoe UI Light"/>
+                  <a:ea typeface="Segoe UI" pitchFamily="34" charset="0"/>
+                  <a:cs typeface="Segoe UI" pitchFamily="34" charset="0"/>
+                </a:rPr>
+                <a:t>Task Pane App</a:t>
+              </a:r>
+              <a:endParaRPr lang="en-US" sz="1400" kern="0" spc="-67" dirty="0">
+                <a:latin typeface="Segoe UI Light"/>
+                <a:ea typeface="Segoe UI" pitchFamily="34" charset="0"/>
+                <a:cs typeface="Segoe UI" pitchFamily="34" charset="0"/>
+              </a:endParaRPr>
+            </a:p>
+          </p:txBody>
+        </p:sp>
+        <p:cxnSp>
+          <p:nvCxnSpPr>
+            <p:cNvPr id="13" name="Straight Connector 12"/>
+            <p:cNvCxnSpPr/>
+            <p:nvPr/>
+          </p:nvCxnSpPr>
+          <p:spPr>
+            <a:xfrm>
+              <a:off x="1164266" y="1896482"/>
+              <a:ext cx="1651819" cy="0"/>
+            </a:xfrm>
+            <a:prstGeom prst="line">
+              <a:avLst/>
+            </a:prstGeom>
+            <a:ln>
+              <a:solidFill>
+                <a:schemeClr val="bg1">
+                  <a:lumMod val="65000"/>
+                </a:schemeClr>
+              </a:solidFill>
+              <a:headEnd type="none"/>
+              <a:tailEnd type="none"/>
+            </a:ln>
+          </p:spPr>
+          <p:style>
+            <a:lnRef idx="1">
+              <a:schemeClr val="accent1"/>
+            </a:lnRef>
+            <a:fillRef idx="0">
+              <a:schemeClr val="accent1"/>
+            </a:fillRef>
+            <a:effectRef idx="0">
+              <a:schemeClr val="accent1"/>
+            </a:effectRef>
+            <a:fontRef idx="minor">
+              <a:schemeClr val="tx1"/>
+            </a:fontRef>
+          </p:style>
+        </p:cxnSp>
+        <p:cxnSp>
+          <p:nvCxnSpPr>
+            <p:cNvPr id="14" name="Straight Connector 13"/>
+            <p:cNvCxnSpPr/>
+            <p:nvPr/>
+          </p:nvCxnSpPr>
+          <p:spPr>
+            <a:xfrm>
+              <a:off x="1164266" y="2052611"/>
+              <a:ext cx="1651819" cy="0"/>
+            </a:xfrm>
+            <a:prstGeom prst="line">
+              <a:avLst/>
+            </a:prstGeom>
+            <a:ln>
+              <a:solidFill>
+                <a:schemeClr val="bg1">
+                  <a:lumMod val="65000"/>
+                </a:schemeClr>
+              </a:solidFill>
+              <a:headEnd type="none"/>
+              <a:tailEnd type="none"/>
+            </a:ln>
+          </p:spPr>
+          <p:style>
+            <a:lnRef idx="1">
+              <a:schemeClr val="accent1"/>
+            </a:lnRef>
+            <a:fillRef idx="0">
+              <a:schemeClr val="accent1"/>
+            </a:fillRef>
+            <a:effectRef idx="0">
+              <a:schemeClr val="accent1"/>
+            </a:effectRef>
+            <a:fontRef idx="minor">
+              <a:schemeClr val="tx1"/>
+            </a:fontRef>
+          </p:style>
+        </p:cxnSp>
+        <p:cxnSp>
+          <p:nvCxnSpPr>
+            <p:cNvPr id="15" name="Straight Connector 14"/>
+            <p:cNvCxnSpPr/>
+            <p:nvPr/>
+          </p:nvCxnSpPr>
+          <p:spPr>
+            <a:xfrm>
+              <a:off x="1164266" y="2214843"/>
+              <a:ext cx="1651819" cy="0"/>
+            </a:xfrm>
+            <a:prstGeom prst="line">
+              <a:avLst/>
+            </a:prstGeom>
+            <a:ln>
+              <a:solidFill>
+                <a:schemeClr val="bg1">
+                  <a:lumMod val="65000"/>
+                </a:schemeClr>
+              </a:solidFill>
+              <a:headEnd type="none"/>
+              <a:tailEnd type="none"/>
+            </a:ln>
+          </p:spPr>
+          <p:style>
+            <a:lnRef idx="1">
+              <a:schemeClr val="accent1"/>
+            </a:lnRef>
+            <a:fillRef idx="0">
+              <a:schemeClr val="accent1"/>
+            </a:fillRef>
+            <a:effectRef idx="0">
+              <a:schemeClr val="accent1"/>
+            </a:effectRef>
+            <a:fontRef idx="minor">
+              <a:schemeClr val="tx1"/>
+            </a:fontRef>
+          </p:style>
+        </p:cxnSp>
+        <p:cxnSp>
+          <p:nvCxnSpPr>
+            <p:cNvPr id="16" name="Straight Connector 15"/>
+            <p:cNvCxnSpPr/>
+            <p:nvPr/>
+          </p:nvCxnSpPr>
+          <p:spPr>
+            <a:xfrm>
+              <a:off x="1164266" y="2396739"/>
+              <a:ext cx="1651819" cy="0"/>
+            </a:xfrm>
+            <a:prstGeom prst="line">
+              <a:avLst/>
+            </a:prstGeom>
+            <a:ln>
+              <a:solidFill>
+                <a:schemeClr val="bg1">
+                  <a:lumMod val="65000"/>
+                </a:schemeClr>
+              </a:solidFill>
+              <a:headEnd type="none"/>
+              <a:tailEnd type="none"/>
+            </a:ln>
+          </p:spPr>
+          <p:style>
+            <a:lnRef idx="1">
+              <a:schemeClr val="accent1"/>
+            </a:lnRef>
+            <a:fillRef idx="0">
+              <a:schemeClr val="accent1"/>
+            </a:fillRef>
+            <a:effectRef idx="0">
+              <a:schemeClr val="accent1"/>
+            </a:effectRef>
+            <a:fontRef idx="minor">
+              <a:schemeClr val="tx1"/>
+            </a:fontRef>
+          </p:style>
+        </p:cxnSp>
+        <p:cxnSp>
+          <p:nvCxnSpPr>
+            <p:cNvPr id="17" name="Straight Connector 16"/>
+            <p:cNvCxnSpPr/>
+            <p:nvPr/>
+          </p:nvCxnSpPr>
+          <p:spPr>
+            <a:xfrm>
+              <a:off x="1164266" y="2764887"/>
+              <a:ext cx="1651819" cy="0"/>
+            </a:xfrm>
+            <a:prstGeom prst="line">
+              <a:avLst/>
+            </a:prstGeom>
+            <a:ln>
+              <a:solidFill>
+                <a:schemeClr val="bg1">
+                  <a:lumMod val="65000"/>
+                </a:schemeClr>
+              </a:solidFill>
+              <a:headEnd type="none"/>
+              <a:tailEnd type="none"/>
+            </a:ln>
+          </p:spPr>
+          <p:style>
+            <a:lnRef idx="1">
+              <a:schemeClr val="accent1"/>
+            </a:lnRef>
+            <a:fillRef idx="0">
+              <a:schemeClr val="accent1"/>
+            </a:fillRef>
+            <a:effectRef idx="0">
+              <a:schemeClr val="accent1"/>
+            </a:effectRef>
+            <a:fontRef idx="minor">
+              <a:schemeClr val="tx1"/>
+            </a:fontRef>
+          </p:style>
+        </p:cxnSp>
+        <p:cxnSp>
+          <p:nvCxnSpPr>
+            <p:cNvPr id="18" name="Straight Connector 17"/>
+            <p:cNvCxnSpPr/>
+            <p:nvPr/>
+          </p:nvCxnSpPr>
+          <p:spPr>
+            <a:xfrm>
+              <a:off x="1164266" y="2956616"/>
+              <a:ext cx="1651819" cy="0"/>
+            </a:xfrm>
+            <a:prstGeom prst="line">
+              <a:avLst/>
+            </a:prstGeom>
+            <a:ln>
+              <a:solidFill>
+                <a:schemeClr val="bg1">
+                  <a:lumMod val="65000"/>
+                </a:schemeClr>
+              </a:solidFill>
+              <a:headEnd type="none"/>
+              <a:tailEnd type="none"/>
+            </a:ln>
+          </p:spPr>
+          <p:style>
+            <a:lnRef idx="1">
+              <a:schemeClr val="accent1"/>
+            </a:lnRef>
+            <a:fillRef idx="0">
+              <a:schemeClr val="accent1"/>
+            </a:fillRef>
+            <a:effectRef idx="0">
+              <a:schemeClr val="accent1"/>
+            </a:effectRef>
+            <a:fontRef idx="minor">
+              <a:schemeClr val="tx1"/>
+            </a:fontRef>
+          </p:style>
+        </p:cxnSp>
+        <p:cxnSp>
+          <p:nvCxnSpPr>
+            <p:cNvPr id="19" name="Straight Connector 18"/>
+            <p:cNvCxnSpPr/>
+            <p:nvPr/>
+          </p:nvCxnSpPr>
+          <p:spPr>
+            <a:xfrm>
+              <a:off x="1164266" y="3138513"/>
+              <a:ext cx="1651819" cy="0"/>
+            </a:xfrm>
+            <a:prstGeom prst="line">
+              <a:avLst/>
+            </a:prstGeom>
+            <a:ln>
+              <a:solidFill>
+                <a:schemeClr val="bg1">
+                  <a:lumMod val="65000"/>
+                </a:schemeClr>
+              </a:solidFill>
+              <a:headEnd type="none"/>
+              <a:tailEnd type="none"/>
+            </a:ln>
+          </p:spPr>
+          <p:style>
+            <a:lnRef idx="1">
+              <a:schemeClr val="accent1"/>
+            </a:lnRef>
+            <a:fillRef idx="0">
+              <a:schemeClr val="accent1"/>
+            </a:fillRef>
+            <a:effectRef idx="0">
+              <a:schemeClr val="accent1"/>
+            </a:effectRef>
+            <a:fontRef idx="minor">
+              <a:schemeClr val="tx1"/>
+            </a:fontRef>
+          </p:style>
+        </p:cxnSp>
+        <p:cxnSp>
+          <p:nvCxnSpPr>
+            <p:cNvPr id="20" name="Straight Connector 19"/>
+            <p:cNvCxnSpPr/>
+            <p:nvPr/>
+          </p:nvCxnSpPr>
+          <p:spPr>
+            <a:xfrm>
+              <a:off x="1164266" y="3300745"/>
+              <a:ext cx="1651819" cy="0"/>
+            </a:xfrm>
+            <a:prstGeom prst="line">
+              <a:avLst/>
+            </a:prstGeom>
+            <a:ln>
+              <a:solidFill>
+                <a:schemeClr val="bg1">
+                  <a:lumMod val="65000"/>
+                </a:schemeClr>
+              </a:solidFill>
+              <a:headEnd type="none"/>
+              <a:tailEnd type="none"/>
+            </a:ln>
+          </p:spPr>
+          <p:style>
+            <a:lnRef idx="1">
+              <a:schemeClr val="accent1"/>
+            </a:lnRef>
+            <a:fillRef idx="0">
+              <a:schemeClr val="accent1"/>
+            </a:fillRef>
+            <a:effectRef idx="0">
+              <a:schemeClr val="accent1"/>
+            </a:effectRef>
+            <a:fontRef idx="minor">
+              <a:schemeClr val="tx1"/>
+            </a:fontRef>
+          </p:style>
+        </p:cxnSp>
+        <p:pic>
+          <p:nvPicPr>
+            <p:cNvPr id="21" name="Picture 20"/>
+            <p:cNvPicPr>
+              <a:picLocks noChangeAspect="1"/>
+            </p:cNvPicPr>
+            <p:nvPr/>
+          </p:nvPicPr>
+          <p:blipFill rotWithShape="1">
+            <a:blip r:embed="rId3">
+              <a:extLst>
+                <a:ext uri="{28A0092B-C50C-407E-A947-70E740481C1C}">
+                  <a14:useLocalDpi xmlns:a14="http://schemas.microsoft.com/office/drawing/2010/main" val="0"/>
+                </a:ext>
+              </a:extLst>
+            </a:blip>
+            <a:srcRect r="50340"/>
+            <a:stretch/>
+          </p:blipFill>
+          <p:spPr>
+            <a:xfrm>
+              <a:off x="1001934" y="1194823"/>
+              <a:ext cx="441960" cy="455456"/>
+            </a:xfrm>
+            <a:prstGeom prst="rect">
+              <a:avLst/>
+            </a:prstGeom>
+          </p:spPr>
+        </p:pic>
+      </p:grpSp>
+      <p:grpSp>
+        <p:nvGrpSpPr>
+          <p:cNvPr id="24" name="Group 23"/>
+          <p:cNvGrpSpPr/>
           <p:nvPr/>
-        </p:nvPicPr>
-        <p:blipFill>
-          <a:blip r:embed="rId4">
-            <a:extLst>
-              <a:ext uri="{28A0092B-C50C-407E-A947-70E740481C1C}">
-                <a14:useLocalDpi xmlns:a14="http://schemas.microsoft.com/office/drawing/2010/main" val="0"/>
-              </a:ext>
-            </a:extLst>
-          </a:blip>
-          <a:srcRect/>
-          <a:stretch>
-            <a:fillRect/>
-          </a:stretch>
-        </p:blipFill>
-        <p:spPr bwMode="auto">
+        </p:nvGrpSpPr>
+        <p:grpSpPr>
           <a:xfrm>
-            <a:off x="368891" y="4090136"/>
-            <a:ext cx="2373713" cy="1972522"/>
+            <a:off x="378971" y="3963236"/>
+            <a:ext cx="2897920" cy="2381305"/>
+            <a:chOff x="4502991" y="3113564"/>
+            <a:chExt cx="2897920" cy="2381305"/>
           </a:xfrm>
-          <a:prstGeom prst="rect">
-            <a:avLst/>
-          </a:prstGeom>
-          <a:noFill/>
-          <a:ln>
-            <a:noFill/>
-          </a:ln>
-          <a:effectLst/>
-          <a:extLst>
-            <a:ext uri="{909E8E84-426E-40DD-AFC4-6F175D3DCCD1}">
-              <a14:hiddenFill xmlns:a14="http://schemas.microsoft.com/office/drawing/2010/main">
+        </p:grpSpPr>
+        <p:grpSp>
+          <p:nvGrpSpPr>
+            <p:cNvPr id="25" name="Group 24"/>
+            <p:cNvGrpSpPr/>
+            <p:nvPr/>
+          </p:nvGrpSpPr>
+          <p:grpSpPr>
+            <a:xfrm>
+              <a:off x="4502991" y="3113564"/>
+              <a:ext cx="2897920" cy="2381305"/>
+              <a:chOff x="8415338" y="3969071"/>
+              <a:chExt cx="3516163" cy="2594233"/>
+            </a:xfrm>
+          </p:grpSpPr>
+          <p:sp>
+            <p:nvSpPr>
+              <p:cNvPr id="37" name="Rectangle 36"/>
+              <p:cNvSpPr/>
+              <p:nvPr/>
+            </p:nvSpPr>
+            <p:spPr>
+              <a:xfrm>
+                <a:off x="8428642" y="3969071"/>
+                <a:ext cx="3502859" cy="2594233"/>
+              </a:xfrm>
+              <a:prstGeom prst="rect">
+                <a:avLst/>
+              </a:prstGeom>
+              <a:solidFill>
+                <a:srgbClr val="FFFFFF"/>
+              </a:solidFill>
+              <a:ln w="28575" cap="flat" cmpd="sng" algn="ctr">
                 <a:solidFill>
-                  <a:schemeClr val="accent1"/>
+                  <a:srgbClr val="262626">
+                    <a:lumMod val="40000"/>
+                    <a:lumOff val="60000"/>
+                  </a:srgbClr>
                 </a:solidFill>
-              </a14:hiddenFill>
-            </a:ext>
-            <a:ext uri="{91240B29-F687-4F45-9708-019B960494DF}">
-              <a14:hiddenLine xmlns:a14="http://schemas.microsoft.com/office/drawing/2010/main" w="9525">
+                <a:prstDash val="solid"/>
+              </a:ln>
+              <a:effectLst>
+                <a:outerShdw blurRad="50800" dist="38100" dir="2700000" algn="tl" rotWithShape="0">
+                  <a:prstClr val="black">
+                    <a:alpha val="40000"/>
+                  </a:prstClr>
+                </a:outerShdw>
+              </a:effectLst>
+            </p:spPr>
+            <p:txBody>
+              <a:bodyPr rtlCol="0" anchor="ctr"/>
+              <a:lstStyle/>
+              <a:p>
+                <a:pPr algn="ctr" defTabSz="761183"/>
+                <a:endParaRPr lang="en-US" sz="1500" kern="0">
+                  <a:solidFill>
+                    <a:srgbClr val="1B1B1B"/>
+                  </a:solidFill>
+                  <a:latin typeface="Segoe UI"/>
+                </a:endParaRPr>
+              </a:p>
+            </p:txBody>
+          </p:sp>
+          <p:sp>
+            <p:nvSpPr>
+              <p:cNvPr id="38" name="Rectangle 37"/>
+              <p:cNvSpPr/>
+              <p:nvPr/>
+            </p:nvSpPr>
+            <p:spPr>
+              <a:xfrm>
+                <a:off x="8415338" y="3969071"/>
+                <a:ext cx="3516163" cy="529025"/>
+              </a:xfrm>
+              <a:prstGeom prst="rect">
+                <a:avLst/>
+              </a:prstGeom>
+              <a:solidFill>
+                <a:srgbClr val="FFFFFF"/>
+              </a:solidFill>
+              <a:ln w="28575" cap="flat" cmpd="sng" algn="ctr">
                 <a:solidFill>
-                  <a:schemeClr val="tx1"/>
+                  <a:srgbClr val="262626">
+                    <a:lumMod val="40000"/>
+                    <a:lumOff val="60000"/>
+                  </a:srgbClr>
                 </a:solidFill>
-                <a:miter lim="800000"/>
-                <a:headEnd/>
-                <a:tailEnd/>
-              </a14:hiddenLine>
-            </a:ext>
-            <a:ext uri="{AF507438-7753-43E0-B8FC-AC1667EBCBE1}">
-              <a14:hiddenEffects xmlns:a14="http://schemas.microsoft.com/office/drawing/2010/main">
-                <a:effectLst>
-                  <a:outerShdw dist="35921" dir="2700000" algn="ctr" rotWithShape="0">
-                    <a:schemeClr val="bg2"/>
-                  </a:outerShdw>
-                </a:effectLst>
-              </a14:hiddenEffects>
-            </a:ext>
-          </a:extLst>
-        </p:spPr>
-      </p:pic>
+                <a:prstDash val="solid"/>
+              </a:ln>
+              <a:effectLst/>
+            </p:spPr>
+            <p:txBody>
+              <a:bodyPr rtlCol="0" anchor="ctr"/>
+              <a:lstStyle/>
+              <a:p>
+                <a:pPr algn="ctr" defTabSz="761183"/>
+                <a:r>
+                  <a:rPr lang="en-US" sz="1400" b="1" kern="0" dirty="0" smtClean="0">
+                    <a:solidFill>
+                      <a:schemeClr val="tx1">
+                        <a:lumMod val="50000"/>
+                        <a:lumOff val="50000"/>
+                      </a:schemeClr>
+                    </a:solidFill>
+                  </a:rPr>
+                  <a:t>Excel Application</a:t>
+                </a:r>
+                <a:endParaRPr lang="en-US" sz="1400" b="1" kern="0" dirty="0">
+                  <a:solidFill>
+                    <a:schemeClr val="tx1">
+                      <a:lumMod val="50000"/>
+                      <a:lumOff val="50000"/>
+                    </a:schemeClr>
+                  </a:solidFill>
+                </a:endParaRPr>
+              </a:p>
+            </p:txBody>
+          </p:sp>
+        </p:grpSp>
+        <p:sp>
+          <p:nvSpPr>
+            <p:cNvPr id="26" name="Rectangle 25"/>
+            <p:cNvSpPr/>
+            <p:nvPr/>
+          </p:nvSpPr>
+          <p:spPr>
+            <a:xfrm>
+              <a:off x="4630974" y="3686551"/>
+              <a:ext cx="2625231" cy="1716274"/>
+            </a:xfrm>
+            <a:prstGeom prst="rect">
+              <a:avLst/>
+            </a:prstGeom>
+            <a:ln w="19050">
+              <a:solidFill>
+                <a:srgbClr val="4D4D4D">
+                  <a:lumMod val="40000"/>
+                  <a:lumOff val="60000"/>
+                </a:srgbClr>
+              </a:solidFill>
+            </a:ln>
+          </p:spPr>
+          <p:txBody>
+            <a:bodyPr vert="horz" lIns="0" tIns="0" rIns="0" bIns="0" rtlCol="0" anchor="t">
+              <a:noAutofit/>
+            </a:bodyPr>
+            <a:lstStyle/>
+            <a:p>
+              <a:pPr algn="ctr" defTabSz="761183">
+                <a:spcBef>
+                  <a:spcPct val="20000"/>
+                </a:spcBef>
+              </a:pPr>
+              <a:r>
+                <a:rPr lang="en-US" sz="2000" kern="0" spc="-67" dirty="0" smtClean="0">
+                  <a:solidFill>
+                    <a:schemeClr val="tx2"/>
+                  </a:solidFill>
+                  <a:latin typeface="Segoe UI Light"/>
+                  <a:ea typeface="Segoe UI" pitchFamily="34" charset="0"/>
+                  <a:cs typeface="Segoe UI" pitchFamily="34" charset="0"/>
+                </a:rPr>
+                <a:t>Document</a:t>
+              </a:r>
+              <a:endParaRPr lang="en-US" sz="2000" kern="0" spc="-67" dirty="0">
+                <a:solidFill>
+                  <a:schemeClr val="tx2"/>
+                </a:solidFill>
+                <a:latin typeface="Segoe UI Light"/>
+                <a:ea typeface="Segoe UI" pitchFamily="34" charset="0"/>
+                <a:cs typeface="Segoe UI" pitchFamily="34" charset="0"/>
+              </a:endParaRPr>
+            </a:p>
+          </p:txBody>
+        </p:sp>
+        <p:sp>
+          <p:nvSpPr>
+            <p:cNvPr id="27" name="Rectangle 26"/>
+            <p:cNvSpPr/>
+            <p:nvPr/>
+          </p:nvSpPr>
+          <p:spPr>
+            <a:xfrm>
+              <a:off x="6217244" y="4705295"/>
+              <a:ext cx="930808" cy="613957"/>
+            </a:xfrm>
+            <a:prstGeom prst="rect">
+              <a:avLst/>
+            </a:prstGeom>
+            <a:gradFill>
+              <a:gsLst>
+                <a:gs pos="0">
+                  <a:schemeClr val="accent1">
+                    <a:lumMod val="5000"/>
+                    <a:lumOff val="95000"/>
+                  </a:schemeClr>
+                </a:gs>
+                <a:gs pos="74000">
+                  <a:schemeClr val="accent1">
+                    <a:lumMod val="45000"/>
+                    <a:lumOff val="55000"/>
+                  </a:schemeClr>
+                </a:gs>
+                <a:gs pos="83000">
+                  <a:schemeClr val="accent1">
+                    <a:lumMod val="45000"/>
+                    <a:lumOff val="55000"/>
+                  </a:schemeClr>
+                </a:gs>
+                <a:gs pos="100000">
+                  <a:schemeClr val="accent1">
+                    <a:lumMod val="30000"/>
+                    <a:lumOff val="70000"/>
+                  </a:schemeClr>
+                </a:gs>
+              </a:gsLst>
+              <a:lin ang="5400000" scaled="1"/>
+            </a:gradFill>
+            <a:ln w="19050">
+              <a:solidFill>
+                <a:srgbClr val="4D4D4D">
+                  <a:lumMod val="40000"/>
+                  <a:lumOff val="60000"/>
+                </a:srgbClr>
+              </a:solidFill>
+            </a:ln>
+          </p:spPr>
+          <p:txBody>
+            <a:bodyPr vert="horz" lIns="0" tIns="0" rIns="0" bIns="0" rtlCol="0" anchor="ctr">
+              <a:noAutofit/>
+            </a:bodyPr>
+            <a:lstStyle/>
+            <a:p>
+              <a:pPr algn="ctr" defTabSz="761183">
+                <a:spcBef>
+                  <a:spcPct val="20000"/>
+                </a:spcBef>
+              </a:pPr>
+              <a:r>
+                <a:rPr lang="en-US" sz="1400" kern="0" spc="-67" dirty="0" smtClean="0">
+                  <a:latin typeface="Segoe UI Light"/>
+                  <a:ea typeface="Segoe UI" pitchFamily="34" charset="0"/>
+                  <a:cs typeface="Segoe UI" pitchFamily="34" charset="0"/>
+                </a:rPr>
+                <a:t>Content </a:t>
+              </a:r>
+              <a:br>
+                <a:rPr lang="en-US" sz="1400" kern="0" spc="-67" dirty="0" smtClean="0">
+                  <a:latin typeface="Segoe UI Light"/>
+                  <a:ea typeface="Segoe UI" pitchFamily="34" charset="0"/>
+                  <a:cs typeface="Segoe UI" pitchFamily="34" charset="0"/>
+                </a:rPr>
+              </a:br>
+              <a:r>
+                <a:rPr lang="en-US" sz="1400" kern="0" spc="-67" dirty="0" smtClean="0">
+                  <a:latin typeface="Segoe UI Light"/>
+                  <a:ea typeface="Segoe UI" pitchFamily="34" charset="0"/>
+                  <a:cs typeface="Segoe UI" pitchFamily="34" charset="0"/>
+                </a:rPr>
+                <a:t>App</a:t>
+              </a:r>
+              <a:endParaRPr lang="en-US" sz="1400" kern="0" spc="-67" dirty="0">
+                <a:latin typeface="Segoe UI Light"/>
+                <a:ea typeface="Segoe UI" pitchFamily="34" charset="0"/>
+                <a:cs typeface="Segoe UI" pitchFamily="34" charset="0"/>
+              </a:endParaRPr>
+            </a:p>
+          </p:txBody>
+        </p:sp>
+        <p:cxnSp>
+          <p:nvCxnSpPr>
+            <p:cNvPr id="28" name="Straight Connector 27"/>
+            <p:cNvCxnSpPr/>
+            <p:nvPr/>
+          </p:nvCxnSpPr>
+          <p:spPr>
+            <a:xfrm>
+              <a:off x="4768645" y="3993019"/>
+              <a:ext cx="2379407" cy="0"/>
+            </a:xfrm>
+            <a:prstGeom prst="line">
+              <a:avLst/>
+            </a:prstGeom>
+            <a:ln>
+              <a:solidFill>
+                <a:schemeClr val="bg1">
+                  <a:lumMod val="65000"/>
+                </a:schemeClr>
+              </a:solidFill>
+              <a:headEnd type="none"/>
+              <a:tailEnd type="none"/>
+            </a:ln>
+          </p:spPr>
+          <p:style>
+            <a:lnRef idx="1">
+              <a:schemeClr val="accent1"/>
+            </a:lnRef>
+            <a:fillRef idx="0">
+              <a:schemeClr val="accent1"/>
+            </a:fillRef>
+            <a:effectRef idx="0">
+              <a:schemeClr val="accent1"/>
+            </a:effectRef>
+            <a:fontRef idx="minor">
+              <a:schemeClr val="tx1"/>
+            </a:fontRef>
+          </p:style>
+        </p:cxnSp>
+        <p:cxnSp>
+          <p:nvCxnSpPr>
+            <p:cNvPr id="29" name="Straight Connector 28"/>
+            <p:cNvCxnSpPr/>
+            <p:nvPr/>
+          </p:nvCxnSpPr>
+          <p:spPr>
+            <a:xfrm>
+              <a:off x="4768645" y="4155251"/>
+              <a:ext cx="2379407" cy="0"/>
+            </a:xfrm>
+            <a:prstGeom prst="line">
+              <a:avLst/>
+            </a:prstGeom>
+            <a:ln>
+              <a:solidFill>
+                <a:schemeClr val="bg1">
+                  <a:lumMod val="65000"/>
+                </a:schemeClr>
+              </a:solidFill>
+              <a:headEnd type="none"/>
+              <a:tailEnd type="none"/>
+            </a:ln>
+          </p:spPr>
+          <p:style>
+            <a:lnRef idx="1">
+              <a:schemeClr val="accent1"/>
+            </a:lnRef>
+            <a:fillRef idx="0">
+              <a:schemeClr val="accent1"/>
+            </a:fillRef>
+            <a:effectRef idx="0">
+              <a:schemeClr val="accent1"/>
+            </a:effectRef>
+            <a:fontRef idx="minor">
+              <a:schemeClr val="tx1"/>
+            </a:fontRef>
+          </p:style>
+        </p:cxnSp>
+        <p:cxnSp>
+          <p:nvCxnSpPr>
+            <p:cNvPr id="30" name="Straight Connector 29"/>
+            <p:cNvCxnSpPr/>
+            <p:nvPr/>
+          </p:nvCxnSpPr>
+          <p:spPr>
+            <a:xfrm>
+              <a:off x="4768645" y="4337147"/>
+              <a:ext cx="2379407" cy="0"/>
+            </a:xfrm>
+            <a:prstGeom prst="line">
+              <a:avLst/>
+            </a:prstGeom>
+            <a:ln>
+              <a:solidFill>
+                <a:schemeClr val="bg1">
+                  <a:lumMod val="65000"/>
+                </a:schemeClr>
+              </a:solidFill>
+              <a:headEnd type="none"/>
+              <a:tailEnd type="none"/>
+            </a:ln>
+          </p:spPr>
+          <p:style>
+            <a:lnRef idx="1">
+              <a:schemeClr val="accent1"/>
+            </a:lnRef>
+            <a:fillRef idx="0">
+              <a:schemeClr val="accent1"/>
+            </a:fillRef>
+            <a:effectRef idx="0">
+              <a:schemeClr val="accent1"/>
+            </a:effectRef>
+            <a:fontRef idx="minor">
+              <a:schemeClr val="tx1"/>
+            </a:fontRef>
+          </p:style>
+        </p:cxnSp>
+        <p:cxnSp>
+          <p:nvCxnSpPr>
+            <p:cNvPr id="31" name="Straight Connector 30"/>
+            <p:cNvCxnSpPr/>
+            <p:nvPr/>
+          </p:nvCxnSpPr>
+          <p:spPr>
+            <a:xfrm>
+              <a:off x="4768645" y="4484631"/>
+              <a:ext cx="2379407" cy="0"/>
+            </a:xfrm>
+            <a:prstGeom prst="line">
+              <a:avLst/>
+            </a:prstGeom>
+            <a:ln>
+              <a:solidFill>
+                <a:schemeClr val="bg1">
+                  <a:lumMod val="65000"/>
+                </a:schemeClr>
+              </a:solidFill>
+              <a:headEnd type="none"/>
+              <a:tailEnd type="none"/>
+            </a:ln>
+          </p:spPr>
+          <p:style>
+            <a:lnRef idx="1">
+              <a:schemeClr val="accent1"/>
+            </a:lnRef>
+            <a:fillRef idx="0">
+              <a:schemeClr val="accent1"/>
+            </a:fillRef>
+            <a:effectRef idx="0">
+              <a:schemeClr val="accent1"/>
+            </a:effectRef>
+            <a:fontRef idx="minor">
+              <a:schemeClr val="tx1"/>
+            </a:fontRef>
+          </p:style>
+        </p:cxnSp>
+        <p:cxnSp>
+          <p:nvCxnSpPr>
+            <p:cNvPr id="32" name="Straight Connector 31"/>
+            <p:cNvCxnSpPr/>
+            <p:nvPr/>
+          </p:nvCxnSpPr>
+          <p:spPr>
+            <a:xfrm>
+              <a:off x="4768645" y="4640825"/>
+              <a:ext cx="2379407" cy="0"/>
+            </a:xfrm>
+            <a:prstGeom prst="line">
+              <a:avLst/>
+            </a:prstGeom>
+            <a:ln>
+              <a:solidFill>
+                <a:schemeClr val="bg1">
+                  <a:lumMod val="65000"/>
+                </a:schemeClr>
+              </a:solidFill>
+              <a:headEnd type="none"/>
+              <a:tailEnd type="none"/>
+            </a:ln>
+          </p:spPr>
+          <p:style>
+            <a:lnRef idx="1">
+              <a:schemeClr val="accent1"/>
+            </a:lnRef>
+            <a:fillRef idx="0">
+              <a:schemeClr val="accent1"/>
+            </a:fillRef>
+            <a:effectRef idx="0">
+              <a:schemeClr val="accent1"/>
+            </a:effectRef>
+            <a:fontRef idx="minor">
+              <a:schemeClr val="tx1"/>
+            </a:fontRef>
+          </p:style>
+        </p:cxnSp>
+        <p:cxnSp>
+          <p:nvCxnSpPr>
+            <p:cNvPr id="33" name="Straight Connector 32"/>
+            <p:cNvCxnSpPr/>
+            <p:nvPr/>
+          </p:nvCxnSpPr>
+          <p:spPr>
+            <a:xfrm>
+              <a:off x="4768645" y="4804179"/>
+              <a:ext cx="1337187" cy="13627"/>
+            </a:xfrm>
+            <a:prstGeom prst="line">
+              <a:avLst/>
+            </a:prstGeom>
+            <a:ln>
+              <a:solidFill>
+                <a:schemeClr val="bg1">
+                  <a:lumMod val="65000"/>
+                </a:schemeClr>
+              </a:solidFill>
+              <a:headEnd type="none"/>
+              <a:tailEnd type="none"/>
+            </a:ln>
+          </p:spPr>
+          <p:style>
+            <a:lnRef idx="1">
+              <a:schemeClr val="accent1"/>
+            </a:lnRef>
+            <a:fillRef idx="0">
+              <a:schemeClr val="accent1"/>
+            </a:fillRef>
+            <a:effectRef idx="0">
+              <a:schemeClr val="accent1"/>
+            </a:effectRef>
+            <a:fontRef idx="minor">
+              <a:schemeClr val="tx1"/>
+            </a:fontRef>
+          </p:style>
+        </p:cxnSp>
+        <p:cxnSp>
+          <p:nvCxnSpPr>
+            <p:cNvPr id="34" name="Straight Connector 33"/>
+            <p:cNvCxnSpPr/>
+            <p:nvPr/>
+          </p:nvCxnSpPr>
+          <p:spPr>
+            <a:xfrm>
+              <a:off x="4766293" y="4963243"/>
+              <a:ext cx="1337187" cy="13627"/>
+            </a:xfrm>
+            <a:prstGeom prst="line">
+              <a:avLst/>
+            </a:prstGeom>
+            <a:ln>
+              <a:solidFill>
+                <a:schemeClr val="bg1">
+                  <a:lumMod val="65000"/>
+                </a:schemeClr>
+              </a:solidFill>
+              <a:headEnd type="none"/>
+              <a:tailEnd type="none"/>
+            </a:ln>
+          </p:spPr>
+          <p:style>
+            <a:lnRef idx="1">
+              <a:schemeClr val="accent1"/>
+            </a:lnRef>
+            <a:fillRef idx="0">
+              <a:schemeClr val="accent1"/>
+            </a:fillRef>
+            <a:effectRef idx="0">
+              <a:schemeClr val="accent1"/>
+            </a:effectRef>
+            <a:fontRef idx="minor">
+              <a:schemeClr val="tx1"/>
+            </a:fontRef>
+          </p:style>
+        </p:cxnSp>
+        <p:cxnSp>
+          <p:nvCxnSpPr>
+            <p:cNvPr id="35" name="Straight Connector 34"/>
+            <p:cNvCxnSpPr/>
+            <p:nvPr/>
+          </p:nvCxnSpPr>
+          <p:spPr>
+            <a:xfrm>
+              <a:off x="4766293" y="5133409"/>
+              <a:ext cx="1337187" cy="13627"/>
+            </a:xfrm>
+            <a:prstGeom prst="line">
+              <a:avLst/>
+            </a:prstGeom>
+            <a:ln>
+              <a:solidFill>
+                <a:schemeClr val="bg1">
+                  <a:lumMod val="65000"/>
+                </a:schemeClr>
+              </a:solidFill>
+              <a:headEnd type="none"/>
+              <a:tailEnd type="none"/>
+            </a:ln>
+          </p:spPr>
+          <p:style>
+            <a:lnRef idx="1">
+              <a:schemeClr val="accent1"/>
+            </a:lnRef>
+            <a:fillRef idx="0">
+              <a:schemeClr val="accent1"/>
+            </a:fillRef>
+            <a:effectRef idx="0">
+              <a:schemeClr val="accent1"/>
+            </a:effectRef>
+            <a:fontRef idx="minor">
+              <a:schemeClr val="tx1"/>
+            </a:fontRef>
+          </p:style>
+        </p:cxnSp>
+        <p:pic>
+          <p:nvPicPr>
+            <p:cNvPr id="36" name="Picture 35"/>
+            <p:cNvPicPr>
+              <a:picLocks noChangeAspect="1"/>
+            </p:cNvPicPr>
+            <p:nvPr/>
+          </p:nvPicPr>
+          <p:blipFill rotWithShape="1">
+            <a:blip r:embed="rId4">
+              <a:extLst>
+                <a:ext uri="{28A0092B-C50C-407E-A947-70E740481C1C}">
+                  <a14:useLocalDpi xmlns:a14="http://schemas.microsoft.com/office/drawing/2010/main" val="0"/>
+                </a:ext>
+              </a:extLst>
+            </a:blip>
+            <a:srcRect r="46952"/>
+            <a:stretch/>
+          </p:blipFill>
+          <p:spPr>
+            <a:xfrm>
+              <a:off x="4540571" y="3123472"/>
+              <a:ext cx="451444" cy="465551"/>
+            </a:xfrm>
+            <a:prstGeom prst="rect">
+              <a:avLst/>
+            </a:prstGeom>
+          </p:spPr>
+        </p:pic>
+      </p:grpSp>
     </p:spTree>
     <p:extLst>
       <p:ext uri="{BB962C8B-B14F-4D97-AF65-F5344CB8AC3E}">
@@ -25602,70 +26977,717 @@
           </a:p>
         </p:txBody>
       </p:sp>
-      <p:pic>
-        <p:nvPicPr>
-          <p:cNvPr id="3075" name="Picture 3"/>
-          <p:cNvPicPr>
-            <a:picLocks noChangeAspect="1" noChangeArrowheads="1"/>
-          </p:cNvPicPr>
+      <p:sp>
+        <p:nvSpPr>
+          <p:cNvPr id="5" name="Rectangle 4"/>
+          <p:cNvSpPr/>
           <p:nvPr/>
-        </p:nvPicPr>
-        <p:blipFill>
-          <a:blip r:embed="rId3">
-            <a:extLst>
-              <a:ext uri="{28A0092B-C50C-407E-A947-70E740481C1C}">
-                <a14:useLocalDpi xmlns:a14="http://schemas.microsoft.com/office/drawing/2010/main" val="0"/>
-              </a:ext>
-            </a:extLst>
-          </a:blip>
-          <a:srcRect/>
-          <a:stretch>
-            <a:fillRect/>
-          </a:stretch>
-        </p:blipFill>
+        </p:nvSpPr>
         <p:spPr bwMode="auto">
           <a:xfrm>
-            <a:off x="1906092" y="3304628"/>
-            <a:ext cx="4974201" cy="2832201"/>
+            <a:off x="1164755" y="3146810"/>
+            <a:ext cx="3829705" cy="3540005"/>
           </a:xfrm>
           <a:prstGeom prst="rect">
             <a:avLst/>
           </a:prstGeom>
-          <a:noFill/>
+          <a:solidFill>
+            <a:schemeClr val="tx2"/>
+          </a:solidFill>
           <a:ln>
             <a:noFill/>
+            <a:headEnd type="none" w="med" len="med"/>
+            <a:tailEnd type="none" w="med" len="med"/>
           </a:ln>
           <a:effectLst/>
-          <a:extLst>
-            <a:ext uri="{909E8E84-426E-40DD-AFC4-6F175D3DCCD1}">
-              <a14:hiddenFill xmlns:a14="http://schemas.microsoft.com/office/drawing/2010/main">
+        </p:spPr>
+        <p:style>
+          <a:lnRef idx="1">
+            <a:schemeClr val="accent2"/>
+          </a:lnRef>
+          <a:fillRef idx="3">
+            <a:schemeClr val="accent2"/>
+          </a:fillRef>
+          <a:effectRef idx="2">
+            <a:schemeClr val="accent2"/>
+          </a:effectRef>
+          <a:fontRef idx="minor">
+            <a:schemeClr val="lt1"/>
+          </a:fontRef>
+        </p:style>
+        <p:txBody>
+          <a:bodyPr rot="0" spcFirstLastPara="0" vertOverflow="overflow" horzOverflow="overflow" vert="horz" wrap="square" lIns="45720" tIns="45720" rIns="45720" bIns="45720" numCol="1" spcCol="0" rtlCol="0" fromWordArt="0" anchor="t" anchorCtr="0" forceAA="0" compatLnSpc="1">
+            <a:prstTxWarp prst="textNoShape">
+              <a:avLst/>
+            </a:prstTxWarp>
+            <a:noAutofit/>
+          </a:bodyPr>
+          <a:lstStyle/>
+          <a:p>
+            <a:pPr defTabSz="914099" fontAlgn="base">
+              <a:spcBef>
+                <a:spcPct val="0"/>
+              </a:spcBef>
+              <a:spcAft>
+                <a:spcPct val="0"/>
+              </a:spcAft>
+            </a:pPr>
+            <a:r>
+              <a:rPr lang="en-US" sz="2200" dirty="0" smtClean="0">
+                <a:gradFill>
+                  <a:gsLst>
+                    <a:gs pos="0">
+                      <a:srgbClr val="FFFFFF"/>
+                    </a:gs>
+                    <a:gs pos="100000">
+                      <a:srgbClr val="FFFFFF"/>
+                    </a:gs>
+                  </a:gsLst>
+                  <a:lin ang="5400000" scaled="0"/>
+                </a:gradFill>
+                <a:latin typeface="+mj-lt"/>
+                <a:ea typeface="Segoe UI" pitchFamily="34" charset="0"/>
+                <a:cs typeface="Segoe UI" pitchFamily="34" charset="0"/>
+              </a:rPr>
+              <a:t>Browser</a:t>
+            </a:r>
+          </a:p>
+        </p:txBody>
+      </p:sp>
+      <p:sp>
+        <p:nvSpPr>
+          <p:cNvPr id="6" name="Rectangle 5"/>
+          <p:cNvSpPr/>
+          <p:nvPr/>
+        </p:nvSpPr>
+        <p:spPr bwMode="auto">
+          <a:xfrm>
+            <a:off x="1437122" y="3607436"/>
+            <a:ext cx="3351196" cy="2867622"/>
+          </a:xfrm>
+          <a:prstGeom prst="rect">
+            <a:avLst/>
+          </a:prstGeom>
+          <a:solidFill>
+            <a:schemeClr val="bg2"/>
+          </a:solidFill>
+          <a:ln>
+            <a:noFill/>
+            <a:headEnd type="none" w="med" len="med"/>
+            <a:tailEnd type="none" w="med" len="med"/>
+          </a:ln>
+        </p:spPr>
+        <p:style>
+          <a:lnRef idx="1">
+            <a:schemeClr val="accent5"/>
+          </a:lnRef>
+          <a:fillRef idx="3">
+            <a:schemeClr val="accent5"/>
+          </a:fillRef>
+          <a:effectRef idx="2">
+            <a:schemeClr val="accent5"/>
+          </a:effectRef>
+          <a:fontRef idx="minor">
+            <a:schemeClr val="lt1"/>
+          </a:fontRef>
+        </p:style>
+        <p:txBody>
+          <a:bodyPr rot="0" spcFirstLastPara="0" vertOverflow="overflow" horzOverflow="overflow" vert="horz" wrap="square" lIns="45720" tIns="45720" rIns="45720" bIns="45720" numCol="1" spcCol="0" rtlCol="0" fromWordArt="0" anchor="t" anchorCtr="0" forceAA="0" compatLnSpc="1">
+            <a:prstTxWarp prst="textNoShape">
+              <a:avLst/>
+            </a:prstTxWarp>
+            <a:noAutofit/>
+          </a:bodyPr>
+          <a:lstStyle/>
+          <a:p>
+            <a:pPr defTabSz="914099" fontAlgn="base">
+              <a:spcBef>
+                <a:spcPct val="0"/>
+              </a:spcBef>
+              <a:spcAft>
+                <a:spcPct val="0"/>
+              </a:spcAft>
+            </a:pPr>
+            <a:r>
+              <a:rPr lang="en-US" sz="2000" dirty="0" smtClean="0">
                 <a:solidFill>
-                  <a:schemeClr val="accent1"/>
+                  <a:schemeClr val="bg1"/>
                 </a:solidFill>
-              </a14:hiddenFill>
-            </a:ext>
-            <a:ext uri="{91240B29-F687-4F45-9708-019B960494DF}">
-              <a14:hiddenLine xmlns:a14="http://schemas.microsoft.com/office/drawing/2010/main" w="9525">
+                <a:latin typeface="+mj-lt"/>
+                <a:ea typeface="Segoe UI" pitchFamily="34" charset="0"/>
+                <a:cs typeface="Segoe UI" pitchFamily="34" charset="0"/>
+              </a:rPr>
+              <a:t>Browser</a:t>
+            </a:r>
+          </a:p>
+        </p:txBody>
+      </p:sp>
+      <p:sp>
+        <p:nvSpPr>
+          <p:cNvPr id="7" name="Rectangle 6"/>
+          <p:cNvSpPr/>
+          <p:nvPr/>
+        </p:nvSpPr>
+        <p:spPr bwMode="auto">
+          <a:xfrm>
+            <a:off x="1633638" y="4002776"/>
+            <a:ext cx="2937310" cy="2347153"/>
+          </a:xfrm>
+          <a:prstGeom prst="rect">
+            <a:avLst/>
+          </a:prstGeom>
+          <a:solidFill>
+            <a:schemeClr val="bg1">
+              <a:lumMod val="95000"/>
+            </a:schemeClr>
+          </a:solidFill>
+          <a:ln>
+            <a:headEnd type="none" w="med" len="med"/>
+            <a:tailEnd type="none" w="med" len="med"/>
+          </a:ln>
+        </p:spPr>
+        <p:style>
+          <a:lnRef idx="1">
+            <a:schemeClr val="accent6"/>
+          </a:lnRef>
+          <a:fillRef idx="3">
+            <a:schemeClr val="accent6"/>
+          </a:fillRef>
+          <a:effectRef idx="2">
+            <a:schemeClr val="accent6"/>
+          </a:effectRef>
+          <a:fontRef idx="minor">
+            <a:schemeClr val="lt1"/>
+          </a:fontRef>
+        </p:style>
+        <p:txBody>
+          <a:bodyPr rot="0" spcFirstLastPara="0" vertOverflow="overflow" horzOverflow="overflow" vert="horz" wrap="square" lIns="45720" tIns="45720" rIns="45720" bIns="45720" numCol="1" spcCol="0" rtlCol="0" fromWordArt="0" anchor="t" anchorCtr="0" forceAA="0" compatLnSpc="1">
+            <a:prstTxWarp prst="textNoShape">
+              <a:avLst/>
+            </a:prstTxWarp>
+            <a:noAutofit/>
+          </a:bodyPr>
+          <a:lstStyle/>
+          <a:p>
+            <a:pPr defTabSz="914099" fontAlgn="base">
+              <a:spcBef>
+                <a:spcPct val="0"/>
+              </a:spcBef>
+              <a:spcAft>
+                <a:spcPct val="0"/>
+              </a:spcAft>
+            </a:pPr>
+            <a:r>
+              <a:rPr lang="en-US" dirty="0" smtClean="0">
                 <a:solidFill>
                   <a:schemeClr val="tx1"/>
                 </a:solidFill>
-                <a:miter lim="800000"/>
-                <a:headEnd/>
-                <a:tailEnd/>
-              </a14:hiddenLine>
-            </a:ext>
-            <a:ext uri="{AF507438-7753-43E0-B8FC-AC1667EBCBE1}">
-              <a14:hiddenEffects xmlns:a14="http://schemas.microsoft.com/office/drawing/2010/main">
-                <a:effectLst>
-                  <a:outerShdw dist="35921" dir="2700000" algn="ctr" rotWithShape="0">
-                    <a:schemeClr val="bg2"/>
-                  </a:outerShdw>
-                </a:effectLst>
-              </a14:hiddenEffects>
-            </a:ext>
-          </a:extLst>
+                <a:latin typeface="+mj-lt"/>
+                <a:ea typeface="Segoe UI" pitchFamily="34" charset="0"/>
+                <a:cs typeface="Segoe UI" pitchFamily="34" charset="0"/>
+              </a:rPr>
+              <a:t>Excel Services</a:t>
+            </a:r>
+          </a:p>
+        </p:txBody>
+      </p:sp>
+      <p:sp>
+        <p:nvSpPr>
+          <p:cNvPr id="8" name="Rectangle 7"/>
+          <p:cNvSpPr/>
+          <p:nvPr/>
+        </p:nvSpPr>
+        <p:spPr bwMode="auto">
+          <a:xfrm>
+            <a:off x="2097255" y="4398118"/>
+            <a:ext cx="2252312" cy="471283"/>
+          </a:xfrm>
+          <a:prstGeom prst="rect">
+            <a:avLst/>
+          </a:prstGeom>
+          <a:ln>
+            <a:headEnd type="none" w="med" len="med"/>
+            <a:tailEnd type="none" w="med" len="med"/>
+          </a:ln>
         </p:spPr>
-      </p:pic>
+        <p:style>
+          <a:lnRef idx="1">
+            <a:schemeClr val="accent3"/>
+          </a:lnRef>
+          <a:fillRef idx="3">
+            <a:schemeClr val="accent3"/>
+          </a:fillRef>
+          <a:effectRef idx="2">
+            <a:schemeClr val="accent3"/>
+          </a:effectRef>
+          <a:fontRef idx="minor">
+            <a:schemeClr val="lt1"/>
+          </a:fontRef>
+        </p:style>
+        <p:txBody>
+          <a:bodyPr rot="0" spcFirstLastPara="0" vertOverflow="overflow" horzOverflow="overflow" vert="horz" wrap="square" lIns="45720" tIns="45720" rIns="45720" bIns="45720" numCol="1" spcCol="0" rtlCol="0" fromWordArt="0" anchor="ctr" anchorCtr="0" forceAA="0" compatLnSpc="1">
+            <a:prstTxWarp prst="textNoShape">
+              <a:avLst/>
+            </a:prstTxWarp>
+            <a:noAutofit/>
+          </a:bodyPr>
+          <a:lstStyle/>
+          <a:p>
+            <a:pPr algn="ctr" defTabSz="914099" fontAlgn="base">
+              <a:spcBef>
+                <a:spcPct val="0"/>
+              </a:spcBef>
+              <a:spcAft>
+                <a:spcPct val="0"/>
+              </a:spcAft>
+            </a:pPr>
+            <a:r>
+              <a:rPr lang="en-US" dirty="0" smtClean="0">
+                <a:solidFill>
+                  <a:schemeClr val="tx1"/>
+                </a:solidFill>
+                <a:latin typeface="+mj-lt"/>
+                <a:ea typeface="Segoe UI" pitchFamily="34" charset="0"/>
+                <a:cs typeface="Segoe UI" pitchFamily="34" charset="0"/>
+              </a:rPr>
+              <a:t>WEF runtime</a:t>
+            </a:r>
+          </a:p>
+        </p:txBody>
+      </p:sp>
+      <p:sp>
+        <p:nvSpPr>
+          <p:cNvPr id="9" name="Rectangle 8"/>
+          <p:cNvSpPr/>
+          <p:nvPr/>
+        </p:nvSpPr>
+        <p:spPr bwMode="auto">
+          <a:xfrm>
+            <a:off x="2097255" y="5025307"/>
+            <a:ext cx="2252311" cy="1160994"/>
+          </a:xfrm>
+          <a:prstGeom prst="rect">
+            <a:avLst/>
+          </a:prstGeom>
+          <a:ln>
+            <a:headEnd type="none" w="med" len="med"/>
+            <a:tailEnd type="none" w="med" len="med"/>
+          </a:ln>
+        </p:spPr>
+        <p:style>
+          <a:lnRef idx="1">
+            <a:schemeClr val="accent3"/>
+          </a:lnRef>
+          <a:fillRef idx="3">
+            <a:schemeClr val="accent3"/>
+          </a:fillRef>
+          <a:effectRef idx="2">
+            <a:schemeClr val="accent3"/>
+          </a:effectRef>
+          <a:fontRef idx="minor">
+            <a:schemeClr val="lt1"/>
+          </a:fontRef>
+        </p:style>
+        <p:txBody>
+          <a:bodyPr rot="0" spcFirstLastPara="0" vertOverflow="overflow" horzOverflow="overflow" vert="horz" wrap="square" lIns="45720" tIns="45720" rIns="45720" bIns="45720" numCol="1" spcCol="0" rtlCol="0" fromWordArt="0" anchor="t" anchorCtr="0" forceAA="0" compatLnSpc="1">
+            <a:prstTxWarp prst="textNoShape">
+              <a:avLst/>
+            </a:prstTxWarp>
+            <a:noAutofit/>
+          </a:bodyPr>
+          <a:lstStyle/>
+          <a:p>
+            <a:pPr defTabSz="914099" fontAlgn="base">
+              <a:spcBef>
+                <a:spcPct val="0"/>
+              </a:spcBef>
+              <a:spcAft>
+                <a:spcPct val="0"/>
+              </a:spcAft>
+            </a:pPr>
+            <a:r>
+              <a:rPr lang="en-US" sz="1600" dirty="0" err="1" smtClean="0">
+                <a:solidFill>
+                  <a:schemeClr val="tx1"/>
+                </a:solidFill>
+                <a:latin typeface="+mj-lt"/>
+                <a:ea typeface="Segoe UI" pitchFamily="34" charset="0"/>
+                <a:cs typeface="Segoe UI" pitchFamily="34" charset="0"/>
+              </a:rPr>
+              <a:t>IFrame</a:t>
+            </a:r>
+            <a:endParaRPr lang="en-US" sz="1600" dirty="0" smtClean="0">
+              <a:solidFill>
+                <a:schemeClr val="tx1"/>
+              </a:solidFill>
+              <a:latin typeface="+mj-lt"/>
+              <a:ea typeface="Segoe UI" pitchFamily="34" charset="0"/>
+              <a:cs typeface="Segoe UI" pitchFamily="34" charset="0"/>
+            </a:endParaRPr>
+          </a:p>
+        </p:txBody>
+      </p:sp>
+      <p:sp>
+        <p:nvSpPr>
+          <p:cNvPr id="10" name="Rectangle 9"/>
+          <p:cNvSpPr/>
+          <p:nvPr/>
+        </p:nvSpPr>
+        <p:spPr bwMode="auto">
+          <a:xfrm>
+            <a:off x="2219976" y="5385295"/>
+            <a:ext cx="2006867" cy="689556"/>
+          </a:xfrm>
+          <a:prstGeom prst="rect">
+            <a:avLst/>
+          </a:prstGeom>
+          <a:solidFill>
+            <a:schemeClr val="tx2"/>
+          </a:solidFill>
+          <a:ln>
+            <a:headEnd type="none" w="med" len="med"/>
+            <a:tailEnd type="none" w="med" len="med"/>
+          </a:ln>
+        </p:spPr>
+        <p:style>
+          <a:lnRef idx="1">
+            <a:schemeClr val="accent2"/>
+          </a:lnRef>
+          <a:fillRef idx="3">
+            <a:schemeClr val="accent2"/>
+          </a:fillRef>
+          <a:effectRef idx="2">
+            <a:schemeClr val="accent2"/>
+          </a:effectRef>
+          <a:fontRef idx="minor">
+            <a:schemeClr val="lt1"/>
+          </a:fontRef>
+        </p:style>
+        <p:txBody>
+          <a:bodyPr rot="0" spcFirstLastPara="0" vertOverflow="overflow" horzOverflow="overflow" vert="horz" wrap="square" lIns="45720" tIns="45720" rIns="45720" bIns="45720" numCol="1" spcCol="0" rtlCol="0" fromWordArt="0" anchor="t" anchorCtr="0" forceAA="0" compatLnSpc="1">
+            <a:prstTxWarp prst="textNoShape">
+              <a:avLst/>
+            </a:prstTxWarp>
+            <a:noAutofit/>
+          </a:bodyPr>
+          <a:lstStyle/>
+          <a:p>
+            <a:pPr algn="ctr" defTabSz="914099" fontAlgn="base">
+              <a:spcBef>
+                <a:spcPct val="0"/>
+              </a:spcBef>
+              <a:spcAft>
+                <a:spcPct val="0"/>
+              </a:spcAft>
+            </a:pPr>
+            <a:r>
+              <a:rPr lang="en-US" sz="1400" dirty="0" smtClean="0">
+                <a:solidFill>
+                  <a:schemeClr val="bg1"/>
+                </a:solidFill>
+                <a:latin typeface="+mj-lt"/>
+                <a:ea typeface="Segoe UI" pitchFamily="34" charset="0"/>
+                <a:cs typeface="Segoe UI" pitchFamily="34" charset="0"/>
+              </a:rPr>
+              <a:t>My App for Office</a:t>
+            </a:r>
+          </a:p>
+        </p:txBody>
+      </p:sp>
+      <p:sp>
+        <p:nvSpPr>
+          <p:cNvPr id="11" name="Rectangle 10"/>
+          <p:cNvSpPr/>
+          <p:nvPr/>
+        </p:nvSpPr>
+        <p:spPr bwMode="auto">
+          <a:xfrm>
+            <a:off x="2311816" y="5665073"/>
+            <a:ext cx="1806743" cy="277528"/>
+          </a:xfrm>
+          <a:prstGeom prst="rect">
+            <a:avLst/>
+          </a:prstGeom>
+          <a:ln>
+            <a:headEnd type="none" w="med" len="med"/>
+            <a:tailEnd type="none" w="med" len="med"/>
+          </a:ln>
+        </p:spPr>
+        <p:style>
+          <a:lnRef idx="1">
+            <a:schemeClr val="accent3"/>
+          </a:lnRef>
+          <a:fillRef idx="3">
+            <a:schemeClr val="accent3"/>
+          </a:fillRef>
+          <a:effectRef idx="2">
+            <a:schemeClr val="accent3"/>
+          </a:effectRef>
+          <a:fontRef idx="minor">
+            <a:schemeClr val="lt1"/>
+          </a:fontRef>
+        </p:style>
+        <p:txBody>
+          <a:bodyPr rot="0" spcFirstLastPara="0" vertOverflow="overflow" horzOverflow="overflow" vert="horz" wrap="square" lIns="45720" tIns="45720" rIns="45720" bIns="45720" numCol="1" spcCol="0" rtlCol="0" fromWordArt="0" anchor="ctr" anchorCtr="0" forceAA="0" compatLnSpc="1">
+            <a:prstTxWarp prst="textNoShape">
+              <a:avLst/>
+            </a:prstTxWarp>
+            <a:noAutofit/>
+          </a:bodyPr>
+          <a:lstStyle/>
+          <a:p>
+            <a:pPr algn="ctr" defTabSz="914099" fontAlgn="base">
+              <a:spcBef>
+                <a:spcPct val="0"/>
+              </a:spcBef>
+              <a:spcAft>
+                <a:spcPct val="0"/>
+              </a:spcAft>
+            </a:pPr>
+            <a:r>
+              <a:rPr lang="en-US" sz="1400" dirty="0" smtClean="0">
+                <a:solidFill>
+                  <a:schemeClr val="tx1"/>
+                </a:solidFill>
+                <a:latin typeface="+mj-lt"/>
+                <a:ea typeface="Segoe UI" pitchFamily="34" charset="0"/>
+                <a:cs typeface="Segoe UI" pitchFamily="34" charset="0"/>
+              </a:rPr>
+              <a:t>Office JSOM Library</a:t>
+            </a:r>
+          </a:p>
+        </p:txBody>
+      </p:sp>
+      <p:cxnSp>
+        <p:nvCxnSpPr>
+          <p:cNvPr id="12" name="Straight Arrow Connector 11"/>
+          <p:cNvCxnSpPr/>
+          <p:nvPr/>
+        </p:nvCxnSpPr>
+        <p:spPr>
+          <a:xfrm>
+            <a:off x="4731362" y="5631299"/>
+            <a:ext cx="1041146" cy="2429"/>
+          </a:xfrm>
+          <a:prstGeom prst="straightConnector1">
+            <a:avLst/>
+          </a:prstGeom>
+          <a:ln w="66675">
+            <a:solidFill>
+              <a:schemeClr val="tx1">
+                <a:alpha val="60000"/>
+              </a:schemeClr>
+            </a:solidFill>
+            <a:headEnd type="stealth" w="lg" len="lg"/>
+            <a:tailEnd type="stealth" w="lg" len="lg"/>
+          </a:ln>
+        </p:spPr>
+        <p:style>
+          <a:lnRef idx="1">
+            <a:schemeClr val="accent1"/>
+          </a:lnRef>
+          <a:fillRef idx="0">
+            <a:schemeClr val="accent1"/>
+          </a:fillRef>
+          <a:effectRef idx="0">
+            <a:schemeClr val="accent1"/>
+          </a:effectRef>
+          <a:fontRef idx="minor">
+            <a:schemeClr val="tx1"/>
+          </a:fontRef>
+        </p:style>
+      </p:cxnSp>
+      <p:sp>
+        <p:nvSpPr>
+          <p:cNvPr id="13" name="Rectangle 12"/>
+          <p:cNvSpPr/>
+          <p:nvPr/>
+        </p:nvSpPr>
+        <p:spPr bwMode="auto">
+          <a:xfrm>
+            <a:off x="5772508" y="4903885"/>
+            <a:ext cx="2707447" cy="1282415"/>
+          </a:xfrm>
+          <a:prstGeom prst="rect">
+            <a:avLst/>
+          </a:prstGeom>
+          <a:solidFill>
+            <a:schemeClr val="accent1"/>
+          </a:solidFill>
+          <a:ln>
+            <a:noFill/>
+            <a:headEnd type="none" w="med" len="med"/>
+            <a:tailEnd type="none" w="med" len="med"/>
+          </a:ln>
+          <a:effectLst/>
+        </p:spPr>
+        <p:style>
+          <a:lnRef idx="1">
+            <a:schemeClr val="accent2"/>
+          </a:lnRef>
+          <a:fillRef idx="3">
+            <a:schemeClr val="accent2"/>
+          </a:fillRef>
+          <a:effectRef idx="2">
+            <a:schemeClr val="accent2"/>
+          </a:effectRef>
+          <a:fontRef idx="minor">
+            <a:schemeClr val="lt1"/>
+          </a:fontRef>
+        </p:style>
+        <p:txBody>
+          <a:bodyPr rot="0" spcFirstLastPara="0" vertOverflow="overflow" horzOverflow="overflow" vert="horz" wrap="square" lIns="45720" tIns="45720" rIns="45720" bIns="45720" numCol="1" spcCol="0" rtlCol="0" fromWordArt="0" anchor="t" anchorCtr="0" forceAA="0" compatLnSpc="1">
+            <a:prstTxWarp prst="textNoShape">
+              <a:avLst/>
+            </a:prstTxWarp>
+            <a:noAutofit/>
+          </a:bodyPr>
+          <a:lstStyle/>
+          <a:p>
+            <a:pPr defTabSz="914099" fontAlgn="base">
+              <a:spcBef>
+                <a:spcPct val="0"/>
+              </a:spcBef>
+              <a:spcAft>
+                <a:spcPct val="0"/>
+              </a:spcAft>
+            </a:pPr>
+            <a:r>
+              <a:rPr lang="en-US" sz="2200" dirty="0" smtClean="0">
+                <a:gradFill>
+                  <a:gsLst>
+                    <a:gs pos="0">
+                      <a:srgbClr val="FFFFFF"/>
+                    </a:gs>
+                    <a:gs pos="100000">
+                      <a:srgbClr val="FFFFFF"/>
+                    </a:gs>
+                  </a:gsLst>
+                  <a:lin ang="5400000" scaled="0"/>
+                </a:gradFill>
+                <a:latin typeface="+mj-lt"/>
+                <a:ea typeface="Segoe UI" pitchFamily="34" charset="0"/>
+                <a:cs typeface="Segoe UI" pitchFamily="34" charset="0"/>
+              </a:rPr>
+              <a:t>Web Server</a:t>
+            </a:r>
+          </a:p>
+        </p:txBody>
+      </p:sp>
+      <p:sp>
+        <p:nvSpPr>
+          <p:cNvPr id="14" name="Rectangle 13"/>
+          <p:cNvSpPr/>
+          <p:nvPr/>
+        </p:nvSpPr>
+        <p:spPr bwMode="auto">
+          <a:xfrm>
+            <a:off x="5985234" y="5347854"/>
+            <a:ext cx="2291615" cy="634438"/>
+          </a:xfrm>
+          <a:prstGeom prst="rect">
+            <a:avLst/>
+          </a:prstGeom>
+          <a:solidFill>
+            <a:schemeClr val="bg1">
+              <a:lumMod val="95000"/>
+            </a:schemeClr>
+          </a:solidFill>
+          <a:ln>
+            <a:headEnd type="none" w="med" len="med"/>
+            <a:tailEnd type="none" w="med" len="med"/>
+          </a:ln>
+        </p:spPr>
+        <p:style>
+          <a:lnRef idx="0">
+            <a:schemeClr val="accent6"/>
+          </a:lnRef>
+          <a:fillRef idx="3">
+            <a:schemeClr val="accent6"/>
+          </a:fillRef>
+          <a:effectRef idx="3">
+            <a:schemeClr val="accent6"/>
+          </a:effectRef>
+          <a:fontRef idx="minor">
+            <a:schemeClr val="lt1"/>
+          </a:fontRef>
+        </p:style>
+        <p:txBody>
+          <a:bodyPr rot="0" spcFirstLastPara="0" vertOverflow="overflow" horzOverflow="overflow" vert="horz" wrap="square" lIns="45720" tIns="45720" rIns="45720" bIns="45720" numCol="1" spcCol="0" rtlCol="0" fromWordArt="0" anchor="ctr" anchorCtr="0" forceAA="0" compatLnSpc="1">
+            <a:prstTxWarp prst="textNoShape">
+              <a:avLst/>
+            </a:prstTxWarp>
+            <a:noAutofit/>
+          </a:bodyPr>
+          <a:lstStyle/>
+          <a:p>
+            <a:pPr algn="ctr" defTabSz="914099" fontAlgn="base">
+              <a:spcBef>
+                <a:spcPct val="0"/>
+              </a:spcBef>
+              <a:spcAft>
+                <a:spcPct val="0"/>
+              </a:spcAft>
+            </a:pPr>
+            <a:r>
+              <a:rPr lang="en-US" dirty="0" smtClean="0">
+                <a:solidFill>
+                  <a:schemeClr val="tx1"/>
+                </a:solidFill>
+                <a:latin typeface="+mj-lt"/>
+                <a:ea typeface="Segoe UI" pitchFamily="34" charset="0"/>
+                <a:cs typeface="Segoe UI" pitchFamily="34" charset="0"/>
+              </a:rPr>
+              <a:t>Excel Services</a:t>
+            </a:r>
+          </a:p>
+        </p:txBody>
+      </p:sp>
+      <p:cxnSp>
+        <p:nvCxnSpPr>
+          <p:cNvPr id="15" name="Elbow Connector 14"/>
+          <p:cNvCxnSpPr>
+            <a:stCxn id="10" idx="1"/>
+            <a:endCxn id="8" idx="1"/>
+          </p:cNvCxnSpPr>
+          <p:nvPr/>
+        </p:nvCxnSpPr>
+        <p:spPr>
+          <a:xfrm rot="10800000">
+            <a:off x="2097256" y="4633761"/>
+            <a:ext cx="122721" cy="1096313"/>
+          </a:xfrm>
+          <a:prstGeom prst="bentConnector3">
+            <a:avLst>
+              <a:gd name="adj1" fmla="val 367266"/>
+            </a:avLst>
+          </a:prstGeom>
+          <a:ln w="41275">
+            <a:solidFill>
+              <a:schemeClr val="tx1">
+                <a:alpha val="60000"/>
+              </a:schemeClr>
+            </a:solidFill>
+            <a:prstDash val="sysDot"/>
+            <a:headEnd type="stealth" w="lg" len="lg"/>
+            <a:tailEnd type="stealth" w="lg" len="lg"/>
+          </a:ln>
+        </p:spPr>
+        <p:style>
+          <a:lnRef idx="1">
+            <a:schemeClr val="accent1"/>
+          </a:lnRef>
+          <a:fillRef idx="0">
+            <a:schemeClr val="accent1"/>
+          </a:fillRef>
+          <a:effectRef idx="0">
+            <a:schemeClr val="accent1"/>
+          </a:effectRef>
+          <a:fontRef idx="minor">
+            <a:schemeClr val="tx1"/>
+          </a:fontRef>
+        </p:style>
+      </p:cxnSp>
     </p:spTree>
     <p:extLst>
       <p:ext uri="{BB962C8B-B14F-4D97-AF65-F5344CB8AC3E}">
